--- a/E4_配布資料/研修結果発表パワーポイント.pptx
+++ b/E4_配布資料/研修結果発表パワーポイント.pptx
@@ -5,22 +5,28 @@
     <p:sldMasterId id="2147483648" r:id="rId1"/>
   </p:sldMasterIdLst>
   <p:notesMasterIdLst>
-    <p:notesMasterId r:id="rId15"/>
+    <p:notesMasterId r:id="rId21"/>
   </p:notesMasterIdLst>
   <p:sldIdLst>
     <p:sldId id="256" r:id="rId2"/>
-    <p:sldId id="271" r:id="rId3"/>
-    <p:sldId id="264" r:id="rId4"/>
-    <p:sldId id="270" r:id="rId5"/>
-    <p:sldId id="257" r:id="rId6"/>
-    <p:sldId id="258" r:id="rId7"/>
+    <p:sldId id="278" r:id="rId3"/>
+    <p:sldId id="271" r:id="rId4"/>
+    <p:sldId id="264" r:id="rId5"/>
+    <p:sldId id="270" r:id="rId6"/>
+    <p:sldId id="257" r:id="rId7"/>
     <p:sldId id="266" r:id="rId8"/>
-    <p:sldId id="261" r:id="rId9"/>
-    <p:sldId id="262" r:id="rId10"/>
-    <p:sldId id="269" r:id="rId11"/>
-    <p:sldId id="265" r:id="rId12"/>
+    <p:sldId id="258" r:id="rId9"/>
+    <p:sldId id="261" r:id="rId10"/>
+    <p:sldId id="262" r:id="rId11"/>
+    <p:sldId id="269" r:id="rId12"/>
     <p:sldId id="259" r:id="rId13"/>
-    <p:sldId id="263" r:id="rId14"/>
+    <p:sldId id="272" r:id="rId14"/>
+    <p:sldId id="274" r:id="rId15"/>
+    <p:sldId id="276" r:id="rId16"/>
+    <p:sldId id="275" r:id="rId17"/>
+    <p:sldId id="277" r:id="rId18"/>
+    <p:sldId id="273" r:id="rId19"/>
+    <p:sldId id="263" r:id="rId20"/>
   </p:sldIdLst>
   <p:sldSz cx="12192000" cy="6858000"/>
   <p:notesSz cx="6858000" cy="9144000"/>
@@ -3990,7 +3996,7 @@
           <a:p>
             <a:fld id="{7F3F8755-8BBF-48EC-870E-3012BA063E46}" type="slidenum">
               <a:rPr kumimoji="1" lang="ja-JP" altLang="en-US" smtClean="0"/>
-              <a:t>2</a:t>
+              <a:t>3</a:t>
             </a:fld>
             <a:endParaRPr kumimoji="1" lang="ja-JP" altLang="en-US"/>
           </a:p>
@@ -4097,7 +4103,7 @@
           <a:p>
             <a:fld id="{7F3F8755-8BBF-48EC-870E-3012BA063E46}" type="slidenum">
               <a:rPr kumimoji="1" lang="ja-JP" altLang="en-US" smtClean="0"/>
-              <a:t>3</a:t>
+              <a:t>4</a:t>
             </a:fld>
             <a:endParaRPr kumimoji="1" lang="ja-JP" altLang="en-US"/>
           </a:p>
@@ -8237,7 +8243,7 @@
           <p:cNvPr id="2" name="タイトル 1">
             <a:extLst>
               <a:ext uri="{FF2B5EF4-FFF2-40B4-BE49-F238E27FC236}">
-                <a16:creationId xmlns:a16="http://schemas.microsoft.com/office/drawing/2014/main" id="{FBB69B61-9871-38EE-B9CF-8BDED1048F32}"/>
+                <a16:creationId xmlns:a16="http://schemas.microsoft.com/office/drawing/2014/main" id="{B84913CA-78E0-F492-EC1C-47563005D951}"/>
               </a:ext>
             </a:extLst>
           </p:cNvPr>
@@ -8262,7 +8268,7 @@
           <a:p>
             <a:r>
               <a:rPr kumimoji="1" lang="ja-JP" altLang="en-US"/>
-              <a:t>反省点</a:t>
+              <a:t>解決した方法</a:t>
             </a:r>
           </a:p>
         </p:txBody>
@@ -8272,7 +8278,7 @@
           <p:cNvPr id="3" name="コンテンツ プレースホルダー 2">
             <a:extLst>
               <a:ext uri="{FF2B5EF4-FFF2-40B4-BE49-F238E27FC236}">
-                <a16:creationId xmlns:a16="http://schemas.microsoft.com/office/drawing/2014/main" id="{12BC3B3B-6AA6-F684-2DA1-62911B4610FB}"/>
+                <a16:creationId xmlns:a16="http://schemas.microsoft.com/office/drawing/2014/main" id="{8026771B-1C15-1AB5-8CF7-06C5727E2315}"/>
               </a:ext>
             </a:extLst>
           </p:cNvPr>
@@ -8296,33 +8302,27 @@
           <a:lstStyle/>
           <a:p>
             <a:r>
+              <a:rPr lang="ja-JP" altLang="en-US" sz="2400"/>
+              <a:t>口頭だけではなく、図示で説明をした</a:t>
+            </a:r>
+            <a:endParaRPr lang="en-US" altLang="ja-JP" sz="2400"/>
+          </a:p>
+          <a:p>
+            <a:r>
               <a:rPr kumimoji="1" lang="ja-JP" altLang="en-US" sz="2400"/>
-              <a:t>見積もりの甘さ</a:t>
+              <a:t>画面共有をしながら都度進捗を報告する</a:t>
             </a:r>
             <a:endParaRPr kumimoji="1" lang="en-US" altLang="ja-JP" sz="2400"/>
           </a:p>
           <a:p>
-            <a:r>
-              <a:rPr lang="ja-JP" altLang="en-US" sz="2400"/>
-              <a:t>スケジュール管理</a:t>
-            </a:r>
-            <a:endParaRPr lang="en-US" altLang="ja-JP" sz="2400"/>
-          </a:p>
-          <a:p>
-            <a:r>
-              <a:rPr kumimoji="1" lang="ja-JP" altLang="en-US" sz="2400"/>
-              <a:t>設計段階で詰め切れていなかった</a:t>
-            </a:r>
-          </a:p>
-          <a:p>
-            <a:endParaRPr kumimoji="1" lang="ja-JP" altLang="en-US" sz="2400"/>
+            <a:endParaRPr kumimoji="1" lang="en-US" altLang="ja-JP" sz="2400"/>
           </a:p>
         </p:txBody>
       </p:sp>
     </p:spTree>
     <p:extLst>
       <p:ext uri="{BB962C8B-B14F-4D97-AF65-F5344CB8AC3E}">
-        <p14:creationId xmlns:p14="http://schemas.microsoft.com/office/powerpoint/2010/main" val="732681334"/>
+        <p14:creationId xmlns:p14="http://schemas.microsoft.com/office/powerpoint/2010/main" val="1714130825"/>
       </p:ext>
     </p:extLst>
   </p:cSld>
@@ -8331,10 +8331,10 @@
   </p:clrMapOvr>
   <mc:AlternateContent xmlns:mc="http://schemas.openxmlformats.org/markup-compatibility/2006" xmlns:p14="http://schemas.microsoft.com/office/powerpoint/2010/main">
     <mc:Choice Requires="p14">
-      <p:transition spd="slow" p14:dur="2000" advTm="54504"/>
+      <p:transition spd="slow" p14:dur="2000" advTm="4497"/>
     </mc:Choice>
     <mc:Fallback xmlns="">
-      <p:transition spd="slow" advTm="54504"/>
+      <p:transition spd="slow" advTm="4497"/>
     </mc:Fallback>
   </mc:AlternateContent>
 </p:sld>
@@ -8501,7 +8501,7 @@
           <p:cNvPr id="2" name="タイトル 1">
             <a:extLst>
               <a:ext uri="{FF2B5EF4-FFF2-40B4-BE49-F238E27FC236}">
-                <a16:creationId xmlns:a16="http://schemas.microsoft.com/office/drawing/2014/main" id="{49F2E7E4-A4C1-A0B4-7B23-9745356E036F}"/>
+                <a16:creationId xmlns:a16="http://schemas.microsoft.com/office/drawing/2014/main" id="{FBB69B61-9871-38EE-B9CF-8BDED1048F32}"/>
               </a:ext>
             </a:extLst>
           </p:cNvPr>
@@ -8525,8 +8525,8 @@
           <a:lstStyle/>
           <a:p>
             <a:r>
-              <a:rPr kumimoji="1" lang="ja-JP" altLang="en-US" dirty="0"/>
-              <a:t>実装できなかった部分</a:t>
+              <a:rPr kumimoji="1" lang="ja-JP" altLang="en-US"/>
+              <a:t>反省点</a:t>
             </a:r>
           </a:p>
         </p:txBody>
@@ -8536,7 +8536,7 @@
           <p:cNvPr id="3" name="コンテンツ プレースホルダー 2">
             <a:extLst>
               <a:ext uri="{FF2B5EF4-FFF2-40B4-BE49-F238E27FC236}">
-                <a16:creationId xmlns:a16="http://schemas.microsoft.com/office/drawing/2014/main" id="{42CE62AE-D658-43DB-D00F-516EDCF204C7}"/>
+                <a16:creationId xmlns:a16="http://schemas.microsoft.com/office/drawing/2014/main" id="{12BC3B3B-6AA6-F684-2DA1-62911B4610FB}"/>
               </a:ext>
             </a:extLst>
           </p:cNvPr>
@@ -8561,15 +8561,32 @@
           <a:p>
             <a:r>
               <a:rPr kumimoji="1" lang="ja-JP" altLang="en-US" sz="2400"/>
-              <a:t>開発未完</a:t>
-            </a:r>
+              <a:t>見積もりの甘さ</a:t>
+            </a:r>
+            <a:endParaRPr kumimoji="1" lang="en-US" altLang="ja-JP" sz="2400"/>
+          </a:p>
+          <a:p>
+            <a:r>
+              <a:rPr lang="ja-JP" altLang="en-US" sz="2400"/>
+              <a:t>スケジュール管理</a:t>
+            </a:r>
+            <a:endParaRPr lang="en-US" altLang="ja-JP" sz="2400"/>
+          </a:p>
+          <a:p>
+            <a:r>
+              <a:rPr kumimoji="1" lang="ja-JP" altLang="en-US" sz="2400"/>
+              <a:t>設計段階で詰め切れていなかった</a:t>
+            </a:r>
+          </a:p>
+          <a:p>
+            <a:endParaRPr kumimoji="1" lang="ja-JP" altLang="en-US" sz="2400"/>
           </a:p>
         </p:txBody>
       </p:sp>
     </p:spTree>
     <p:extLst>
       <p:ext uri="{BB962C8B-B14F-4D97-AF65-F5344CB8AC3E}">
-        <p14:creationId xmlns:p14="http://schemas.microsoft.com/office/powerpoint/2010/main" val="2937937257"/>
+        <p14:creationId xmlns:p14="http://schemas.microsoft.com/office/powerpoint/2010/main" val="732681334"/>
       </p:ext>
     </p:extLst>
   </p:cSld>
@@ -8578,10 +8595,10 @@
   </p:clrMapOvr>
   <mc:AlternateContent xmlns:mc="http://schemas.openxmlformats.org/markup-compatibility/2006" xmlns:p14="http://schemas.microsoft.com/office/powerpoint/2010/main">
     <mc:Choice Requires="p14">
-      <p:transition spd="slow" p14:dur="2000" advTm="5010"/>
+      <p:transition spd="slow" p14:dur="2000" advTm="54504"/>
     </mc:Choice>
     <mc:Fallback xmlns="">
-      <p:transition spd="slow" advTm="5010"/>
+      <p:transition spd="slow" advTm="54504"/>
     </mc:Fallback>
   </mc:AlternateContent>
 </p:sld>
@@ -9020,6 +9037,1651 @@
       </p:grpSpPr>
       <p:sp>
         <p:nvSpPr>
+          <p:cNvPr id="8" name="Rectangle 7">
+            <a:extLst>
+              <a:ext uri="{FF2B5EF4-FFF2-40B4-BE49-F238E27FC236}">
+                <a16:creationId xmlns:a16="http://schemas.microsoft.com/office/drawing/2014/main" id="{488333BA-AE6E-427A-9B16-A39C8073F4EB}"/>
+              </a:ext>
+              <a:ext uri="{C183D7F6-B498-43B3-948B-1728B52AA6E4}">
+                <adec:decorative xmlns:adec="http://schemas.microsoft.com/office/drawing/2017/decorative" val="1"/>
+              </a:ext>
+            </a:extLst>
+          </p:cNvPr>
+          <p:cNvSpPr>
+            <a:spLocks noGrp="1" noRot="1" noChangeAspect="1" noMove="1" noResize="1" noEditPoints="1" noAdjustHandles="1" noChangeArrowheads="1" noChangeShapeType="1" noTextEdit="1"/>
+          </p:cNvSpPr>
+          <p:nvPr>
+            <p:extLst>
+              <p:ext uri="{386F3935-93C4-4BCD-93E2-E3B085C9AB24}">
+                <p16:designElem xmlns:p16="http://schemas.microsoft.com/office/powerpoint/2015/main" val="1"/>
+              </p:ext>
+            </p:extLst>
+          </p:nvPr>
+        </p:nvSpPr>
+        <p:spPr>
+          <a:xfrm>
+            <a:off x="0" y="0"/>
+            <a:ext cx="12188952" cy="6858000"/>
+          </a:xfrm>
+          <a:prstGeom prst="rect">
+            <a:avLst/>
+          </a:prstGeom>
+          <a:solidFill>
+            <a:schemeClr val="tx1">
+              <a:lumMod val="75000"/>
+              <a:lumOff val="25000"/>
+            </a:schemeClr>
+          </a:solidFill>
+          <a:ln>
+            <a:noFill/>
+          </a:ln>
+        </p:spPr>
+        <p:style>
+          <a:lnRef idx="2">
+            <a:schemeClr val="accent1">
+              <a:shade val="50000"/>
+            </a:schemeClr>
+          </a:lnRef>
+          <a:fillRef idx="1">
+            <a:schemeClr val="accent1"/>
+          </a:fillRef>
+          <a:effectRef idx="0">
+            <a:schemeClr val="accent1"/>
+          </a:effectRef>
+          <a:fontRef idx="minor">
+            <a:schemeClr val="lt1"/>
+          </a:fontRef>
+        </p:style>
+        <p:txBody>
+          <a:bodyPr rtlCol="0" anchor="ctr"/>
+          <a:lstStyle/>
+          <a:p>
+            <a:pPr algn="ctr"/>
+            <a:endParaRPr lang="en-US"/>
+          </a:p>
+        </p:txBody>
+      </p:sp>
+      <p:sp>
+        <p:nvSpPr>
+          <p:cNvPr id="10" name="Rectangle 9">
+            <a:extLst>
+              <a:ext uri="{FF2B5EF4-FFF2-40B4-BE49-F238E27FC236}">
+                <a16:creationId xmlns:a16="http://schemas.microsoft.com/office/drawing/2014/main" id="{F98ED85F-DCEE-4B50-802E-71A6E3E12B04}"/>
+              </a:ext>
+              <a:ext uri="{C183D7F6-B498-43B3-948B-1728B52AA6E4}">
+                <adec:decorative xmlns:adec="http://schemas.microsoft.com/office/drawing/2017/decorative" val="1"/>
+              </a:ext>
+            </a:extLst>
+          </p:cNvPr>
+          <p:cNvSpPr>
+            <a:spLocks noGrp="1" noRot="1" noChangeAspect="1" noMove="1" noResize="1" noEditPoints="1" noAdjustHandles="1" noChangeArrowheads="1" noChangeShapeType="1" noTextEdit="1"/>
+          </p:cNvSpPr>
+          <p:nvPr>
+            <p:extLst>
+              <p:ext uri="{386F3935-93C4-4BCD-93E2-E3B085C9AB24}">
+                <p16:designElem xmlns:p16="http://schemas.microsoft.com/office/powerpoint/2015/main" val="1"/>
+              </p:ext>
+            </p:extLst>
+          </p:nvPr>
+        </p:nvSpPr>
+        <p:spPr bwMode="ltGray">
+          <a:xfrm>
+            <a:off x="321564" y="320040"/>
+            <a:ext cx="11548872" cy="6217920"/>
+          </a:xfrm>
+          <a:prstGeom prst="rect">
+            <a:avLst/>
+          </a:prstGeom>
+          <a:solidFill>
+            <a:schemeClr val="bg1"/>
+          </a:solidFill>
+          <a:ln w="127000" cap="sq" cmpd="thinThick">
+            <a:solidFill>
+              <a:schemeClr val="bg1"/>
+            </a:solidFill>
+          </a:ln>
+        </p:spPr>
+        <p:style>
+          <a:lnRef idx="2">
+            <a:schemeClr val="accent1">
+              <a:shade val="50000"/>
+            </a:schemeClr>
+          </a:lnRef>
+          <a:fillRef idx="1">
+            <a:schemeClr val="accent1"/>
+          </a:fillRef>
+          <a:effectRef idx="0">
+            <a:schemeClr val="accent1"/>
+          </a:effectRef>
+          <a:fontRef idx="minor">
+            <a:schemeClr val="lt1"/>
+          </a:fontRef>
+        </p:style>
+        <p:txBody>
+          <a:bodyPr rtlCol="0" anchor="ctr"/>
+          <a:lstStyle/>
+          <a:p>
+            <a:pPr algn="ctr"/>
+            <a:endParaRPr lang="en-US"/>
+          </a:p>
+        </p:txBody>
+      </p:sp>
+      <p:sp>
+        <p:nvSpPr>
+          <p:cNvPr id="2" name="タイトル 1">
+            <a:extLst>
+              <a:ext uri="{FF2B5EF4-FFF2-40B4-BE49-F238E27FC236}">
+                <a16:creationId xmlns:a16="http://schemas.microsoft.com/office/drawing/2014/main" id="{EEE0840D-E072-34D8-D2B2-0F9ECE5FFAE5}"/>
+              </a:ext>
+            </a:extLst>
+          </p:cNvPr>
+          <p:cNvSpPr>
+            <a:spLocks noGrp="1"/>
+          </p:cNvSpPr>
+          <p:nvPr>
+            <p:ph type="title"/>
+          </p:nvPr>
+        </p:nvSpPr>
+        <p:spPr>
+          <a:xfrm>
+            <a:off x="838200" y="631825"/>
+            <a:ext cx="10515600" cy="1325563"/>
+          </a:xfrm>
+        </p:spPr>
+        <p:txBody>
+          <a:bodyPr>
+            <a:normAutofit/>
+          </a:bodyPr>
+          <a:lstStyle/>
+          <a:p>
+            <a:r>
+              <a:rPr kumimoji="1" lang="ja-JP" altLang="en-US" dirty="0"/>
+              <a:t>渡辺彩愛</a:t>
+            </a:r>
+          </a:p>
+        </p:txBody>
+      </p:sp>
+      <p:sp>
+        <p:nvSpPr>
+          <p:cNvPr id="3" name="コンテンツ プレースホルダー 2">
+            <a:extLst>
+              <a:ext uri="{FF2B5EF4-FFF2-40B4-BE49-F238E27FC236}">
+                <a16:creationId xmlns:a16="http://schemas.microsoft.com/office/drawing/2014/main" id="{A567460A-9E8C-92EE-81D6-0C2035AAA1D3}"/>
+              </a:ext>
+            </a:extLst>
+          </p:cNvPr>
+          <p:cNvSpPr>
+            <a:spLocks noGrp="1"/>
+          </p:cNvSpPr>
+          <p:nvPr>
+            <p:ph idx="1"/>
+          </p:nvPr>
+        </p:nvSpPr>
+        <p:spPr>
+          <a:xfrm>
+            <a:off x="838200" y="2057400"/>
+            <a:ext cx="10515600" cy="3871762"/>
+          </a:xfrm>
+        </p:spPr>
+        <p:txBody>
+          <a:bodyPr>
+            <a:normAutofit/>
+          </a:bodyPr>
+          <a:lstStyle/>
+          <a:p>
+            <a:r>
+              <a:rPr lang="ja-JP" altLang="en-US" sz="4400" b="0" i="0" dirty="0">
+                <a:solidFill>
+                  <a:srgbClr val="1D1C1D"/>
+                </a:solidFill>
+                <a:effectLst/>
+                <a:latin typeface="HGPｺﾞｼｯｸM" panose="020B0600000000000000" pitchFamily="50" charset="-128"/>
+                <a:ea typeface="HGPｺﾞｼｯｸM" panose="020B0600000000000000" pitchFamily="50" charset="-128"/>
+              </a:rPr>
+              <a:t>自分の状況を伝えることが出来るようになった。</a:t>
+            </a:r>
+            <a:endParaRPr lang="en-US" altLang="ja-JP" sz="4400" b="0" i="0" dirty="0">
+              <a:solidFill>
+                <a:srgbClr val="1D1C1D"/>
+              </a:solidFill>
+              <a:effectLst/>
+              <a:latin typeface="HGPｺﾞｼｯｸM" panose="020B0600000000000000" pitchFamily="50" charset="-128"/>
+              <a:ea typeface="HGPｺﾞｼｯｸM" panose="020B0600000000000000" pitchFamily="50" charset="-128"/>
+            </a:endParaRPr>
+          </a:p>
+          <a:p>
+            <a:endParaRPr lang="en-US" altLang="ja-JP" sz="4400" dirty="0">
+              <a:solidFill>
+                <a:srgbClr val="1D1C1D"/>
+              </a:solidFill>
+              <a:latin typeface="HGPｺﾞｼｯｸM" panose="020B0600000000000000" pitchFamily="50" charset="-128"/>
+              <a:ea typeface="HGPｺﾞｼｯｸM" panose="020B0600000000000000" pitchFamily="50" charset="-128"/>
+            </a:endParaRPr>
+          </a:p>
+          <a:p>
+            <a:r>
+              <a:rPr lang="ja-JP" altLang="en-US" sz="4400" b="0" i="0" dirty="0">
+                <a:solidFill>
+                  <a:srgbClr val="1D1C1D"/>
+                </a:solidFill>
+                <a:effectLst/>
+                <a:latin typeface="HGPｺﾞｼｯｸM" panose="020B0600000000000000" pitchFamily="50" charset="-128"/>
+                <a:ea typeface="HGPｺﾞｼｯｸM" panose="020B0600000000000000" pitchFamily="50" charset="-128"/>
+              </a:rPr>
+              <a:t>意見をまとめて話せるようになった</a:t>
+            </a:r>
+            <a:endParaRPr kumimoji="1" lang="ja-JP" altLang="en-US" sz="4400" dirty="0">
+              <a:latin typeface="HGPｺﾞｼｯｸM" panose="020B0600000000000000" pitchFamily="50" charset="-128"/>
+              <a:ea typeface="HGPｺﾞｼｯｸM" panose="020B0600000000000000" pitchFamily="50" charset="-128"/>
+            </a:endParaRPr>
+          </a:p>
+        </p:txBody>
+      </p:sp>
+    </p:spTree>
+    <p:extLst>
+      <p:ext uri="{BB962C8B-B14F-4D97-AF65-F5344CB8AC3E}">
+        <p14:creationId xmlns:p14="http://schemas.microsoft.com/office/powerpoint/2010/main" val="1170878419"/>
+      </p:ext>
+    </p:extLst>
+  </p:cSld>
+  <p:clrMapOvr>
+    <a:masterClrMapping/>
+  </p:clrMapOvr>
+</p:sld>
+</file>
+
+<file path=ppt/slides/slide14.xml><?xml version="1.0" encoding="utf-8"?>
+<p:sld xmlns:a="http://schemas.openxmlformats.org/drawingml/2006/main" xmlns:r="http://schemas.openxmlformats.org/officeDocument/2006/relationships" xmlns:p="http://schemas.openxmlformats.org/presentationml/2006/main">
+  <p:cSld>
+    <p:bg>
+      <p:bgPr>
+        <a:solidFill>
+          <a:schemeClr val="bg1"/>
+        </a:solidFill>
+        <a:effectLst/>
+      </p:bgPr>
+    </p:bg>
+    <p:spTree>
+      <p:nvGrpSpPr>
+        <p:cNvPr id="1" name=""/>
+        <p:cNvGrpSpPr/>
+        <p:nvPr/>
+      </p:nvGrpSpPr>
+      <p:grpSpPr>
+        <a:xfrm>
+          <a:off x="0" y="0"/>
+          <a:ext cx="0" cy="0"/>
+          <a:chOff x="0" y="0"/>
+          <a:chExt cx="0" cy="0"/>
+        </a:xfrm>
+      </p:grpSpPr>
+      <p:sp>
+        <p:nvSpPr>
+          <p:cNvPr id="8" name="Rectangle 7">
+            <a:extLst>
+              <a:ext uri="{FF2B5EF4-FFF2-40B4-BE49-F238E27FC236}">
+                <a16:creationId xmlns:a16="http://schemas.microsoft.com/office/drawing/2014/main" id="{488333BA-AE6E-427A-9B16-A39C8073F4EB}"/>
+              </a:ext>
+              <a:ext uri="{C183D7F6-B498-43B3-948B-1728B52AA6E4}">
+                <adec:decorative xmlns:adec="http://schemas.microsoft.com/office/drawing/2017/decorative" val="1"/>
+              </a:ext>
+            </a:extLst>
+          </p:cNvPr>
+          <p:cNvSpPr>
+            <a:spLocks noGrp="1" noRot="1" noChangeAspect="1" noMove="1" noResize="1" noEditPoints="1" noAdjustHandles="1" noChangeArrowheads="1" noChangeShapeType="1" noTextEdit="1"/>
+          </p:cNvSpPr>
+          <p:nvPr>
+            <p:extLst>
+              <p:ext uri="{386F3935-93C4-4BCD-93E2-E3B085C9AB24}">
+                <p16:designElem xmlns:p16="http://schemas.microsoft.com/office/powerpoint/2015/main" val="1"/>
+              </p:ext>
+            </p:extLst>
+          </p:nvPr>
+        </p:nvSpPr>
+        <p:spPr>
+          <a:xfrm>
+            <a:off x="0" y="0"/>
+            <a:ext cx="12188952" cy="6858000"/>
+          </a:xfrm>
+          <a:prstGeom prst="rect">
+            <a:avLst/>
+          </a:prstGeom>
+          <a:solidFill>
+            <a:schemeClr val="tx1">
+              <a:lumMod val="75000"/>
+              <a:lumOff val="25000"/>
+            </a:schemeClr>
+          </a:solidFill>
+          <a:ln>
+            <a:noFill/>
+          </a:ln>
+        </p:spPr>
+        <p:style>
+          <a:lnRef idx="2">
+            <a:schemeClr val="accent1">
+              <a:shade val="50000"/>
+            </a:schemeClr>
+          </a:lnRef>
+          <a:fillRef idx="1">
+            <a:schemeClr val="accent1"/>
+          </a:fillRef>
+          <a:effectRef idx="0">
+            <a:schemeClr val="accent1"/>
+          </a:effectRef>
+          <a:fontRef idx="minor">
+            <a:schemeClr val="lt1"/>
+          </a:fontRef>
+        </p:style>
+        <p:txBody>
+          <a:bodyPr rtlCol="0" anchor="ctr"/>
+          <a:lstStyle/>
+          <a:p>
+            <a:pPr algn="ctr"/>
+            <a:endParaRPr lang="en-US"/>
+          </a:p>
+        </p:txBody>
+      </p:sp>
+      <p:sp>
+        <p:nvSpPr>
+          <p:cNvPr id="10" name="Rectangle 9">
+            <a:extLst>
+              <a:ext uri="{FF2B5EF4-FFF2-40B4-BE49-F238E27FC236}">
+                <a16:creationId xmlns:a16="http://schemas.microsoft.com/office/drawing/2014/main" id="{F98ED85F-DCEE-4B50-802E-71A6E3E12B04}"/>
+              </a:ext>
+              <a:ext uri="{C183D7F6-B498-43B3-948B-1728B52AA6E4}">
+                <adec:decorative xmlns:adec="http://schemas.microsoft.com/office/drawing/2017/decorative" val="1"/>
+              </a:ext>
+            </a:extLst>
+          </p:cNvPr>
+          <p:cNvSpPr>
+            <a:spLocks noGrp="1" noRot="1" noChangeAspect="1" noMove="1" noResize="1" noEditPoints="1" noAdjustHandles="1" noChangeArrowheads="1" noChangeShapeType="1" noTextEdit="1"/>
+          </p:cNvSpPr>
+          <p:nvPr>
+            <p:extLst>
+              <p:ext uri="{386F3935-93C4-4BCD-93E2-E3B085C9AB24}">
+                <p16:designElem xmlns:p16="http://schemas.microsoft.com/office/powerpoint/2015/main" val="1"/>
+              </p:ext>
+            </p:extLst>
+          </p:nvPr>
+        </p:nvSpPr>
+        <p:spPr bwMode="ltGray">
+          <a:xfrm>
+            <a:off x="321564" y="320040"/>
+            <a:ext cx="11548872" cy="6217920"/>
+          </a:xfrm>
+          <a:prstGeom prst="rect">
+            <a:avLst/>
+          </a:prstGeom>
+          <a:solidFill>
+            <a:schemeClr val="bg1"/>
+          </a:solidFill>
+          <a:ln w="127000" cap="sq" cmpd="thinThick">
+            <a:solidFill>
+              <a:schemeClr val="bg1"/>
+            </a:solidFill>
+          </a:ln>
+        </p:spPr>
+        <p:style>
+          <a:lnRef idx="2">
+            <a:schemeClr val="accent1">
+              <a:shade val="50000"/>
+            </a:schemeClr>
+          </a:lnRef>
+          <a:fillRef idx="1">
+            <a:schemeClr val="accent1"/>
+          </a:fillRef>
+          <a:effectRef idx="0">
+            <a:schemeClr val="accent1"/>
+          </a:effectRef>
+          <a:fontRef idx="minor">
+            <a:schemeClr val="lt1"/>
+          </a:fontRef>
+        </p:style>
+        <p:txBody>
+          <a:bodyPr rtlCol="0" anchor="ctr"/>
+          <a:lstStyle/>
+          <a:p>
+            <a:pPr algn="ctr"/>
+            <a:endParaRPr lang="en-US"/>
+          </a:p>
+        </p:txBody>
+      </p:sp>
+      <p:sp>
+        <p:nvSpPr>
+          <p:cNvPr id="2" name="タイトル 1">
+            <a:extLst>
+              <a:ext uri="{FF2B5EF4-FFF2-40B4-BE49-F238E27FC236}">
+                <a16:creationId xmlns:a16="http://schemas.microsoft.com/office/drawing/2014/main" id="{EEE0840D-E072-34D8-D2B2-0F9ECE5FFAE5}"/>
+              </a:ext>
+            </a:extLst>
+          </p:cNvPr>
+          <p:cNvSpPr>
+            <a:spLocks noGrp="1"/>
+          </p:cNvSpPr>
+          <p:nvPr>
+            <p:ph type="title"/>
+          </p:nvPr>
+        </p:nvSpPr>
+        <p:spPr>
+          <a:xfrm>
+            <a:off x="838200" y="631825"/>
+            <a:ext cx="10515600" cy="1325563"/>
+          </a:xfrm>
+        </p:spPr>
+        <p:txBody>
+          <a:bodyPr>
+            <a:normAutofit/>
+          </a:bodyPr>
+          <a:lstStyle/>
+          <a:p>
+            <a:r>
+              <a:rPr kumimoji="1" lang="ja-JP" altLang="en-US" dirty="0"/>
+              <a:t>角一峰昭</a:t>
+            </a:r>
+          </a:p>
+        </p:txBody>
+      </p:sp>
+      <p:sp>
+        <p:nvSpPr>
+          <p:cNvPr id="3" name="コンテンツ プレースホルダー 2">
+            <a:extLst>
+              <a:ext uri="{FF2B5EF4-FFF2-40B4-BE49-F238E27FC236}">
+                <a16:creationId xmlns:a16="http://schemas.microsoft.com/office/drawing/2014/main" id="{A567460A-9E8C-92EE-81D6-0C2035AAA1D3}"/>
+              </a:ext>
+            </a:extLst>
+          </p:cNvPr>
+          <p:cNvSpPr>
+            <a:spLocks noGrp="1"/>
+          </p:cNvSpPr>
+          <p:nvPr>
+            <p:ph idx="1"/>
+          </p:nvPr>
+        </p:nvSpPr>
+        <p:spPr>
+          <a:xfrm>
+            <a:off x="838200" y="2057400"/>
+            <a:ext cx="10515600" cy="3871762"/>
+          </a:xfrm>
+        </p:spPr>
+        <p:txBody>
+          <a:bodyPr>
+            <a:normAutofit/>
+          </a:bodyPr>
+          <a:lstStyle/>
+          <a:p>
+            <a:r>
+              <a:rPr lang="ja-JP" altLang="en-US" sz="4000" b="0" i="0" dirty="0">
+                <a:solidFill>
+                  <a:srgbClr val="1D1C1D"/>
+                </a:solidFill>
+                <a:effectLst/>
+                <a:latin typeface="HGPｺﾞｼｯｸM" panose="020B0600000000000000" pitchFamily="50" charset="-128"/>
+                <a:ea typeface="HGPｺﾞｼｯｸM" panose="020B0600000000000000" pitchFamily="50" charset="-128"/>
+              </a:rPr>
+              <a:t>事前準備の重要性を今までより理解できるようになった。</a:t>
+            </a:r>
+            <a:endParaRPr lang="en-US" altLang="ja-JP" sz="4000" b="0" i="0" dirty="0">
+              <a:solidFill>
+                <a:srgbClr val="1D1C1D"/>
+              </a:solidFill>
+              <a:effectLst/>
+              <a:latin typeface="HGPｺﾞｼｯｸM" panose="020B0600000000000000" pitchFamily="50" charset="-128"/>
+              <a:ea typeface="HGPｺﾞｼｯｸM" panose="020B0600000000000000" pitchFamily="50" charset="-128"/>
+            </a:endParaRPr>
+          </a:p>
+          <a:p>
+            <a:endParaRPr lang="en-US" altLang="ja-JP" sz="4000" b="0" i="0" dirty="0">
+              <a:solidFill>
+                <a:srgbClr val="1D1C1D"/>
+              </a:solidFill>
+              <a:effectLst/>
+              <a:latin typeface="HGPｺﾞｼｯｸM" panose="020B0600000000000000" pitchFamily="50" charset="-128"/>
+              <a:ea typeface="HGPｺﾞｼｯｸM" panose="020B0600000000000000" pitchFamily="50" charset="-128"/>
+            </a:endParaRPr>
+          </a:p>
+          <a:p>
+            <a:r>
+              <a:rPr lang="ja-JP" altLang="en-US" sz="4000" b="0" i="0" dirty="0">
+                <a:solidFill>
+                  <a:srgbClr val="1D1C1D"/>
+                </a:solidFill>
+                <a:effectLst/>
+                <a:latin typeface="HGPｺﾞｼｯｸM" panose="020B0600000000000000" pitchFamily="50" charset="-128"/>
+                <a:ea typeface="HGPｺﾞｼｯｸM" panose="020B0600000000000000" pitchFamily="50" charset="-128"/>
+              </a:rPr>
+              <a:t>挑戦してみるという心構えを持てるようになった。</a:t>
+            </a:r>
+            <a:endParaRPr kumimoji="1" lang="ja-JP" altLang="en-US" sz="4000" dirty="0">
+              <a:latin typeface="HGPｺﾞｼｯｸM" panose="020B0600000000000000" pitchFamily="50" charset="-128"/>
+              <a:ea typeface="HGPｺﾞｼｯｸM" panose="020B0600000000000000" pitchFamily="50" charset="-128"/>
+            </a:endParaRPr>
+          </a:p>
+          <a:p>
+            <a:endParaRPr kumimoji="1" lang="ja-JP" altLang="en-US" sz="2400" dirty="0"/>
+          </a:p>
+        </p:txBody>
+      </p:sp>
+    </p:spTree>
+    <p:extLst>
+      <p:ext uri="{BB962C8B-B14F-4D97-AF65-F5344CB8AC3E}">
+        <p14:creationId xmlns:p14="http://schemas.microsoft.com/office/powerpoint/2010/main" val="1391588405"/>
+      </p:ext>
+    </p:extLst>
+  </p:cSld>
+  <p:clrMapOvr>
+    <a:masterClrMapping/>
+  </p:clrMapOvr>
+</p:sld>
+</file>
+
+<file path=ppt/slides/slide15.xml><?xml version="1.0" encoding="utf-8"?>
+<p:sld xmlns:a="http://schemas.openxmlformats.org/drawingml/2006/main" xmlns:r="http://schemas.openxmlformats.org/officeDocument/2006/relationships" xmlns:p="http://schemas.openxmlformats.org/presentationml/2006/main">
+  <p:cSld>
+    <p:bg>
+      <p:bgPr>
+        <a:solidFill>
+          <a:schemeClr val="bg1"/>
+        </a:solidFill>
+        <a:effectLst/>
+      </p:bgPr>
+    </p:bg>
+    <p:spTree>
+      <p:nvGrpSpPr>
+        <p:cNvPr id="1" name=""/>
+        <p:cNvGrpSpPr/>
+        <p:nvPr/>
+      </p:nvGrpSpPr>
+      <p:grpSpPr>
+        <a:xfrm>
+          <a:off x="0" y="0"/>
+          <a:ext cx="0" cy="0"/>
+          <a:chOff x="0" y="0"/>
+          <a:chExt cx="0" cy="0"/>
+        </a:xfrm>
+      </p:grpSpPr>
+      <p:sp>
+        <p:nvSpPr>
+          <p:cNvPr id="8" name="Rectangle 7">
+            <a:extLst>
+              <a:ext uri="{FF2B5EF4-FFF2-40B4-BE49-F238E27FC236}">
+                <a16:creationId xmlns:a16="http://schemas.microsoft.com/office/drawing/2014/main" id="{488333BA-AE6E-427A-9B16-A39C8073F4EB}"/>
+              </a:ext>
+              <a:ext uri="{C183D7F6-B498-43B3-948B-1728B52AA6E4}">
+                <adec:decorative xmlns:adec="http://schemas.microsoft.com/office/drawing/2017/decorative" val="1"/>
+              </a:ext>
+            </a:extLst>
+          </p:cNvPr>
+          <p:cNvSpPr>
+            <a:spLocks noGrp="1" noRot="1" noChangeAspect="1" noMove="1" noResize="1" noEditPoints="1" noAdjustHandles="1" noChangeArrowheads="1" noChangeShapeType="1" noTextEdit="1"/>
+          </p:cNvSpPr>
+          <p:nvPr>
+            <p:extLst>
+              <p:ext uri="{386F3935-93C4-4BCD-93E2-E3B085C9AB24}">
+                <p16:designElem xmlns:p16="http://schemas.microsoft.com/office/powerpoint/2015/main" val="1"/>
+              </p:ext>
+            </p:extLst>
+          </p:nvPr>
+        </p:nvSpPr>
+        <p:spPr>
+          <a:xfrm>
+            <a:off x="0" y="0"/>
+            <a:ext cx="12188952" cy="6858000"/>
+          </a:xfrm>
+          <a:prstGeom prst="rect">
+            <a:avLst/>
+          </a:prstGeom>
+          <a:solidFill>
+            <a:schemeClr val="tx1">
+              <a:lumMod val="75000"/>
+              <a:lumOff val="25000"/>
+            </a:schemeClr>
+          </a:solidFill>
+          <a:ln>
+            <a:noFill/>
+          </a:ln>
+        </p:spPr>
+        <p:style>
+          <a:lnRef idx="2">
+            <a:schemeClr val="accent1">
+              <a:shade val="50000"/>
+            </a:schemeClr>
+          </a:lnRef>
+          <a:fillRef idx="1">
+            <a:schemeClr val="accent1"/>
+          </a:fillRef>
+          <a:effectRef idx="0">
+            <a:schemeClr val="accent1"/>
+          </a:effectRef>
+          <a:fontRef idx="minor">
+            <a:schemeClr val="lt1"/>
+          </a:fontRef>
+        </p:style>
+        <p:txBody>
+          <a:bodyPr rtlCol="0" anchor="ctr"/>
+          <a:lstStyle/>
+          <a:p>
+            <a:pPr algn="ctr"/>
+            <a:endParaRPr lang="en-US"/>
+          </a:p>
+        </p:txBody>
+      </p:sp>
+      <p:sp>
+        <p:nvSpPr>
+          <p:cNvPr id="10" name="Rectangle 9">
+            <a:extLst>
+              <a:ext uri="{FF2B5EF4-FFF2-40B4-BE49-F238E27FC236}">
+                <a16:creationId xmlns:a16="http://schemas.microsoft.com/office/drawing/2014/main" id="{F98ED85F-DCEE-4B50-802E-71A6E3E12B04}"/>
+              </a:ext>
+              <a:ext uri="{C183D7F6-B498-43B3-948B-1728B52AA6E4}">
+                <adec:decorative xmlns:adec="http://schemas.microsoft.com/office/drawing/2017/decorative" val="1"/>
+              </a:ext>
+            </a:extLst>
+          </p:cNvPr>
+          <p:cNvSpPr>
+            <a:spLocks noGrp="1" noRot="1" noChangeAspect="1" noMove="1" noResize="1" noEditPoints="1" noAdjustHandles="1" noChangeArrowheads="1" noChangeShapeType="1" noTextEdit="1"/>
+          </p:cNvSpPr>
+          <p:nvPr>
+            <p:extLst>
+              <p:ext uri="{386F3935-93C4-4BCD-93E2-E3B085C9AB24}">
+                <p16:designElem xmlns:p16="http://schemas.microsoft.com/office/powerpoint/2015/main" val="1"/>
+              </p:ext>
+            </p:extLst>
+          </p:nvPr>
+        </p:nvSpPr>
+        <p:spPr bwMode="ltGray">
+          <a:xfrm>
+            <a:off x="321564" y="320040"/>
+            <a:ext cx="11548872" cy="6217920"/>
+          </a:xfrm>
+          <a:prstGeom prst="rect">
+            <a:avLst/>
+          </a:prstGeom>
+          <a:solidFill>
+            <a:schemeClr val="bg1"/>
+          </a:solidFill>
+          <a:ln w="127000" cap="sq" cmpd="thinThick">
+            <a:solidFill>
+              <a:schemeClr val="bg1"/>
+            </a:solidFill>
+          </a:ln>
+        </p:spPr>
+        <p:style>
+          <a:lnRef idx="2">
+            <a:schemeClr val="accent1">
+              <a:shade val="50000"/>
+            </a:schemeClr>
+          </a:lnRef>
+          <a:fillRef idx="1">
+            <a:schemeClr val="accent1"/>
+          </a:fillRef>
+          <a:effectRef idx="0">
+            <a:schemeClr val="accent1"/>
+          </a:effectRef>
+          <a:fontRef idx="minor">
+            <a:schemeClr val="lt1"/>
+          </a:fontRef>
+        </p:style>
+        <p:txBody>
+          <a:bodyPr rtlCol="0" anchor="ctr"/>
+          <a:lstStyle/>
+          <a:p>
+            <a:pPr algn="ctr"/>
+            <a:endParaRPr lang="en-US"/>
+          </a:p>
+        </p:txBody>
+      </p:sp>
+      <p:sp>
+        <p:nvSpPr>
+          <p:cNvPr id="2" name="タイトル 1">
+            <a:extLst>
+              <a:ext uri="{FF2B5EF4-FFF2-40B4-BE49-F238E27FC236}">
+                <a16:creationId xmlns:a16="http://schemas.microsoft.com/office/drawing/2014/main" id="{EEE0840D-E072-34D8-D2B2-0F9ECE5FFAE5}"/>
+              </a:ext>
+            </a:extLst>
+          </p:cNvPr>
+          <p:cNvSpPr>
+            <a:spLocks noGrp="1"/>
+          </p:cNvSpPr>
+          <p:nvPr>
+            <p:ph type="title"/>
+          </p:nvPr>
+        </p:nvSpPr>
+        <p:spPr>
+          <a:xfrm>
+            <a:off x="838200" y="631825"/>
+            <a:ext cx="10515600" cy="1325563"/>
+          </a:xfrm>
+        </p:spPr>
+        <p:txBody>
+          <a:bodyPr>
+            <a:normAutofit/>
+          </a:bodyPr>
+          <a:lstStyle/>
+          <a:p>
+            <a:r>
+              <a:rPr kumimoji="1" lang="ja-JP" altLang="en-US" dirty="0"/>
+              <a:t>福田実香</a:t>
+            </a:r>
+          </a:p>
+        </p:txBody>
+      </p:sp>
+      <p:sp>
+        <p:nvSpPr>
+          <p:cNvPr id="3" name="コンテンツ プレースホルダー 2">
+            <a:extLst>
+              <a:ext uri="{FF2B5EF4-FFF2-40B4-BE49-F238E27FC236}">
+                <a16:creationId xmlns:a16="http://schemas.microsoft.com/office/drawing/2014/main" id="{A567460A-9E8C-92EE-81D6-0C2035AAA1D3}"/>
+              </a:ext>
+            </a:extLst>
+          </p:cNvPr>
+          <p:cNvSpPr>
+            <a:spLocks noGrp="1"/>
+          </p:cNvSpPr>
+          <p:nvPr>
+            <p:ph idx="1"/>
+          </p:nvPr>
+        </p:nvSpPr>
+        <p:spPr>
+          <a:xfrm>
+            <a:off x="838200" y="2057400"/>
+            <a:ext cx="10515600" cy="3871762"/>
+          </a:xfrm>
+        </p:spPr>
+        <p:txBody>
+          <a:bodyPr>
+            <a:normAutofit/>
+          </a:bodyPr>
+          <a:lstStyle/>
+          <a:p>
+            <a:r>
+              <a:rPr lang="ja-JP" altLang="en-US" sz="4400" b="0" i="0" dirty="0">
+                <a:solidFill>
+                  <a:srgbClr val="1D1C1D"/>
+                </a:solidFill>
+                <a:effectLst/>
+                <a:latin typeface="HGPｺﾞｼｯｸM" panose="020B0600000000000000" pitchFamily="50" charset="-128"/>
+                <a:ea typeface="HGPｺﾞｼｯｸM" panose="020B0600000000000000" pitchFamily="50" charset="-128"/>
+              </a:rPr>
+              <a:t>物事を区切り良く決めることができるようになった。</a:t>
+            </a:r>
+            <a:endParaRPr lang="en-US" altLang="ja-JP" sz="4400" b="0" i="0" dirty="0">
+              <a:solidFill>
+                <a:srgbClr val="1D1C1D"/>
+              </a:solidFill>
+              <a:effectLst/>
+              <a:latin typeface="HGPｺﾞｼｯｸM" panose="020B0600000000000000" pitchFamily="50" charset="-128"/>
+              <a:ea typeface="HGPｺﾞｼｯｸM" panose="020B0600000000000000" pitchFamily="50" charset="-128"/>
+            </a:endParaRPr>
+          </a:p>
+          <a:p>
+            <a:endParaRPr lang="en-US" altLang="ja-JP" sz="4400" b="0" i="0" dirty="0">
+              <a:solidFill>
+                <a:srgbClr val="1D1C1D"/>
+              </a:solidFill>
+              <a:effectLst/>
+              <a:latin typeface="HGPｺﾞｼｯｸM" panose="020B0600000000000000" pitchFamily="50" charset="-128"/>
+              <a:ea typeface="HGPｺﾞｼｯｸM" panose="020B0600000000000000" pitchFamily="50" charset="-128"/>
+            </a:endParaRPr>
+          </a:p>
+          <a:p>
+            <a:r>
+              <a:rPr lang="ja-JP" altLang="en-US" sz="4400" b="0" i="0" dirty="0">
+                <a:solidFill>
+                  <a:srgbClr val="1D1C1D"/>
+                </a:solidFill>
+                <a:effectLst/>
+                <a:latin typeface="HGPｺﾞｼｯｸM" panose="020B0600000000000000" pitchFamily="50" charset="-128"/>
+                <a:ea typeface="HGPｺﾞｼｯｸM" panose="020B0600000000000000" pitchFamily="50" charset="-128"/>
+              </a:rPr>
+              <a:t>デザインの基本的な技術が身に付いた。</a:t>
+            </a:r>
+            <a:endParaRPr kumimoji="1" lang="ja-JP" altLang="en-US" sz="4400" dirty="0">
+              <a:latin typeface="HGPｺﾞｼｯｸM" panose="020B0600000000000000" pitchFamily="50" charset="-128"/>
+              <a:ea typeface="HGPｺﾞｼｯｸM" panose="020B0600000000000000" pitchFamily="50" charset="-128"/>
+            </a:endParaRPr>
+          </a:p>
+          <a:p>
+            <a:endParaRPr kumimoji="1" lang="ja-JP" altLang="en-US" sz="2400" dirty="0"/>
+          </a:p>
+        </p:txBody>
+      </p:sp>
+    </p:spTree>
+    <p:extLst>
+      <p:ext uri="{BB962C8B-B14F-4D97-AF65-F5344CB8AC3E}">
+        <p14:creationId xmlns:p14="http://schemas.microsoft.com/office/powerpoint/2010/main" val="3142478472"/>
+      </p:ext>
+    </p:extLst>
+  </p:cSld>
+  <p:clrMapOvr>
+    <a:masterClrMapping/>
+  </p:clrMapOvr>
+</p:sld>
+</file>
+
+<file path=ppt/slides/slide16.xml><?xml version="1.0" encoding="utf-8"?>
+<p:sld xmlns:a="http://schemas.openxmlformats.org/drawingml/2006/main" xmlns:r="http://schemas.openxmlformats.org/officeDocument/2006/relationships" xmlns:p="http://schemas.openxmlformats.org/presentationml/2006/main">
+  <p:cSld>
+    <p:bg>
+      <p:bgPr>
+        <a:solidFill>
+          <a:schemeClr val="bg1"/>
+        </a:solidFill>
+        <a:effectLst/>
+      </p:bgPr>
+    </p:bg>
+    <p:spTree>
+      <p:nvGrpSpPr>
+        <p:cNvPr id="1" name=""/>
+        <p:cNvGrpSpPr/>
+        <p:nvPr/>
+      </p:nvGrpSpPr>
+      <p:grpSpPr>
+        <a:xfrm>
+          <a:off x="0" y="0"/>
+          <a:ext cx="0" cy="0"/>
+          <a:chOff x="0" y="0"/>
+          <a:chExt cx="0" cy="0"/>
+        </a:xfrm>
+      </p:grpSpPr>
+      <p:sp>
+        <p:nvSpPr>
+          <p:cNvPr id="8" name="Rectangle 7">
+            <a:extLst>
+              <a:ext uri="{FF2B5EF4-FFF2-40B4-BE49-F238E27FC236}">
+                <a16:creationId xmlns:a16="http://schemas.microsoft.com/office/drawing/2014/main" id="{488333BA-AE6E-427A-9B16-A39C8073F4EB}"/>
+              </a:ext>
+              <a:ext uri="{C183D7F6-B498-43B3-948B-1728B52AA6E4}">
+                <adec:decorative xmlns:adec="http://schemas.microsoft.com/office/drawing/2017/decorative" val="1"/>
+              </a:ext>
+            </a:extLst>
+          </p:cNvPr>
+          <p:cNvSpPr>
+            <a:spLocks noGrp="1" noRot="1" noChangeAspect="1" noMove="1" noResize="1" noEditPoints="1" noAdjustHandles="1" noChangeArrowheads="1" noChangeShapeType="1" noTextEdit="1"/>
+          </p:cNvSpPr>
+          <p:nvPr>
+            <p:extLst>
+              <p:ext uri="{386F3935-93C4-4BCD-93E2-E3B085C9AB24}">
+                <p16:designElem xmlns:p16="http://schemas.microsoft.com/office/powerpoint/2015/main" val="1"/>
+              </p:ext>
+            </p:extLst>
+          </p:nvPr>
+        </p:nvSpPr>
+        <p:spPr>
+          <a:xfrm>
+            <a:off x="0" y="0"/>
+            <a:ext cx="12188952" cy="6858000"/>
+          </a:xfrm>
+          <a:prstGeom prst="rect">
+            <a:avLst/>
+          </a:prstGeom>
+          <a:solidFill>
+            <a:schemeClr val="tx1">
+              <a:lumMod val="75000"/>
+              <a:lumOff val="25000"/>
+            </a:schemeClr>
+          </a:solidFill>
+          <a:ln>
+            <a:noFill/>
+          </a:ln>
+        </p:spPr>
+        <p:style>
+          <a:lnRef idx="2">
+            <a:schemeClr val="accent1">
+              <a:shade val="50000"/>
+            </a:schemeClr>
+          </a:lnRef>
+          <a:fillRef idx="1">
+            <a:schemeClr val="accent1"/>
+          </a:fillRef>
+          <a:effectRef idx="0">
+            <a:schemeClr val="accent1"/>
+          </a:effectRef>
+          <a:fontRef idx="minor">
+            <a:schemeClr val="lt1"/>
+          </a:fontRef>
+        </p:style>
+        <p:txBody>
+          <a:bodyPr rtlCol="0" anchor="ctr"/>
+          <a:lstStyle/>
+          <a:p>
+            <a:pPr algn="ctr"/>
+            <a:endParaRPr lang="en-US"/>
+          </a:p>
+        </p:txBody>
+      </p:sp>
+      <p:sp>
+        <p:nvSpPr>
+          <p:cNvPr id="10" name="Rectangle 9">
+            <a:extLst>
+              <a:ext uri="{FF2B5EF4-FFF2-40B4-BE49-F238E27FC236}">
+                <a16:creationId xmlns:a16="http://schemas.microsoft.com/office/drawing/2014/main" id="{F98ED85F-DCEE-4B50-802E-71A6E3E12B04}"/>
+              </a:ext>
+              <a:ext uri="{C183D7F6-B498-43B3-948B-1728B52AA6E4}">
+                <adec:decorative xmlns:adec="http://schemas.microsoft.com/office/drawing/2017/decorative" val="1"/>
+              </a:ext>
+            </a:extLst>
+          </p:cNvPr>
+          <p:cNvSpPr>
+            <a:spLocks noGrp="1" noRot="1" noChangeAspect="1" noMove="1" noResize="1" noEditPoints="1" noAdjustHandles="1" noChangeArrowheads="1" noChangeShapeType="1" noTextEdit="1"/>
+          </p:cNvSpPr>
+          <p:nvPr>
+            <p:extLst>
+              <p:ext uri="{386F3935-93C4-4BCD-93E2-E3B085C9AB24}">
+                <p16:designElem xmlns:p16="http://schemas.microsoft.com/office/powerpoint/2015/main" val="1"/>
+              </p:ext>
+            </p:extLst>
+          </p:nvPr>
+        </p:nvSpPr>
+        <p:spPr bwMode="ltGray">
+          <a:xfrm>
+            <a:off x="321564" y="320040"/>
+            <a:ext cx="11548872" cy="6217920"/>
+          </a:xfrm>
+          <a:prstGeom prst="rect">
+            <a:avLst/>
+          </a:prstGeom>
+          <a:solidFill>
+            <a:schemeClr val="bg1"/>
+          </a:solidFill>
+          <a:ln w="127000" cap="sq" cmpd="thinThick">
+            <a:solidFill>
+              <a:schemeClr val="bg1"/>
+            </a:solidFill>
+          </a:ln>
+        </p:spPr>
+        <p:style>
+          <a:lnRef idx="2">
+            <a:schemeClr val="accent1">
+              <a:shade val="50000"/>
+            </a:schemeClr>
+          </a:lnRef>
+          <a:fillRef idx="1">
+            <a:schemeClr val="accent1"/>
+          </a:fillRef>
+          <a:effectRef idx="0">
+            <a:schemeClr val="accent1"/>
+          </a:effectRef>
+          <a:fontRef idx="minor">
+            <a:schemeClr val="lt1"/>
+          </a:fontRef>
+        </p:style>
+        <p:txBody>
+          <a:bodyPr rtlCol="0" anchor="ctr"/>
+          <a:lstStyle/>
+          <a:p>
+            <a:pPr algn="ctr"/>
+            <a:endParaRPr lang="en-US"/>
+          </a:p>
+        </p:txBody>
+      </p:sp>
+      <p:sp>
+        <p:nvSpPr>
+          <p:cNvPr id="2" name="タイトル 1">
+            <a:extLst>
+              <a:ext uri="{FF2B5EF4-FFF2-40B4-BE49-F238E27FC236}">
+                <a16:creationId xmlns:a16="http://schemas.microsoft.com/office/drawing/2014/main" id="{EEE0840D-E072-34D8-D2B2-0F9ECE5FFAE5}"/>
+              </a:ext>
+            </a:extLst>
+          </p:cNvPr>
+          <p:cNvSpPr>
+            <a:spLocks noGrp="1"/>
+          </p:cNvSpPr>
+          <p:nvPr>
+            <p:ph type="title"/>
+          </p:nvPr>
+        </p:nvSpPr>
+        <p:spPr>
+          <a:xfrm>
+            <a:off x="838200" y="631825"/>
+            <a:ext cx="10515600" cy="1325563"/>
+          </a:xfrm>
+        </p:spPr>
+        <p:txBody>
+          <a:bodyPr>
+            <a:normAutofit/>
+          </a:bodyPr>
+          <a:lstStyle/>
+          <a:p>
+            <a:r>
+              <a:rPr kumimoji="1" lang="ja-JP" altLang="en-US" dirty="0"/>
+              <a:t>高橋郁弥</a:t>
+            </a:r>
+          </a:p>
+        </p:txBody>
+      </p:sp>
+      <p:sp>
+        <p:nvSpPr>
+          <p:cNvPr id="3" name="コンテンツ プレースホルダー 2">
+            <a:extLst>
+              <a:ext uri="{FF2B5EF4-FFF2-40B4-BE49-F238E27FC236}">
+                <a16:creationId xmlns:a16="http://schemas.microsoft.com/office/drawing/2014/main" id="{A567460A-9E8C-92EE-81D6-0C2035AAA1D3}"/>
+              </a:ext>
+            </a:extLst>
+          </p:cNvPr>
+          <p:cNvSpPr>
+            <a:spLocks noGrp="1"/>
+          </p:cNvSpPr>
+          <p:nvPr>
+            <p:ph idx="1"/>
+          </p:nvPr>
+        </p:nvSpPr>
+        <p:spPr>
+          <a:xfrm>
+            <a:off x="838200" y="2057400"/>
+            <a:ext cx="10515600" cy="3871762"/>
+          </a:xfrm>
+        </p:spPr>
+        <p:txBody>
+          <a:bodyPr>
+            <a:normAutofit/>
+          </a:bodyPr>
+          <a:lstStyle/>
+          <a:p>
+            <a:r>
+              <a:rPr lang="en-US" altLang="ja-JP" sz="4400" b="0" i="0" dirty="0">
+                <a:solidFill>
+                  <a:srgbClr val="1D1C1D"/>
+                </a:solidFill>
+                <a:effectLst/>
+                <a:latin typeface="HGPｺﾞｼｯｸM" panose="020B0600000000000000" pitchFamily="50" charset="-128"/>
+                <a:ea typeface="HGPｺﾞｼｯｸM" panose="020B0600000000000000" pitchFamily="50" charset="-128"/>
+              </a:rPr>
+              <a:t>SE</a:t>
+            </a:r>
+            <a:r>
+              <a:rPr lang="ja-JP" altLang="en-US" sz="4400" b="0" i="0" dirty="0">
+                <a:solidFill>
+                  <a:srgbClr val="1D1C1D"/>
+                </a:solidFill>
+                <a:effectLst/>
+                <a:latin typeface="HGPｺﾞｼｯｸM" panose="020B0600000000000000" pitchFamily="50" charset="-128"/>
+                <a:ea typeface="HGPｺﾞｼｯｸM" panose="020B0600000000000000" pitchFamily="50" charset="-128"/>
+              </a:rPr>
+              <a:t>を仕事としていく自信がついた。</a:t>
+            </a:r>
+            <a:endParaRPr lang="en-US" altLang="ja-JP" sz="4400" b="0" i="0" dirty="0">
+              <a:solidFill>
+                <a:srgbClr val="1D1C1D"/>
+              </a:solidFill>
+              <a:effectLst/>
+              <a:latin typeface="HGPｺﾞｼｯｸM" panose="020B0600000000000000" pitchFamily="50" charset="-128"/>
+              <a:ea typeface="HGPｺﾞｼｯｸM" panose="020B0600000000000000" pitchFamily="50" charset="-128"/>
+            </a:endParaRPr>
+          </a:p>
+          <a:p>
+            <a:endParaRPr kumimoji="1" lang="en-US" altLang="ja-JP" sz="4400" dirty="0">
+              <a:solidFill>
+                <a:srgbClr val="1D1C1D"/>
+              </a:solidFill>
+              <a:latin typeface="HGPｺﾞｼｯｸM" panose="020B0600000000000000" pitchFamily="50" charset="-128"/>
+              <a:ea typeface="HGPｺﾞｼｯｸM" panose="020B0600000000000000" pitchFamily="50" charset="-128"/>
+            </a:endParaRPr>
+          </a:p>
+          <a:p>
+            <a:r>
+              <a:rPr lang="ja-JP" altLang="en-US" sz="4400" b="0" i="0" dirty="0">
+                <a:solidFill>
+                  <a:srgbClr val="1D1C1D"/>
+                </a:solidFill>
+                <a:effectLst/>
+                <a:latin typeface="HGPｺﾞｼｯｸM" panose="020B0600000000000000" pitchFamily="50" charset="-128"/>
+                <a:ea typeface="HGPｺﾞｼｯｸM" panose="020B0600000000000000" pitchFamily="50" charset="-128"/>
+              </a:rPr>
+              <a:t>情報伝達の大切さを学んだ。</a:t>
+            </a:r>
+            <a:endParaRPr kumimoji="1" lang="ja-JP" altLang="en-US" sz="4400" dirty="0">
+              <a:latin typeface="HGPｺﾞｼｯｸM" panose="020B0600000000000000" pitchFamily="50" charset="-128"/>
+              <a:ea typeface="HGPｺﾞｼｯｸM" panose="020B0600000000000000" pitchFamily="50" charset="-128"/>
+            </a:endParaRPr>
+          </a:p>
+          <a:p>
+            <a:endParaRPr kumimoji="1" lang="ja-JP" altLang="en-US" sz="2400" dirty="0"/>
+          </a:p>
+        </p:txBody>
+      </p:sp>
+    </p:spTree>
+    <p:extLst>
+      <p:ext uri="{BB962C8B-B14F-4D97-AF65-F5344CB8AC3E}">
+        <p14:creationId xmlns:p14="http://schemas.microsoft.com/office/powerpoint/2010/main" val="4008506677"/>
+      </p:ext>
+    </p:extLst>
+  </p:cSld>
+  <p:clrMapOvr>
+    <a:masterClrMapping/>
+  </p:clrMapOvr>
+</p:sld>
+</file>
+
+<file path=ppt/slides/slide17.xml><?xml version="1.0" encoding="utf-8"?>
+<p:sld xmlns:a="http://schemas.openxmlformats.org/drawingml/2006/main" xmlns:r="http://schemas.openxmlformats.org/officeDocument/2006/relationships" xmlns:p="http://schemas.openxmlformats.org/presentationml/2006/main">
+  <p:cSld>
+    <p:bg>
+      <p:bgPr>
+        <a:solidFill>
+          <a:schemeClr val="bg1"/>
+        </a:solidFill>
+        <a:effectLst/>
+      </p:bgPr>
+    </p:bg>
+    <p:spTree>
+      <p:nvGrpSpPr>
+        <p:cNvPr id="1" name=""/>
+        <p:cNvGrpSpPr/>
+        <p:nvPr/>
+      </p:nvGrpSpPr>
+      <p:grpSpPr>
+        <a:xfrm>
+          <a:off x="0" y="0"/>
+          <a:ext cx="0" cy="0"/>
+          <a:chOff x="0" y="0"/>
+          <a:chExt cx="0" cy="0"/>
+        </a:xfrm>
+      </p:grpSpPr>
+      <p:sp>
+        <p:nvSpPr>
+          <p:cNvPr id="8" name="Rectangle 7">
+            <a:extLst>
+              <a:ext uri="{FF2B5EF4-FFF2-40B4-BE49-F238E27FC236}">
+                <a16:creationId xmlns:a16="http://schemas.microsoft.com/office/drawing/2014/main" id="{488333BA-AE6E-427A-9B16-A39C8073F4EB}"/>
+              </a:ext>
+              <a:ext uri="{C183D7F6-B498-43B3-948B-1728B52AA6E4}">
+                <adec:decorative xmlns:adec="http://schemas.microsoft.com/office/drawing/2017/decorative" val="1"/>
+              </a:ext>
+            </a:extLst>
+          </p:cNvPr>
+          <p:cNvSpPr>
+            <a:spLocks noGrp="1" noRot="1" noChangeAspect="1" noMove="1" noResize="1" noEditPoints="1" noAdjustHandles="1" noChangeArrowheads="1" noChangeShapeType="1" noTextEdit="1"/>
+          </p:cNvSpPr>
+          <p:nvPr>
+            <p:extLst>
+              <p:ext uri="{386F3935-93C4-4BCD-93E2-E3B085C9AB24}">
+                <p16:designElem xmlns:p16="http://schemas.microsoft.com/office/powerpoint/2015/main" val="1"/>
+              </p:ext>
+            </p:extLst>
+          </p:nvPr>
+        </p:nvSpPr>
+        <p:spPr>
+          <a:xfrm>
+            <a:off x="0" y="0"/>
+            <a:ext cx="12188952" cy="6858000"/>
+          </a:xfrm>
+          <a:prstGeom prst="rect">
+            <a:avLst/>
+          </a:prstGeom>
+          <a:solidFill>
+            <a:schemeClr val="tx1">
+              <a:lumMod val="75000"/>
+              <a:lumOff val="25000"/>
+            </a:schemeClr>
+          </a:solidFill>
+          <a:ln>
+            <a:noFill/>
+          </a:ln>
+        </p:spPr>
+        <p:style>
+          <a:lnRef idx="2">
+            <a:schemeClr val="accent1">
+              <a:shade val="50000"/>
+            </a:schemeClr>
+          </a:lnRef>
+          <a:fillRef idx="1">
+            <a:schemeClr val="accent1"/>
+          </a:fillRef>
+          <a:effectRef idx="0">
+            <a:schemeClr val="accent1"/>
+          </a:effectRef>
+          <a:fontRef idx="minor">
+            <a:schemeClr val="lt1"/>
+          </a:fontRef>
+        </p:style>
+        <p:txBody>
+          <a:bodyPr rtlCol="0" anchor="ctr"/>
+          <a:lstStyle/>
+          <a:p>
+            <a:pPr algn="ctr"/>
+            <a:endParaRPr lang="en-US"/>
+          </a:p>
+        </p:txBody>
+      </p:sp>
+      <p:sp>
+        <p:nvSpPr>
+          <p:cNvPr id="10" name="Rectangle 9">
+            <a:extLst>
+              <a:ext uri="{FF2B5EF4-FFF2-40B4-BE49-F238E27FC236}">
+                <a16:creationId xmlns:a16="http://schemas.microsoft.com/office/drawing/2014/main" id="{F98ED85F-DCEE-4B50-802E-71A6E3E12B04}"/>
+              </a:ext>
+              <a:ext uri="{C183D7F6-B498-43B3-948B-1728B52AA6E4}">
+                <adec:decorative xmlns:adec="http://schemas.microsoft.com/office/drawing/2017/decorative" val="1"/>
+              </a:ext>
+            </a:extLst>
+          </p:cNvPr>
+          <p:cNvSpPr>
+            <a:spLocks noGrp="1" noRot="1" noChangeAspect="1" noMove="1" noResize="1" noEditPoints="1" noAdjustHandles="1" noChangeArrowheads="1" noChangeShapeType="1" noTextEdit="1"/>
+          </p:cNvSpPr>
+          <p:nvPr>
+            <p:extLst>
+              <p:ext uri="{386F3935-93C4-4BCD-93E2-E3B085C9AB24}">
+                <p16:designElem xmlns:p16="http://schemas.microsoft.com/office/powerpoint/2015/main" val="1"/>
+              </p:ext>
+            </p:extLst>
+          </p:nvPr>
+        </p:nvSpPr>
+        <p:spPr bwMode="ltGray">
+          <a:xfrm>
+            <a:off x="321564" y="320040"/>
+            <a:ext cx="11548872" cy="6217920"/>
+          </a:xfrm>
+          <a:prstGeom prst="rect">
+            <a:avLst/>
+          </a:prstGeom>
+          <a:solidFill>
+            <a:schemeClr val="bg1"/>
+          </a:solidFill>
+          <a:ln w="127000" cap="sq" cmpd="thinThick">
+            <a:solidFill>
+              <a:schemeClr val="bg1"/>
+            </a:solidFill>
+          </a:ln>
+        </p:spPr>
+        <p:style>
+          <a:lnRef idx="2">
+            <a:schemeClr val="accent1">
+              <a:shade val="50000"/>
+            </a:schemeClr>
+          </a:lnRef>
+          <a:fillRef idx="1">
+            <a:schemeClr val="accent1"/>
+          </a:fillRef>
+          <a:effectRef idx="0">
+            <a:schemeClr val="accent1"/>
+          </a:effectRef>
+          <a:fontRef idx="minor">
+            <a:schemeClr val="lt1"/>
+          </a:fontRef>
+        </p:style>
+        <p:txBody>
+          <a:bodyPr rtlCol="0" anchor="ctr"/>
+          <a:lstStyle/>
+          <a:p>
+            <a:pPr algn="ctr"/>
+            <a:endParaRPr lang="en-US"/>
+          </a:p>
+        </p:txBody>
+      </p:sp>
+      <p:sp>
+        <p:nvSpPr>
+          <p:cNvPr id="2" name="タイトル 1">
+            <a:extLst>
+              <a:ext uri="{FF2B5EF4-FFF2-40B4-BE49-F238E27FC236}">
+                <a16:creationId xmlns:a16="http://schemas.microsoft.com/office/drawing/2014/main" id="{EEE0840D-E072-34D8-D2B2-0F9ECE5FFAE5}"/>
+              </a:ext>
+            </a:extLst>
+          </p:cNvPr>
+          <p:cNvSpPr>
+            <a:spLocks noGrp="1"/>
+          </p:cNvSpPr>
+          <p:nvPr>
+            <p:ph type="title"/>
+          </p:nvPr>
+        </p:nvSpPr>
+        <p:spPr>
+          <a:xfrm>
+            <a:off x="838200" y="631825"/>
+            <a:ext cx="10515600" cy="1325563"/>
+          </a:xfrm>
+        </p:spPr>
+        <p:txBody>
+          <a:bodyPr>
+            <a:normAutofit/>
+          </a:bodyPr>
+          <a:lstStyle/>
+          <a:p>
+            <a:r>
+              <a:rPr kumimoji="1" lang="ja-JP" altLang="en-US" dirty="0"/>
+              <a:t>廣渕巧</a:t>
+            </a:r>
+          </a:p>
+        </p:txBody>
+      </p:sp>
+      <p:sp>
+        <p:nvSpPr>
+          <p:cNvPr id="3" name="コンテンツ プレースホルダー 2">
+            <a:extLst>
+              <a:ext uri="{FF2B5EF4-FFF2-40B4-BE49-F238E27FC236}">
+                <a16:creationId xmlns:a16="http://schemas.microsoft.com/office/drawing/2014/main" id="{A567460A-9E8C-92EE-81D6-0C2035AAA1D3}"/>
+              </a:ext>
+            </a:extLst>
+          </p:cNvPr>
+          <p:cNvSpPr>
+            <a:spLocks noGrp="1"/>
+          </p:cNvSpPr>
+          <p:nvPr>
+            <p:ph idx="1"/>
+          </p:nvPr>
+        </p:nvSpPr>
+        <p:spPr>
+          <a:xfrm>
+            <a:off x="838200" y="2057400"/>
+            <a:ext cx="10515600" cy="3871762"/>
+          </a:xfrm>
+        </p:spPr>
+        <p:txBody>
+          <a:bodyPr>
+            <a:normAutofit/>
+          </a:bodyPr>
+          <a:lstStyle/>
+          <a:p>
+            <a:r>
+              <a:rPr kumimoji="1" lang="ja-JP" altLang="en-US" sz="4400" dirty="0">
+                <a:latin typeface="HGPｺﾞｼｯｸM" panose="020B0600000000000000" pitchFamily="50" charset="-128"/>
+                <a:ea typeface="HGPｺﾞｼｯｸM" panose="020B0600000000000000" pitchFamily="50" charset="-128"/>
+              </a:rPr>
+              <a:t>データベースについて</a:t>
+            </a:r>
+          </a:p>
+        </p:txBody>
+      </p:sp>
+    </p:spTree>
+    <p:extLst>
+      <p:ext uri="{BB962C8B-B14F-4D97-AF65-F5344CB8AC3E}">
+        <p14:creationId xmlns:p14="http://schemas.microsoft.com/office/powerpoint/2010/main" val="3524497607"/>
+      </p:ext>
+    </p:extLst>
+  </p:cSld>
+  <p:clrMapOvr>
+    <a:masterClrMapping/>
+  </p:clrMapOvr>
+</p:sld>
+</file>
+
+<file path=ppt/slides/slide18.xml><?xml version="1.0" encoding="utf-8"?>
+<p:sld xmlns:a="http://schemas.openxmlformats.org/drawingml/2006/main" xmlns:r="http://schemas.openxmlformats.org/officeDocument/2006/relationships" xmlns:p="http://schemas.openxmlformats.org/presentationml/2006/main">
+  <p:cSld>
+    <p:bg>
+      <p:bgPr>
+        <a:solidFill>
+          <a:schemeClr val="bg1"/>
+        </a:solidFill>
+        <a:effectLst/>
+      </p:bgPr>
+    </p:bg>
+    <p:spTree>
+      <p:nvGrpSpPr>
+        <p:cNvPr id="1" name=""/>
+        <p:cNvGrpSpPr/>
+        <p:nvPr/>
+      </p:nvGrpSpPr>
+      <p:grpSpPr>
+        <a:xfrm>
+          <a:off x="0" y="0"/>
+          <a:ext cx="0" cy="0"/>
+          <a:chOff x="0" y="0"/>
+          <a:chExt cx="0" cy="0"/>
+        </a:xfrm>
+      </p:grpSpPr>
+      <p:sp>
+        <p:nvSpPr>
+          <p:cNvPr id="8" name="Rectangle 7">
+            <a:extLst>
+              <a:ext uri="{FF2B5EF4-FFF2-40B4-BE49-F238E27FC236}">
+                <a16:creationId xmlns:a16="http://schemas.microsoft.com/office/drawing/2014/main" id="{488333BA-AE6E-427A-9B16-A39C8073F4EB}"/>
+              </a:ext>
+              <a:ext uri="{C183D7F6-B498-43B3-948B-1728B52AA6E4}">
+                <adec:decorative xmlns:adec="http://schemas.microsoft.com/office/drawing/2017/decorative" val="1"/>
+              </a:ext>
+            </a:extLst>
+          </p:cNvPr>
+          <p:cNvSpPr>
+            <a:spLocks noGrp="1" noRot="1" noChangeAspect="1" noMove="1" noResize="1" noEditPoints="1" noAdjustHandles="1" noChangeArrowheads="1" noChangeShapeType="1" noTextEdit="1"/>
+          </p:cNvSpPr>
+          <p:nvPr>
+            <p:extLst>
+              <p:ext uri="{386F3935-93C4-4BCD-93E2-E3B085C9AB24}">
+                <p16:designElem xmlns:p16="http://schemas.microsoft.com/office/powerpoint/2015/main" val="1"/>
+              </p:ext>
+            </p:extLst>
+          </p:nvPr>
+        </p:nvSpPr>
+        <p:spPr>
+          <a:xfrm>
+            <a:off x="0" y="0"/>
+            <a:ext cx="12188952" cy="6858000"/>
+          </a:xfrm>
+          <a:prstGeom prst="rect">
+            <a:avLst/>
+          </a:prstGeom>
+          <a:solidFill>
+            <a:schemeClr val="tx1">
+              <a:lumMod val="75000"/>
+              <a:lumOff val="25000"/>
+            </a:schemeClr>
+          </a:solidFill>
+          <a:ln>
+            <a:noFill/>
+          </a:ln>
+        </p:spPr>
+        <p:style>
+          <a:lnRef idx="2">
+            <a:schemeClr val="accent1">
+              <a:shade val="50000"/>
+            </a:schemeClr>
+          </a:lnRef>
+          <a:fillRef idx="1">
+            <a:schemeClr val="accent1"/>
+          </a:fillRef>
+          <a:effectRef idx="0">
+            <a:schemeClr val="accent1"/>
+          </a:effectRef>
+          <a:fontRef idx="minor">
+            <a:schemeClr val="lt1"/>
+          </a:fontRef>
+        </p:style>
+        <p:txBody>
+          <a:bodyPr rtlCol="0" anchor="ctr"/>
+          <a:lstStyle/>
+          <a:p>
+            <a:pPr algn="ctr"/>
+            <a:endParaRPr lang="en-US"/>
+          </a:p>
+        </p:txBody>
+      </p:sp>
+      <p:sp>
+        <p:nvSpPr>
+          <p:cNvPr id="10" name="Rectangle 9">
+            <a:extLst>
+              <a:ext uri="{FF2B5EF4-FFF2-40B4-BE49-F238E27FC236}">
+                <a16:creationId xmlns:a16="http://schemas.microsoft.com/office/drawing/2014/main" id="{F98ED85F-DCEE-4B50-802E-71A6E3E12B04}"/>
+              </a:ext>
+              <a:ext uri="{C183D7F6-B498-43B3-948B-1728B52AA6E4}">
+                <adec:decorative xmlns:adec="http://schemas.microsoft.com/office/drawing/2017/decorative" val="1"/>
+              </a:ext>
+            </a:extLst>
+          </p:cNvPr>
+          <p:cNvSpPr>
+            <a:spLocks noGrp="1" noRot="1" noChangeAspect="1" noMove="1" noResize="1" noEditPoints="1" noAdjustHandles="1" noChangeArrowheads="1" noChangeShapeType="1" noTextEdit="1"/>
+          </p:cNvSpPr>
+          <p:nvPr>
+            <p:extLst>
+              <p:ext uri="{386F3935-93C4-4BCD-93E2-E3B085C9AB24}">
+                <p16:designElem xmlns:p16="http://schemas.microsoft.com/office/powerpoint/2015/main" val="1"/>
+              </p:ext>
+            </p:extLst>
+          </p:nvPr>
+        </p:nvSpPr>
+        <p:spPr bwMode="ltGray">
+          <a:xfrm>
+            <a:off x="321564" y="320040"/>
+            <a:ext cx="11548872" cy="6217920"/>
+          </a:xfrm>
+          <a:prstGeom prst="rect">
+            <a:avLst/>
+          </a:prstGeom>
+          <a:solidFill>
+            <a:schemeClr val="bg1"/>
+          </a:solidFill>
+          <a:ln w="127000" cap="sq" cmpd="thinThick">
+            <a:solidFill>
+              <a:schemeClr val="bg1"/>
+            </a:solidFill>
+          </a:ln>
+        </p:spPr>
+        <p:style>
+          <a:lnRef idx="2">
+            <a:schemeClr val="accent1">
+              <a:shade val="50000"/>
+            </a:schemeClr>
+          </a:lnRef>
+          <a:fillRef idx="1">
+            <a:schemeClr val="accent1"/>
+          </a:fillRef>
+          <a:effectRef idx="0">
+            <a:schemeClr val="accent1"/>
+          </a:effectRef>
+          <a:fontRef idx="minor">
+            <a:schemeClr val="lt1"/>
+          </a:fontRef>
+        </p:style>
+        <p:txBody>
+          <a:bodyPr rtlCol="0" anchor="ctr"/>
+          <a:lstStyle/>
+          <a:p>
+            <a:pPr algn="ctr"/>
+            <a:endParaRPr lang="en-US"/>
+          </a:p>
+        </p:txBody>
+      </p:sp>
+      <p:sp>
+        <p:nvSpPr>
+          <p:cNvPr id="2" name="タイトル 1">
+            <a:extLst>
+              <a:ext uri="{FF2B5EF4-FFF2-40B4-BE49-F238E27FC236}">
+                <a16:creationId xmlns:a16="http://schemas.microsoft.com/office/drawing/2014/main" id="{EEE0840D-E072-34D8-D2B2-0F9ECE5FFAE5}"/>
+              </a:ext>
+            </a:extLst>
+          </p:cNvPr>
+          <p:cNvSpPr>
+            <a:spLocks noGrp="1"/>
+          </p:cNvSpPr>
+          <p:nvPr>
+            <p:ph type="title"/>
+          </p:nvPr>
+        </p:nvSpPr>
+        <p:spPr>
+          <a:xfrm>
+            <a:off x="838200" y="631825"/>
+            <a:ext cx="10515600" cy="1325563"/>
+          </a:xfrm>
+        </p:spPr>
+        <p:txBody>
+          <a:bodyPr>
+            <a:normAutofit/>
+          </a:bodyPr>
+          <a:lstStyle/>
+          <a:p>
+            <a:r>
+              <a:rPr kumimoji="1" lang="ja-JP" altLang="en-US" dirty="0"/>
+              <a:t>井上翔</a:t>
+            </a:r>
+          </a:p>
+        </p:txBody>
+      </p:sp>
+      <p:sp>
+        <p:nvSpPr>
+          <p:cNvPr id="3" name="コンテンツ プレースホルダー 2">
+            <a:extLst>
+              <a:ext uri="{FF2B5EF4-FFF2-40B4-BE49-F238E27FC236}">
+                <a16:creationId xmlns:a16="http://schemas.microsoft.com/office/drawing/2014/main" id="{A567460A-9E8C-92EE-81D6-0C2035AAA1D3}"/>
+              </a:ext>
+            </a:extLst>
+          </p:cNvPr>
+          <p:cNvSpPr>
+            <a:spLocks noGrp="1"/>
+          </p:cNvSpPr>
+          <p:nvPr>
+            <p:ph idx="1"/>
+          </p:nvPr>
+        </p:nvSpPr>
+        <p:spPr>
+          <a:xfrm>
+            <a:off x="838200" y="2057400"/>
+            <a:ext cx="10515600" cy="3871762"/>
+          </a:xfrm>
+        </p:spPr>
+        <p:txBody>
+          <a:bodyPr>
+            <a:normAutofit/>
+          </a:bodyPr>
+          <a:lstStyle/>
+          <a:p>
+            <a:r>
+              <a:rPr kumimoji="1" lang="ja-JP" altLang="en-US" sz="4400" dirty="0">
+                <a:latin typeface="HGPｺﾞｼｯｸM" panose="020B0600000000000000" pitchFamily="50" charset="-128"/>
+                <a:ea typeface="HGPｺﾞｼｯｸM" panose="020B0600000000000000" pitchFamily="50" charset="-128"/>
+              </a:rPr>
+              <a:t>質問をすることの大切さを知ることができた。</a:t>
+            </a:r>
+            <a:endParaRPr kumimoji="1" lang="en-US" altLang="ja-JP" sz="4400" dirty="0">
+              <a:latin typeface="HGPｺﾞｼｯｸM" panose="020B0600000000000000" pitchFamily="50" charset="-128"/>
+              <a:ea typeface="HGPｺﾞｼｯｸM" panose="020B0600000000000000" pitchFamily="50" charset="-128"/>
+            </a:endParaRPr>
+          </a:p>
+          <a:p>
+            <a:endParaRPr kumimoji="1" lang="en-US" altLang="ja-JP" sz="4400" dirty="0">
+              <a:latin typeface="HGPｺﾞｼｯｸM" panose="020B0600000000000000" pitchFamily="50" charset="-128"/>
+              <a:ea typeface="HGPｺﾞｼｯｸM" panose="020B0600000000000000" pitchFamily="50" charset="-128"/>
+            </a:endParaRPr>
+          </a:p>
+          <a:p>
+            <a:r>
+              <a:rPr kumimoji="1" lang="ja-JP" altLang="en-US" sz="4400" dirty="0">
+                <a:latin typeface="HGPｺﾞｼｯｸM" panose="020B0600000000000000" pitchFamily="50" charset="-128"/>
+                <a:ea typeface="HGPｺﾞｼｯｸM" panose="020B0600000000000000" pitchFamily="50" charset="-128"/>
+              </a:rPr>
+              <a:t>開発において人とのコミュニケーションが大切だということを理解できた。</a:t>
+            </a:r>
+          </a:p>
+        </p:txBody>
+      </p:sp>
+    </p:spTree>
+    <p:extLst>
+      <p:ext uri="{BB962C8B-B14F-4D97-AF65-F5344CB8AC3E}">
+        <p14:creationId xmlns:p14="http://schemas.microsoft.com/office/powerpoint/2010/main" val="4027101835"/>
+      </p:ext>
+    </p:extLst>
+  </p:cSld>
+  <p:clrMapOvr>
+    <a:masterClrMapping/>
+  </p:clrMapOvr>
+</p:sld>
+</file>
+
+<file path=ppt/slides/slide19.xml><?xml version="1.0" encoding="utf-8"?>
+<p:sld xmlns:a="http://schemas.openxmlformats.org/drawingml/2006/main" xmlns:r="http://schemas.openxmlformats.org/officeDocument/2006/relationships" xmlns:p="http://schemas.openxmlformats.org/presentationml/2006/main">
+  <p:cSld>
+    <p:bg>
+      <p:bgPr>
+        <a:solidFill>
+          <a:schemeClr val="bg1"/>
+        </a:solidFill>
+        <a:effectLst/>
+      </p:bgPr>
+    </p:bg>
+    <p:spTree>
+      <p:nvGrpSpPr>
+        <p:cNvPr id="1" name=""/>
+        <p:cNvGrpSpPr/>
+        <p:nvPr/>
+      </p:nvGrpSpPr>
+      <p:grpSpPr>
+        <a:xfrm>
+          <a:off x="0" y="0"/>
+          <a:ext cx="0" cy="0"/>
+          <a:chOff x="0" y="0"/>
+          <a:chExt cx="0" cy="0"/>
+        </a:xfrm>
+      </p:grpSpPr>
+      <p:sp>
+        <p:nvSpPr>
           <p:cNvPr id="23" name="Rectangle 22">
             <a:extLst>
               <a:ext uri="{FF2B5EF4-FFF2-40B4-BE49-F238E27FC236}">
@@ -9426,285 +11088,7 @@
       </p:grpSpPr>
       <p:sp>
         <p:nvSpPr>
-          <p:cNvPr id="34" name="Rectangle 33">
-            <a:extLst>
-              <a:ext uri="{FF2B5EF4-FFF2-40B4-BE49-F238E27FC236}">
-                <a16:creationId xmlns:a16="http://schemas.microsoft.com/office/drawing/2014/main" id="{6753252F-4873-4F63-801D-CC719279A7D5}"/>
-              </a:ext>
-              <a:ext uri="{C183D7F6-B498-43B3-948B-1728B52AA6E4}">
-                <adec:decorative xmlns:adec="http://schemas.microsoft.com/office/drawing/2017/decorative" val="1"/>
-              </a:ext>
-            </a:extLst>
-          </p:cNvPr>
-          <p:cNvSpPr>
-            <a:spLocks noGrp="1" noRot="1" noChangeAspect="1" noMove="1" noResize="1" noEditPoints="1" noAdjustHandles="1" noChangeArrowheads="1" noChangeShapeType="1" noTextEdit="1"/>
-          </p:cNvSpPr>
-          <p:nvPr>
-            <p:extLst>
-              <p:ext uri="{386F3935-93C4-4BCD-93E2-E3B085C9AB24}">
-                <p16:designElem xmlns:p16="http://schemas.microsoft.com/office/powerpoint/2015/main" val="1"/>
-              </p:ext>
-            </p:extLst>
-          </p:nvPr>
-        </p:nvSpPr>
-        <p:spPr>
-          <a:xfrm>
-            <a:off x="0" y="0"/>
-            <a:ext cx="12192000" cy="6858000"/>
-          </a:xfrm>
-          <a:prstGeom prst="rect">
-            <a:avLst/>
-          </a:prstGeom>
-          <a:solidFill>
-            <a:srgbClr val="FFFFFF"/>
-          </a:solidFill>
-          <a:ln>
-            <a:noFill/>
-          </a:ln>
-        </p:spPr>
-        <p:style>
-          <a:lnRef idx="2">
-            <a:schemeClr val="accent1">
-              <a:shade val="50000"/>
-            </a:schemeClr>
-          </a:lnRef>
-          <a:fillRef idx="1">
-            <a:schemeClr val="accent1"/>
-          </a:fillRef>
-          <a:effectRef idx="0">
-            <a:schemeClr val="accent1"/>
-          </a:effectRef>
-          <a:fontRef idx="minor">
-            <a:schemeClr val="lt1"/>
-          </a:fontRef>
-        </p:style>
-        <p:txBody>
-          <a:bodyPr rtlCol="0" anchor="ctr"/>
-          <a:lstStyle/>
-          <a:p>
-            <a:pPr algn="ctr"/>
-            <a:endParaRPr lang="en-US"/>
-          </a:p>
-        </p:txBody>
-      </p:sp>
-      <p:sp>
-        <p:nvSpPr>
-          <p:cNvPr id="36" name="Rectangle 35">
-            <a:extLst>
-              <a:ext uri="{FF2B5EF4-FFF2-40B4-BE49-F238E27FC236}">
-                <a16:creationId xmlns:a16="http://schemas.microsoft.com/office/drawing/2014/main" id="{047C8CCB-F95D-4249-92DD-651249D3535A}"/>
-              </a:ext>
-              <a:ext uri="{C183D7F6-B498-43B3-948B-1728B52AA6E4}">
-                <adec:decorative xmlns:adec="http://schemas.microsoft.com/office/drawing/2017/decorative" val="1"/>
-              </a:ext>
-            </a:extLst>
-          </p:cNvPr>
-          <p:cNvSpPr>
-            <a:spLocks noGrp="1" noRot="1" noChangeAspect="1" noMove="1" noResize="1" noEditPoints="1" noAdjustHandles="1" noChangeArrowheads="1" noChangeShapeType="1" noTextEdit="1"/>
-          </p:cNvSpPr>
-          <p:nvPr>
-            <p:extLst>
-              <p:ext uri="{386F3935-93C4-4BCD-93E2-E3B085C9AB24}">
-                <p16:designElem xmlns:p16="http://schemas.microsoft.com/office/powerpoint/2015/main" val="1"/>
-              </p:ext>
-            </p:extLst>
-          </p:nvPr>
-        </p:nvSpPr>
-        <p:spPr>
-          <a:xfrm>
-            <a:off x="0" y="0"/>
-            <a:ext cx="2013557" cy="6858000"/>
-          </a:xfrm>
-          <a:prstGeom prst="rect">
-            <a:avLst/>
-          </a:prstGeom>
-          <a:solidFill>
-            <a:srgbClr val="7F7F7F"/>
-          </a:solidFill>
-          <a:ln>
-            <a:noFill/>
-          </a:ln>
-        </p:spPr>
-        <p:style>
-          <a:lnRef idx="2">
-            <a:schemeClr val="accent1">
-              <a:shade val="50000"/>
-            </a:schemeClr>
-          </a:lnRef>
-          <a:fillRef idx="1">
-            <a:schemeClr val="accent1"/>
-          </a:fillRef>
-          <a:effectRef idx="0">
-            <a:schemeClr val="accent1"/>
-          </a:effectRef>
-          <a:fontRef idx="minor">
-            <a:schemeClr val="lt1"/>
-          </a:fontRef>
-        </p:style>
-        <p:txBody>
-          <a:bodyPr rtlCol="0" anchor="ctr"/>
-          <a:lstStyle/>
-          <a:p>
-            <a:pPr algn="ctr"/>
-            <a:endParaRPr lang="en-US"/>
-          </a:p>
-        </p:txBody>
-      </p:sp>
-      <p:sp>
-        <p:nvSpPr>
-          <p:cNvPr id="2" name="タイトル 1">
-            <a:extLst>
-              <a:ext uri="{FF2B5EF4-FFF2-40B4-BE49-F238E27FC236}">
-                <a16:creationId xmlns:a16="http://schemas.microsoft.com/office/drawing/2014/main" id="{684462AB-E16B-497C-935E-6599B166C27D}"/>
-              </a:ext>
-            </a:extLst>
-          </p:cNvPr>
-          <p:cNvSpPr>
-            <a:spLocks noGrp="1"/>
-          </p:cNvSpPr>
-          <p:nvPr>
-            <p:ph type="title"/>
-          </p:nvPr>
-        </p:nvSpPr>
-        <p:spPr>
-          <a:xfrm>
-            <a:off x="640080" y="2074363"/>
-            <a:ext cx="2752354" cy="2709275"/>
-          </a:xfrm>
-          <a:prstGeom prst="ellipse">
-            <a:avLst/>
-          </a:prstGeom>
-          <a:solidFill>
-            <a:srgbClr val="262626"/>
-          </a:solidFill>
-          <a:ln w="174625" cmpd="thinThick">
-            <a:solidFill>
-              <a:srgbClr val="262626"/>
-            </a:solidFill>
-          </a:ln>
-        </p:spPr>
-        <p:txBody>
-          <a:bodyPr vert="horz" lIns="91440" tIns="45720" rIns="91440" bIns="45720" rtlCol="0" anchor="ctr">
-            <a:normAutofit/>
-          </a:bodyPr>
-          <a:lstStyle/>
-          <a:p>
-            <a:pPr algn="ctr"/>
-            <a:r>
-              <a:rPr kumimoji="1" lang="ja-JP" altLang="en-US" sz="2800" kern="1200" dirty="0">
-                <a:solidFill>
-                  <a:srgbClr val="FFFFFF"/>
-                </a:solidFill>
-                <a:latin typeface="+mj-lt"/>
-                <a:ea typeface="+mj-ea"/>
-                <a:cs typeface="+mj-cs"/>
-              </a:rPr>
-              <a:t>メンバー＆</a:t>
-            </a:r>
-            <a:br>
-              <a:rPr kumimoji="1" lang="en-US" altLang="ja-JP" sz="2800" kern="1200" dirty="0">
-                <a:solidFill>
-                  <a:srgbClr val="FFFFFF"/>
-                </a:solidFill>
-                <a:latin typeface="+mj-lt"/>
-                <a:ea typeface="+mj-ea"/>
-                <a:cs typeface="+mj-cs"/>
-              </a:rPr>
-            </a:br>
-            <a:r>
-              <a:rPr kumimoji="1" lang="ja-JP" altLang="en-US" sz="2800" kern="1200" dirty="0">
-                <a:solidFill>
-                  <a:srgbClr val="FFFFFF"/>
-                </a:solidFill>
-                <a:latin typeface="+mj-lt"/>
-                <a:ea typeface="+mj-ea"/>
-                <a:cs typeface="+mj-cs"/>
-              </a:rPr>
-              <a:t>担当</a:t>
-            </a:r>
-          </a:p>
-        </p:txBody>
-      </p:sp>
-      <p:graphicFrame>
-        <p:nvGraphicFramePr>
-          <p:cNvPr id="5" name="コンテンツ プレースホルダー 2">
-            <a:extLst>
-              <a:ext uri="{FF2B5EF4-FFF2-40B4-BE49-F238E27FC236}">
-                <a16:creationId xmlns:a16="http://schemas.microsoft.com/office/drawing/2014/main" id="{089377D9-88B9-1C36-2326-C5FCBF21FA87}"/>
-              </a:ext>
-            </a:extLst>
-          </p:cNvPr>
-          <p:cNvGraphicFramePr>
-            <a:graphicFrameLocks noGrp="1"/>
-          </p:cNvGraphicFramePr>
-          <p:nvPr>
-            <p:ph idx="1"/>
-            <p:extLst>
-              <p:ext uri="{D42A27DB-BD31-4B8C-83A1-F6EECF244321}">
-                <p14:modId xmlns:p14="http://schemas.microsoft.com/office/powerpoint/2010/main" val="325890099"/>
-              </p:ext>
-            </p:extLst>
-          </p:nvPr>
-        </p:nvGraphicFramePr>
-        <p:xfrm>
-          <a:off x="4581727" y="649480"/>
-          <a:ext cx="6210599" cy="5546047"/>
-        </p:xfrm>
-        <a:graphic>
-          <a:graphicData uri="http://schemas.openxmlformats.org/drawingml/2006/diagram">
-            <dgm:relIds xmlns:dgm="http://schemas.openxmlformats.org/drawingml/2006/diagram" xmlns:r="http://schemas.openxmlformats.org/officeDocument/2006/relationships" r:dm="rId3" r:lo="rId4" r:qs="rId5" r:cs="rId6"/>
-          </a:graphicData>
-        </a:graphic>
-      </p:graphicFrame>
-    </p:spTree>
-    <p:extLst>
-      <p:ext uri="{BB962C8B-B14F-4D97-AF65-F5344CB8AC3E}">
-        <p14:creationId xmlns:p14="http://schemas.microsoft.com/office/powerpoint/2010/main" val="3160930730"/>
-      </p:ext>
-    </p:extLst>
-  </p:cSld>
-  <p:clrMapOvr>
-    <a:masterClrMapping/>
-  </p:clrMapOvr>
-  <mc:AlternateContent xmlns:mc="http://schemas.openxmlformats.org/markup-compatibility/2006" xmlns:p14="http://schemas.microsoft.com/office/powerpoint/2010/main">
-    <mc:Choice Requires="p14">
-      <p:transition spd="slow" p14:dur="2000" advTm="20862"/>
-    </mc:Choice>
-    <mc:Fallback xmlns="">
-      <p:transition spd="slow" advTm="20862"/>
-    </mc:Fallback>
-  </mc:AlternateContent>
-</p:sld>
-</file>
-
-<file path=ppt/slides/slide3.xml><?xml version="1.0" encoding="utf-8"?>
-<p:sld xmlns:a="http://schemas.openxmlformats.org/drawingml/2006/main" xmlns:r="http://schemas.openxmlformats.org/officeDocument/2006/relationships" xmlns:p="http://schemas.openxmlformats.org/presentationml/2006/main">
-  <p:cSld>
-    <p:bg>
-      <p:bgPr>
-        <a:solidFill>
-          <a:schemeClr val="bg1"/>
-        </a:solidFill>
-        <a:effectLst/>
-      </p:bgPr>
-    </p:bg>
-    <p:spTree>
-      <p:nvGrpSpPr>
-        <p:cNvPr id="1" name=""/>
-        <p:cNvGrpSpPr/>
-        <p:nvPr/>
-      </p:nvGrpSpPr>
-      <p:grpSpPr>
-        <a:xfrm>
-          <a:off x="0" y="0"/>
-          <a:ext cx="0" cy="0"/>
-          <a:chOff x="0" y="0"/>
-          <a:chExt cx="0" cy="0"/>
-        </a:xfrm>
-      </p:grpSpPr>
-      <p:sp>
-        <p:nvSpPr>
-          <p:cNvPr id="26" name="Rectangle 25">
+          <p:cNvPr id="8" name="Rectangle 7">
             <a:extLst>
               <a:ext uri="{FF2B5EF4-FFF2-40B4-BE49-F238E27FC236}">
                 <a16:creationId xmlns:a16="http://schemas.microsoft.com/office/drawing/2014/main" id="{488333BA-AE6E-427A-9B16-A39C8073F4EB}"/>
@@ -9770,7 +11154,7 @@
       </p:sp>
       <p:sp>
         <p:nvSpPr>
-          <p:cNvPr id="28" name="Rectangle 27">
+          <p:cNvPr id="10" name="Rectangle 9">
             <a:extLst>
               <a:ext uri="{FF2B5EF4-FFF2-40B4-BE49-F238E27FC236}">
                 <a16:creationId xmlns:a16="http://schemas.microsoft.com/office/drawing/2014/main" id="{F98ED85F-DCEE-4B50-802E-71A6E3E12B04}"/>
@@ -9838,7 +11222,7 @@
           <p:cNvPr id="2" name="タイトル 1">
             <a:extLst>
               <a:ext uri="{FF2B5EF4-FFF2-40B4-BE49-F238E27FC236}">
-                <a16:creationId xmlns:a16="http://schemas.microsoft.com/office/drawing/2014/main" id="{3A2D8595-3A74-2F37-4EAC-F090412A10DB}"/>
+                <a16:creationId xmlns:a16="http://schemas.microsoft.com/office/drawing/2014/main" id="{7322402A-53A6-4747-C702-0EC046A719A7}"/>
               </a:ext>
             </a:extLst>
           </p:cNvPr>
@@ -9862,16 +11246,9 @@
           <a:lstStyle/>
           <a:p>
             <a:r>
-              <a:rPr lang="ja-JP" altLang="en-US" dirty="0">
-                <a:latin typeface="+mj-ea"/>
-              </a:rPr>
-              <a:t>開発動</a:t>
-            </a:r>
-            <a:r>
-              <a:rPr lang="ja-JP" altLang="en-US" dirty="0"/>
-              <a:t>機</a:t>
-            </a:r>
-            <a:endParaRPr kumimoji="1" lang="ja-JP" altLang="en-US" dirty="0"/>
+              <a:rPr kumimoji="1" lang="ja-JP" altLang="en-US" dirty="0"/>
+              <a:t>チーム名の由来</a:t>
+            </a:r>
           </a:p>
         </p:txBody>
       </p:sp>
@@ -9880,7 +11257,7 @@
           <p:cNvPr id="3" name="コンテンツ プレースホルダー 2">
             <a:extLst>
               <a:ext uri="{FF2B5EF4-FFF2-40B4-BE49-F238E27FC236}">
-                <a16:creationId xmlns:a16="http://schemas.microsoft.com/office/drawing/2014/main" id="{0F15E5C9-98A2-529F-FDB8-B273CEB79136}"/>
+                <a16:creationId xmlns:a16="http://schemas.microsoft.com/office/drawing/2014/main" id="{C25A9850-5138-C762-9EFC-9F9751A912DB}"/>
               </a:ext>
             </a:extLst>
           </p:cNvPr>
@@ -9904,6 +11281,540 @@
           <a:lstStyle/>
           <a:p>
             <a:r>
+              <a:rPr kumimoji="1" lang="ja-JP" altLang="en-US" sz="4000" dirty="0"/>
+              <a:t>６月の研修に抱いていた感情</a:t>
+            </a:r>
+            <a:endParaRPr kumimoji="1" lang="en-US" altLang="ja-JP" sz="4000" dirty="0"/>
+          </a:p>
+          <a:p>
+            <a:endParaRPr lang="en-US" altLang="ja-JP" sz="4000" dirty="0"/>
+          </a:p>
+          <a:p>
+            <a:r>
+              <a:rPr kumimoji="1" lang="ja-JP" altLang="en-US" sz="4000" dirty="0"/>
+              <a:t>日常にドキドキワクワクを添えられるようなアプリを製作したい</a:t>
+            </a:r>
+          </a:p>
+        </p:txBody>
+      </p:sp>
+    </p:spTree>
+    <p:extLst>
+      <p:ext uri="{BB962C8B-B14F-4D97-AF65-F5344CB8AC3E}">
+        <p14:creationId xmlns:p14="http://schemas.microsoft.com/office/powerpoint/2010/main" val="36101075"/>
+      </p:ext>
+    </p:extLst>
+  </p:cSld>
+  <p:clrMapOvr>
+    <a:masterClrMapping/>
+  </p:clrMapOvr>
+</p:sld>
+</file>
+
+<file path=ppt/slides/slide3.xml><?xml version="1.0" encoding="utf-8"?>
+<p:sld xmlns:a="http://schemas.openxmlformats.org/drawingml/2006/main" xmlns:r="http://schemas.openxmlformats.org/officeDocument/2006/relationships" xmlns:p="http://schemas.openxmlformats.org/presentationml/2006/main">
+  <p:cSld>
+    <p:bg>
+      <p:bgPr>
+        <a:solidFill>
+          <a:schemeClr val="bg1"/>
+        </a:solidFill>
+        <a:effectLst/>
+      </p:bgPr>
+    </p:bg>
+    <p:spTree>
+      <p:nvGrpSpPr>
+        <p:cNvPr id="1" name=""/>
+        <p:cNvGrpSpPr/>
+        <p:nvPr/>
+      </p:nvGrpSpPr>
+      <p:grpSpPr>
+        <a:xfrm>
+          <a:off x="0" y="0"/>
+          <a:ext cx="0" cy="0"/>
+          <a:chOff x="0" y="0"/>
+          <a:chExt cx="0" cy="0"/>
+        </a:xfrm>
+      </p:grpSpPr>
+      <p:sp>
+        <p:nvSpPr>
+          <p:cNvPr id="34" name="Rectangle 33">
+            <a:extLst>
+              <a:ext uri="{FF2B5EF4-FFF2-40B4-BE49-F238E27FC236}">
+                <a16:creationId xmlns:a16="http://schemas.microsoft.com/office/drawing/2014/main" id="{6753252F-4873-4F63-801D-CC719279A7D5}"/>
+              </a:ext>
+              <a:ext uri="{C183D7F6-B498-43B3-948B-1728B52AA6E4}">
+                <adec:decorative xmlns:adec="http://schemas.microsoft.com/office/drawing/2017/decorative" val="1"/>
+              </a:ext>
+            </a:extLst>
+          </p:cNvPr>
+          <p:cNvSpPr>
+            <a:spLocks noGrp="1" noRot="1" noChangeAspect="1" noMove="1" noResize="1" noEditPoints="1" noAdjustHandles="1" noChangeArrowheads="1" noChangeShapeType="1" noTextEdit="1"/>
+          </p:cNvSpPr>
+          <p:nvPr>
+            <p:extLst>
+              <p:ext uri="{386F3935-93C4-4BCD-93E2-E3B085C9AB24}">
+                <p16:designElem xmlns:p16="http://schemas.microsoft.com/office/powerpoint/2015/main" val="1"/>
+              </p:ext>
+            </p:extLst>
+          </p:nvPr>
+        </p:nvSpPr>
+        <p:spPr>
+          <a:xfrm>
+            <a:off x="0" y="0"/>
+            <a:ext cx="12192000" cy="6858000"/>
+          </a:xfrm>
+          <a:prstGeom prst="rect">
+            <a:avLst/>
+          </a:prstGeom>
+          <a:solidFill>
+            <a:srgbClr val="FFFFFF"/>
+          </a:solidFill>
+          <a:ln>
+            <a:noFill/>
+          </a:ln>
+        </p:spPr>
+        <p:style>
+          <a:lnRef idx="2">
+            <a:schemeClr val="accent1">
+              <a:shade val="50000"/>
+            </a:schemeClr>
+          </a:lnRef>
+          <a:fillRef idx="1">
+            <a:schemeClr val="accent1"/>
+          </a:fillRef>
+          <a:effectRef idx="0">
+            <a:schemeClr val="accent1"/>
+          </a:effectRef>
+          <a:fontRef idx="minor">
+            <a:schemeClr val="lt1"/>
+          </a:fontRef>
+        </p:style>
+        <p:txBody>
+          <a:bodyPr rtlCol="0" anchor="ctr"/>
+          <a:lstStyle/>
+          <a:p>
+            <a:pPr algn="ctr"/>
+            <a:endParaRPr lang="en-US"/>
+          </a:p>
+        </p:txBody>
+      </p:sp>
+      <p:sp>
+        <p:nvSpPr>
+          <p:cNvPr id="36" name="Rectangle 35">
+            <a:extLst>
+              <a:ext uri="{FF2B5EF4-FFF2-40B4-BE49-F238E27FC236}">
+                <a16:creationId xmlns:a16="http://schemas.microsoft.com/office/drawing/2014/main" id="{047C8CCB-F95D-4249-92DD-651249D3535A}"/>
+              </a:ext>
+              <a:ext uri="{C183D7F6-B498-43B3-948B-1728B52AA6E4}">
+                <adec:decorative xmlns:adec="http://schemas.microsoft.com/office/drawing/2017/decorative" val="1"/>
+              </a:ext>
+            </a:extLst>
+          </p:cNvPr>
+          <p:cNvSpPr>
+            <a:spLocks noGrp="1" noRot="1" noChangeAspect="1" noMove="1" noResize="1" noEditPoints="1" noAdjustHandles="1" noChangeArrowheads="1" noChangeShapeType="1" noTextEdit="1"/>
+          </p:cNvSpPr>
+          <p:nvPr>
+            <p:extLst>
+              <p:ext uri="{386F3935-93C4-4BCD-93E2-E3B085C9AB24}">
+                <p16:designElem xmlns:p16="http://schemas.microsoft.com/office/powerpoint/2015/main" val="1"/>
+              </p:ext>
+            </p:extLst>
+          </p:nvPr>
+        </p:nvSpPr>
+        <p:spPr>
+          <a:xfrm>
+            <a:off x="0" y="0"/>
+            <a:ext cx="2013557" cy="6858000"/>
+          </a:xfrm>
+          <a:prstGeom prst="rect">
+            <a:avLst/>
+          </a:prstGeom>
+          <a:solidFill>
+            <a:srgbClr val="7F7F7F"/>
+          </a:solidFill>
+          <a:ln>
+            <a:noFill/>
+          </a:ln>
+        </p:spPr>
+        <p:style>
+          <a:lnRef idx="2">
+            <a:schemeClr val="accent1">
+              <a:shade val="50000"/>
+            </a:schemeClr>
+          </a:lnRef>
+          <a:fillRef idx="1">
+            <a:schemeClr val="accent1"/>
+          </a:fillRef>
+          <a:effectRef idx="0">
+            <a:schemeClr val="accent1"/>
+          </a:effectRef>
+          <a:fontRef idx="minor">
+            <a:schemeClr val="lt1"/>
+          </a:fontRef>
+        </p:style>
+        <p:txBody>
+          <a:bodyPr rtlCol="0" anchor="ctr"/>
+          <a:lstStyle/>
+          <a:p>
+            <a:pPr algn="ctr"/>
+            <a:endParaRPr lang="en-US"/>
+          </a:p>
+        </p:txBody>
+      </p:sp>
+      <p:sp>
+        <p:nvSpPr>
+          <p:cNvPr id="2" name="タイトル 1">
+            <a:extLst>
+              <a:ext uri="{FF2B5EF4-FFF2-40B4-BE49-F238E27FC236}">
+                <a16:creationId xmlns:a16="http://schemas.microsoft.com/office/drawing/2014/main" id="{684462AB-E16B-497C-935E-6599B166C27D}"/>
+              </a:ext>
+            </a:extLst>
+          </p:cNvPr>
+          <p:cNvSpPr>
+            <a:spLocks noGrp="1"/>
+          </p:cNvSpPr>
+          <p:nvPr>
+            <p:ph type="title"/>
+          </p:nvPr>
+        </p:nvSpPr>
+        <p:spPr>
+          <a:xfrm>
+            <a:off x="640080" y="2074363"/>
+            <a:ext cx="2752354" cy="2709275"/>
+          </a:xfrm>
+          <a:prstGeom prst="ellipse">
+            <a:avLst/>
+          </a:prstGeom>
+          <a:solidFill>
+            <a:srgbClr val="262626"/>
+          </a:solidFill>
+          <a:ln w="174625" cmpd="thinThick">
+            <a:solidFill>
+              <a:srgbClr val="262626"/>
+            </a:solidFill>
+          </a:ln>
+        </p:spPr>
+        <p:txBody>
+          <a:bodyPr vert="horz" lIns="91440" tIns="45720" rIns="91440" bIns="45720" rtlCol="0" anchor="ctr">
+            <a:normAutofit/>
+          </a:bodyPr>
+          <a:lstStyle/>
+          <a:p>
+            <a:pPr algn="ctr"/>
+            <a:r>
+              <a:rPr kumimoji="1" lang="ja-JP" altLang="en-US" sz="2800" kern="1200" dirty="0">
+                <a:solidFill>
+                  <a:srgbClr val="FFFFFF"/>
+                </a:solidFill>
+                <a:latin typeface="+mj-lt"/>
+                <a:ea typeface="+mj-ea"/>
+                <a:cs typeface="+mj-cs"/>
+              </a:rPr>
+              <a:t>メンバー＆</a:t>
+            </a:r>
+            <a:br>
+              <a:rPr kumimoji="1" lang="en-US" altLang="ja-JP" sz="2800" kern="1200" dirty="0">
+                <a:solidFill>
+                  <a:srgbClr val="FFFFFF"/>
+                </a:solidFill>
+                <a:latin typeface="+mj-lt"/>
+                <a:ea typeface="+mj-ea"/>
+                <a:cs typeface="+mj-cs"/>
+              </a:rPr>
+            </a:br>
+            <a:r>
+              <a:rPr kumimoji="1" lang="ja-JP" altLang="en-US" sz="2800" kern="1200" dirty="0">
+                <a:solidFill>
+                  <a:srgbClr val="FFFFFF"/>
+                </a:solidFill>
+                <a:latin typeface="+mj-lt"/>
+                <a:ea typeface="+mj-ea"/>
+                <a:cs typeface="+mj-cs"/>
+              </a:rPr>
+              <a:t>担当</a:t>
+            </a:r>
+          </a:p>
+        </p:txBody>
+      </p:sp>
+      <p:graphicFrame>
+        <p:nvGraphicFramePr>
+          <p:cNvPr id="5" name="コンテンツ プレースホルダー 2">
+            <a:extLst>
+              <a:ext uri="{FF2B5EF4-FFF2-40B4-BE49-F238E27FC236}">
+                <a16:creationId xmlns:a16="http://schemas.microsoft.com/office/drawing/2014/main" id="{089377D9-88B9-1C36-2326-C5FCBF21FA87}"/>
+              </a:ext>
+            </a:extLst>
+          </p:cNvPr>
+          <p:cNvGraphicFramePr>
+            <a:graphicFrameLocks noGrp="1"/>
+          </p:cNvGraphicFramePr>
+          <p:nvPr>
+            <p:ph idx="1"/>
+            <p:extLst>
+              <p:ext uri="{D42A27DB-BD31-4B8C-83A1-F6EECF244321}">
+                <p14:modId xmlns:p14="http://schemas.microsoft.com/office/powerpoint/2010/main" val="325890099"/>
+              </p:ext>
+            </p:extLst>
+          </p:nvPr>
+        </p:nvGraphicFramePr>
+        <p:xfrm>
+          <a:off x="4581727" y="649480"/>
+          <a:ext cx="6210599" cy="5546047"/>
+        </p:xfrm>
+        <a:graphic>
+          <a:graphicData uri="http://schemas.openxmlformats.org/drawingml/2006/diagram">
+            <dgm:relIds xmlns:dgm="http://schemas.openxmlformats.org/drawingml/2006/diagram" xmlns:r="http://schemas.openxmlformats.org/officeDocument/2006/relationships" r:dm="rId3" r:lo="rId4" r:qs="rId5" r:cs="rId6"/>
+          </a:graphicData>
+        </a:graphic>
+      </p:graphicFrame>
+    </p:spTree>
+    <p:extLst>
+      <p:ext uri="{BB962C8B-B14F-4D97-AF65-F5344CB8AC3E}">
+        <p14:creationId xmlns:p14="http://schemas.microsoft.com/office/powerpoint/2010/main" val="3160930730"/>
+      </p:ext>
+    </p:extLst>
+  </p:cSld>
+  <p:clrMapOvr>
+    <a:masterClrMapping/>
+  </p:clrMapOvr>
+  <mc:AlternateContent xmlns:mc="http://schemas.openxmlformats.org/markup-compatibility/2006" xmlns:p14="http://schemas.microsoft.com/office/powerpoint/2010/main">
+    <mc:Choice Requires="p14">
+      <p:transition spd="slow" p14:dur="2000" advTm="20862"/>
+    </mc:Choice>
+    <mc:Fallback xmlns="">
+      <p:transition spd="slow" advTm="20862"/>
+    </mc:Fallback>
+  </mc:AlternateContent>
+</p:sld>
+</file>
+
+<file path=ppt/slides/slide4.xml><?xml version="1.0" encoding="utf-8"?>
+<p:sld xmlns:a="http://schemas.openxmlformats.org/drawingml/2006/main" xmlns:r="http://schemas.openxmlformats.org/officeDocument/2006/relationships" xmlns:p="http://schemas.openxmlformats.org/presentationml/2006/main">
+  <p:cSld>
+    <p:bg>
+      <p:bgPr>
+        <a:solidFill>
+          <a:schemeClr val="bg1"/>
+        </a:solidFill>
+        <a:effectLst/>
+      </p:bgPr>
+    </p:bg>
+    <p:spTree>
+      <p:nvGrpSpPr>
+        <p:cNvPr id="1" name=""/>
+        <p:cNvGrpSpPr/>
+        <p:nvPr/>
+      </p:nvGrpSpPr>
+      <p:grpSpPr>
+        <a:xfrm>
+          <a:off x="0" y="0"/>
+          <a:ext cx="0" cy="0"/>
+          <a:chOff x="0" y="0"/>
+          <a:chExt cx="0" cy="0"/>
+        </a:xfrm>
+      </p:grpSpPr>
+      <p:sp>
+        <p:nvSpPr>
+          <p:cNvPr id="26" name="Rectangle 25">
+            <a:extLst>
+              <a:ext uri="{FF2B5EF4-FFF2-40B4-BE49-F238E27FC236}">
+                <a16:creationId xmlns:a16="http://schemas.microsoft.com/office/drawing/2014/main" id="{488333BA-AE6E-427A-9B16-A39C8073F4EB}"/>
+              </a:ext>
+              <a:ext uri="{C183D7F6-B498-43B3-948B-1728B52AA6E4}">
+                <adec:decorative xmlns:adec="http://schemas.microsoft.com/office/drawing/2017/decorative" val="1"/>
+              </a:ext>
+            </a:extLst>
+          </p:cNvPr>
+          <p:cNvSpPr>
+            <a:spLocks noGrp="1" noRot="1" noChangeAspect="1" noMove="1" noResize="1" noEditPoints="1" noAdjustHandles="1" noChangeArrowheads="1" noChangeShapeType="1" noTextEdit="1"/>
+          </p:cNvSpPr>
+          <p:nvPr>
+            <p:extLst>
+              <p:ext uri="{386F3935-93C4-4BCD-93E2-E3B085C9AB24}">
+                <p16:designElem xmlns:p16="http://schemas.microsoft.com/office/powerpoint/2015/main" val="1"/>
+              </p:ext>
+            </p:extLst>
+          </p:nvPr>
+        </p:nvSpPr>
+        <p:spPr>
+          <a:xfrm>
+            <a:off x="0" y="0"/>
+            <a:ext cx="12188952" cy="6858000"/>
+          </a:xfrm>
+          <a:prstGeom prst="rect">
+            <a:avLst/>
+          </a:prstGeom>
+          <a:solidFill>
+            <a:schemeClr val="tx1">
+              <a:lumMod val="75000"/>
+              <a:lumOff val="25000"/>
+            </a:schemeClr>
+          </a:solidFill>
+          <a:ln>
+            <a:noFill/>
+          </a:ln>
+        </p:spPr>
+        <p:style>
+          <a:lnRef idx="2">
+            <a:schemeClr val="accent1">
+              <a:shade val="50000"/>
+            </a:schemeClr>
+          </a:lnRef>
+          <a:fillRef idx="1">
+            <a:schemeClr val="accent1"/>
+          </a:fillRef>
+          <a:effectRef idx="0">
+            <a:schemeClr val="accent1"/>
+          </a:effectRef>
+          <a:fontRef idx="minor">
+            <a:schemeClr val="lt1"/>
+          </a:fontRef>
+        </p:style>
+        <p:txBody>
+          <a:bodyPr rtlCol="0" anchor="ctr"/>
+          <a:lstStyle/>
+          <a:p>
+            <a:pPr algn="ctr"/>
+            <a:endParaRPr lang="en-US"/>
+          </a:p>
+        </p:txBody>
+      </p:sp>
+      <p:sp>
+        <p:nvSpPr>
+          <p:cNvPr id="28" name="Rectangle 27">
+            <a:extLst>
+              <a:ext uri="{FF2B5EF4-FFF2-40B4-BE49-F238E27FC236}">
+                <a16:creationId xmlns:a16="http://schemas.microsoft.com/office/drawing/2014/main" id="{F98ED85F-DCEE-4B50-802E-71A6E3E12B04}"/>
+              </a:ext>
+              <a:ext uri="{C183D7F6-B498-43B3-948B-1728B52AA6E4}">
+                <adec:decorative xmlns:adec="http://schemas.microsoft.com/office/drawing/2017/decorative" val="1"/>
+              </a:ext>
+            </a:extLst>
+          </p:cNvPr>
+          <p:cNvSpPr>
+            <a:spLocks noGrp="1" noRot="1" noChangeAspect="1" noMove="1" noResize="1" noEditPoints="1" noAdjustHandles="1" noChangeArrowheads="1" noChangeShapeType="1" noTextEdit="1"/>
+          </p:cNvSpPr>
+          <p:nvPr>
+            <p:extLst>
+              <p:ext uri="{386F3935-93C4-4BCD-93E2-E3B085C9AB24}">
+                <p16:designElem xmlns:p16="http://schemas.microsoft.com/office/powerpoint/2015/main" val="1"/>
+              </p:ext>
+            </p:extLst>
+          </p:nvPr>
+        </p:nvSpPr>
+        <p:spPr bwMode="ltGray">
+          <a:xfrm>
+            <a:off x="321564" y="320040"/>
+            <a:ext cx="11548872" cy="6217920"/>
+          </a:xfrm>
+          <a:prstGeom prst="rect">
+            <a:avLst/>
+          </a:prstGeom>
+          <a:solidFill>
+            <a:schemeClr val="bg1"/>
+          </a:solidFill>
+          <a:ln w="127000" cap="sq" cmpd="thinThick">
+            <a:solidFill>
+              <a:schemeClr val="bg1"/>
+            </a:solidFill>
+          </a:ln>
+        </p:spPr>
+        <p:style>
+          <a:lnRef idx="2">
+            <a:schemeClr val="accent1">
+              <a:shade val="50000"/>
+            </a:schemeClr>
+          </a:lnRef>
+          <a:fillRef idx="1">
+            <a:schemeClr val="accent1"/>
+          </a:fillRef>
+          <a:effectRef idx="0">
+            <a:schemeClr val="accent1"/>
+          </a:effectRef>
+          <a:fontRef idx="minor">
+            <a:schemeClr val="lt1"/>
+          </a:fontRef>
+        </p:style>
+        <p:txBody>
+          <a:bodyPr rtlCol="0" anchor="ctr"/>
+          <a:lstStyle/>
+          <a:p>
+            <a:pPr algn="ctr"/>
+            <a:endParaRPr lang="en-US"/>
+          </a:p>
+        </p:txBody>
+      </p:sp>
+      <p:sp>
+        <p:nvSpPr>
+          <p:cNvPr id="2" name="タイトル 1">
+            <a:extLst>
+              <a:ext uri="{FF2B5EF4-FFF2-40B4-BE49-F238E27FC236}">
+                <a16:creationId xmlns:a16="http://schemas.microsoft.com/office/drawing/2014/main" id="{3A2D8595-3A74-2F37-4EAC-F090412A10DB}"/>
+              </a:ext>
+            </a:extLst>
+          </p:cNvPr>
+          <p:cNvSpPr>
+            <a:spLocks noGrp="1"/>
+          </p:cNvSpPr>
+          <p:nvPr>
+            <p:ph type="title"/>
+          </p:nvPr>
+        </p:nvSpPr>
+        <p:spPr>
+          <a:xfrm>
+            <a:off x="838200" y="631825"/>
+            <a:ext cx="10515600" cy="1325563"/>
+          </a:xfrm>
+        </p:spPr>
+        <p:txBody>
+          <a:bodyPr>
+            <a:normAutofit/>
+          </a:bodyPr>
+          <a:lstStyle/>
+          <a:p>
+            <a:r>
+              <a:rPr lang="ja-JP" altLang="en-US" dirty="0">
+                <a:latin typeface="+mj-ea"/>
+              </a:rPr>
+              <a:t>開発動</a:t>
+            </a:r>
+            <a:r>
+              <a:rPr lang="ja-JP" altLang="en-US" dirty="0"/>
+              <a:t>機</a:t>
+            </a:r>
+            <a:endParaRPr kumimoji="1" lang="ja-JP" altLang="en-US" dirty="0"/>
+          </a:p>
+        </p:txBody>
+      </p:sp>
+      <p:sp>
+        <p:nvSpPr>
+          <p:cNvPr id="3" name="コンテンツ プレースホルダー 2">
+            <a:extLst>
+              <a:ext uri="{FF2B5EF4-FFF2-40B4-BE49-F238E27FC236}">
+                <a16:creationId xmlns:a16="http://schemas.microsoft.com/office/drawing/2014/main" id="{0F15E5C9-98A2-529F-FDB8-B273CEB79136}"/>
+              </a:ext>
+            </a:extLst>
+          </p:cNvPr>
+          <p:cNvSpPr>
+            <a:spLocks noGrp="1"/>
+          </p:cNvSpPr>
+          <p:nvPr>
+            <p:ph idx="1"/>
+          </p:nvPr>
+        </p:nvSpPr>
+        <p:spPr>
+          <a:xfrm>
+            <a:off x="838200" y="2057400"/>
+            <a:ext cx="10515600" cy="3871762"/>
+          </a:xfrm>
+        </p:spPr>
+        <p:txBody>
+          <a:bodyPr>
+            <a:normAutofit lnSpcReduction="10000"/>
+          </a:bodyPr>
+          <a:lstStyle/>
+          <a:p>
+            <a:r>
               <a:rPr lang="ja-JP" altLang="en-US" sz="3600" kern="50" dirty="0">
                 <a:effectLst/>
                 <a:latin typeface="+mn-ea"/>
@@ -9956,7 +11867,37 @@
               </a:rPr>
               <a:t>不満なことは朝の服装選びに時間がかかること</a:t>
             </a:r>
-            <a:endParaRPr kumimoji="1" lang="ja-JP" altLang="en-US" sz="3600" dirty="0">
+            <a:endParaRPr lang="en-US" altLang="ja-JP" sz="3600" kern="50" dirty="0">
+              <a:effectLst/>
+              <a:latin typeface="+mn-ea"/>
+              <a:cs typeface="Mangal" panose="02040503050203030202" pitchFamily="18" charset="0"/>
+            </a:endParaRPr>
+          </a:p>
+          <a:p>
+            <a:endParaRPr kumimoji="1" lang="en-US" altLang="ja-JP" sz="3600" kern="50" dirty="0">
+              <a:latin typeface="+mn-ea"/>
+              <a:cs typeface="Mangal" panose="02040503050203030202" pitchFamily="18" charset="0"/>
+            </a:endParaRPr>
+          </a:p>
+          <a:p>
+            <a:pPr marL="0" indent="0">
+              <a:buNone/>
+            </a:pPr>
+            <a:r>
+              <a:rPr lang="ja-JP" altLang="en-US" sz="3600" kern="50" dirty="0">
+                <a:latin typeface="+mn-ea"/>
+                <a:cs typeface="Mangal" panose="02040503050203030202" pitchFamily="18" charset="0"/>
+              </a:rPr>
+              <a:t>→</a:t>
+            </a:r>
+            <a:r>
+              <a:rPr lang="ja-JP" altLang="en-US" sz="3600" b="1" kern="50" dirty="0">
+                <a:latin typeface="+mn-ea"/>
+                <a:cs typeface="Mangal" panose="02040503050203030202" pitchFamily="18" charset="0"/>
+              </a:rPr>
+              <a:t>朝の服選びを手伝うアプリを作ろう！</a:t>
+            </a:r>
+            <a:endParaRPr kumimoji="1" lang="ja-JP" altLang="en-US" sz="3600" b="1" dirty="0">
               <a:latin typeface="+mn-ea"/>
             </a:endParaRPr>
           </a:p>
@@ -9983,7 +11924,7 @@
 </p:sld>
 </file>
 
-<file path=ppt/slides/slide4.xml><?xml version="1.0" encoding="utf-8"?>
+<file path=ppt/slides/slide5.xml><?xml version="1.0" encoding="utf-8"?>
 <p:sld xmlns:a="http://schemas.openxmlformats.org/drawingml/2006/main" xmlns:r="http://schemas.openxmlformats.org/officeDocument/2006/relationships" xmlns:p="http://schemas.openxmlformats.org/presentationml/2006/main">
   <p:cSld>
     <p:bg>
@@ -10506,7 +12447,7 @@
 </p:sld>
 </file>
 
-<file path=ppt/slides/slide5.xml><?xml version="1.0" encoding="utf-8"?>
+<file path=ppt/slides/slide6.xml><?xml version="1.0" encoding="utf-8"?>
 <p:sld xmlns:a="http://schemas.openxmlformats.org/drawingml/2006/main" xmlns:r="http://schemas.openxmlformats.org/officeDocument/2006/relationships" xmlns:p="http://schemas.openxmlformats.org/presentationml/2006/main">
   <p:cSld>
     <p:bg>
@@ -10827,289 +12768,6 @@
     </mc:Choice>
     <mc:Fallback xmlns="">
       <p:transition spd="slow" advTm="27985"/>
-    </mc:Fallback>
-  </mc:AlternateContent>
-</p:sld>
-</file>
-
-<file path=ppt/slides/slide6.xml><?xml version="1.0" encoding="utf-8"?>
-<p:sld xmlns:a="http://schemas.openxmlformats.org/drawingml/2006/main" xmlns:r="http://schemas.openxmlformats.org/officeDocument/2006/relationships" xmlns:p="http://schemas.openxmlformats.org/presentationml/2006/main">
-  <p:cSld>
-    <p:bg>
-      <p:bgPr>
-        <a:solidFill>
-          <a:schemeClr val="bg1"/>
-        </a:solidFill>
-        <a:effectLst/>
-      </p:bgPr>
-    </p:bg>
-    <p:spTree>
-      <p:nvGrpSpPr>
-        <p:cNvPr id="1" name=""/>
-        <p:cNvGrpSpPr/>
-        <p:nvPr/>
-      </p:nvGrpSpPr>
-      <p:grpSpPr>
-        <a:xfrm>
-          <a:off x="0" y="0"/>
-          <a:ext cx="0" cy="0"/>
-          <a:chOff x="0" y="0"/>
-          <a:chExt cx="0" cy="0"/>
-        </a:xfrm>
-      </p:grpSpPr>
-      <p:sp>
-        <p:nvSpPr>
-          <p:cNvPr id="17" name="Rectangle 16">
-            <a:extLst>
-              <a:ext uri="{FF2B5EF4-FFF2-40B4-BE49-F238E27FC236}">
-                <a16:creationId xmlns:a16="http://schemas.microsoft.com/office/drawing/2014/main" id="{488333BA-AE6E-427A-9B16-A39C8073F4EB}"/>
-              </a:ext>
-              <a:ext uri="{C183D7F6-B498-43B3-948B-1728B52AA6E4}">
-                <adec:decorative xmlns:adec="http://schemas.microsoft.com/office/drawing/2017/decorative" val="1"/>
-              </a:ext>
-            </a:extLst>
-          </p:cNvPr>
-          <p:cNvSpPr>
-            <a:spLocks noGrp="1" noRot="1" noChangeAspect="1" noMove="1" noResize="1" noEditPoints="1" noAdjustHandles="1" noChangeArrowheads="1" noChangeShapeType="1" noTextEdit="1"/>
-          </p:cNvSpPr>
-          <p:nvPr>
-            <p:extLst>
-              <p:ext uri="{386F3935-93C4-4BCD-93E2-E3B085C9AB24}">
-                <p16:designElem xmlns:p16="http://schemas.microsoft.com/office/powerpoint/2015/main" val="1"/>
-              </p:ext>
-            </p:extLst>
-          </p:nvPr>
-        </p:nvSpPr>
-        <p:spPr>
-          <a:xfrm>
-            <a:off x="0" y="0"/>
-            <a:ext cx="12188952" cy="6858000"/>
-          </a:xfrm>
-          <a:prstGeom prst="rect">
-            <a:avLst/>
-          </a:prstGeom>
-          <a:solidFill>
-            <a:schemeClr val="tx1">
-              <a:lumMod val="75000"/>
-              <a:lumOff val="25000"/>
-            </a:schemeClr>
-          </a:solidFill>
-          <a:ln>
-            <a:noFill/>
-          </a:ln>
-        </p:spPr>
-        <p:style>
-          <a:lnRef idx="2">
-            <a:schemeClr val="accent1">
-              <a:shade val="50000"/>
-            </a:schemeClr>
-          </a:lnRef>
-          <a:fillRef idx="1">
-            <a:schemeClr val="accent1"/>
-          </a:fillRef>
-          <a:effectRef idx="0">
-            <a:schemeClr val="accent1"/>
-          </a:effectRef>
-          <a:fontRef idx="minor">
-            <a:schemeClr val="lt1"/>
-          </a:fontRef>
-        </p:style>
-        <p:txBody>
-          <a:bodyPr rtlCol="0" anchor="ctr"/>
-          <a:lstStyle/>
-          <a:p>
-            <a:pPr algn="ctr"/>
-            <a:endParaRPr lang="en-US"/>
-          </a:p>
-        </p:txBody>
-      </p:sp>
-      <p:sp>
-        <p:nvSpPr>
-          <p:cNvPr id="19" name="Rectangle 18">
-            <a:extLst>
-              <a:ext uri="{FF2B5EF4-FFF2-40B4-BE49-F238E27FC236}">
-                <a16:creationId xmlns:a16="http://schemas.microsoft.com/office/drawing/2014/main" id="{F98ED85F-DCEE-4B50-802E-71A6E3E12B04}"/>
-              </a:ext>
-              <a:ext uri="{C183D7F6-B498-43B3-948B-1728B52AA6E4}">
-                <adec:decorative xmlns:adec="http://schemas.microsoft.com/office/drawing/2017/decorative" val="1"/>
-              </a:ext>
-            </a:extLst>
-          </p:cNvPr>
-          <p:cNvSpPr>
-            <a:spLocks noGrp="1" noRot="1" noChangeAspect="1" noMove="1" noResize="1" noEditPoints="1" noAdjustHandles="1" noChangeArrowheads="1" noChangeShapeType="1" noTextEdit="1"/>
-          </p:cNvSpPr>
-          <p:nvPr>
-            <p:extLst>
-              <p:ext uri="{386F3935-93C4-4BCD-93E2-E3B085C9AB24}">
-                <p16:designElem xmlns:p16="http://schemas.microsoft.com/office/powerpoint/2015/main" val="1"/>
-              </p:ext>
-            </p:extLst>
-          </p:nvPr>
-        </p:nvSpPr>
-        <p:spPr bwMode="ltGray">
-          <a:xfrm>
-            <a:off x="321564" y="320040"/>
-            <a:ext cx="11548872" cy="6217920"/>
-          </a:xfrm>
-          <a:prstGeom prst="rect">
-            <a:avLst/>
-          </a:prstGeom>
-          <a:solidFill>
-            <a:schemeClr val="bg1"/>
-          </a:solidFill>
-          <a:ln w="127000" cap="sq" cmpd="thinThick">
-            <a:solidFill>
-              <a:schemeClr val="bg1"/>
-            </a:solidFill>
-          </a:ln>
-        </p:spPr>
-        <p:style>
-          <a:lnRef idx="2">
-            <a:schemeClr val="accent1">
-              <a:shade val="50000"/>
-            </a:schemeClr>
-          </a:lnRef>
-          <a:fillRef idx="1">
-            <a:schemeClr val="accent1"/>
-          </a:fillRef>
-          <a:effectRef idx="0">
-            <a:schemeClr val="accent1"/>
-          </a:effectRef>
-          <a:fontRef idx="minor">
-            <a:schemeClr val="lt1"/>
-          </a:fontRef>
-        </p:style>
-        <p:txBody>
-          <a:bodyPr rtlCol="0" anchor="ctr"/>
-          <a:lstStyle/>
-          <a:p>
-            <a:pPr algn="ctr"/>
-            <a:endParaRPr lang="en-US"/>
-          </a:p>
-        </p:txBody>
-      </p:sp>
-      <p:sp>
-        <p:nvSpPr>
-          <p:cNvPr id="2" name="タイトル 1">
-            <a:extLst>
-              <a:ext uri="{FF2B5EF4-FFF2-40B4-BE49-F238E27FC236}">
-                <a16:creationId xmlns:a16="http://schemas.microsoft.com/office/drawing/2014/main" id="{134F9F1F-42D9-6EE6-C04F-8352EB54D9E8}"/>
-              </a:ext>
-            </a:extLst>
-          </p:cNvPr>
-          <p:cNvSpPr>
-            <a:spLocks noGrp="1"/>
-          </p:cNvSpPr>
-          <p:nvPr>
-            <p:ph type="title"/>
-          </p:nvPr>
-        </p:nvSpPr>
-        <p:spPr>
-          <a:xfrm>
-            <a:off x="838200" y="631825"/>
-            <a:ext cx="10515600" cy="1325563"/>
-          </a:xfrm>
-        </p:spPr>
-        <p:txBody>
-          <a:bodyPr>
-            <a:normAutofit/>
-          </a:bodyPr>
-          <a:lstStyle/>
-          <a:p>
-            <a:r>
-              <a:rPr kumimoji="1" lang="ja-JP" altLang="en-US"/>
-              <a:t>工夫した点</a:t>
-            </a:r>
-          </a:p>
-        </p:txBody>
-      </p:sp>
-      <p:sp>
-        <p:nvSpPr>
-          <p:cNvPr id="3" name="コンテンツ プレースホルダー 2">
-            <a:extLst>
-              <a:ext uri="{FF2B5EF4-FFF2-40B4-BE49-F238E27FC236}">
-                <a16:creationId xmlns:a16="http://schemas.microsoft.com/office/drawing/2014/main" id="{79CEC04E-C5E3-42F8-4609-33DE1A1572D0}"/>
-              </a:ext>
-            </a:extLst>
-          </p:cNvPr>
-          <p:cNvSpPr>
-            <a:spLocks noGrp="1"/>
-          </p:cNvSpPr>
-          <p:nvPr>
-            <p:ph idx="1"/>
-          </p:nvPr>
-        </p:nvSpPr>
-        <p:spPr>
-          <a:xfrm>
-            <a:off x="838200" y="2057400"/>
-            <a:ext cx="10515600" cy="3871762"/>
-          </a:xfrm>
-        </p:spPr>
-        <p:txBody>
-          <a:bodyPr>
-            <a:normAutofit/>
-          </a:bodyPr>
-          <a:lstStyle/>
-          <a:p>
-            <a:r>
-              <a:rPr kumimoji="1" lang="ja-JP" altLang="en-US" sz="2400"/>
-              <a:t>アプリケーションのデザイン</a:t>
-            </a:r>
-            <a:endParaRPr kumimoji="1" lang="en-US" altLang="ja-JP" sz="2400"/>
-          </a:p>
-          <a:p>
-            <a:r>
-              <a:rPr lang="ja-JP" altLang="en-US" sz="2400"/>
-              <a:t>ホーム画面でコーディネートを提案する点</a:t>
-            </a:r>
-            <a:endParaRPr lang="en-US" altLang="ja-JP" sz="2400"/>
-          </a:p>
-          <a:p>
-            <a:r>
-              <a:rPr kumimoji="1" lang="ja-JP" altLang="en-US" sz="2400"/>
-              <a:t>天気と最低・最高気温を取得する</a:t>
-            </a:r>
-            <a:endParaRPr kumimoji="1" lang="en-US" altLang="ja-JP" sz="2400"/>
-          </a:p>
-          <a:p>
-            <a:r>
-              <a:rPr lang="ja-JP" altLang="en-US" sz="2400"/>
-              <a:t>リアルタイムソートの実装</a:t>
-            </a:r>
-            <a:endParaRPr lang="en-US" altLang="ja-JP" sz="2400"/>
-          </a:p>
-          <a:p>
-            <a:r>
-              <a:rPr kumimoji="1" lang="ja-JP" altLang="en-US" sz="2400"/>
-              <a:t>画像を登録して表示する機能</a:t>
-            </a:r>
-            <a:endParaRPr kumimoji="1" lang="en-US" altLang="ja-JP" sz="2400"/>
-          </a:p>
-          <a:p>
-            <a:r>
-              <a:rPr lang="ja-JP" altLang="en-US" sz="2400"/>
-              <a:t>コーディネートとアイテムの情報を登録する</a:t>
-            </a:r>
-            <a:endParaRPr kumimoji="1" lang="ja-JP" altLang="en-US" sz="2400"/>
-          </a:p>
-        </p:txBody>
-      </p:sp>
-    </p:spTree>
-    <p:extLst>
-      <p:ext uri="{BB962C8B-B14F-4D97-AF65-F5344CB8AC3E}">
-        <p14:creationId xmlns:p14="http://schemas.microsoft.com/office/powerpoint/2010/main" val="1886021278"/>
-      </p:ext>
-    </p:extLst>
-  </p:cSld>
-  <p:clrMapOvr>
-    <a:masterClrMapping/>
-  </p:clrMapOvr>
-  <mc:AlternateContent xmlns:mc="http://schemas.openxmlformats.org/markup-compatibility/2006" xmlns:p14="http://schemas.microsoft.com/office/powerpoint/2010/main">
-    <mc:Choice Requires="p14">
-      <p:transition spd="slow" p14:dur="2000" advTm="63565"/>
-    </mc:Choice>
-    <mc:Fallback xmlns="">
-      <p:transition spd="slow" advTm="63565"/>
     </mc:Fallback>
   </mc:AlternateContent>
 </p:sld>
@@ -11682,7 +13340,7 @@
           <p:cNvPr id="2" name="タイトル 1">
             <a:extLst>
               <a:ext uri="{FF2B5EF4-FFF2-40B4-BE49-F238E27FC236}">
-                <a16:creationId xmlns:a16="http://schemas.microsoft.com/office/drawing/2014/main" id="{5B9BE501-EE51-FB0C-9FE0-C07CFEDBE101}"/>
+                <a16:creationId xmlns:a16="http://schemas.microsoft.com/office/drawing/2014/main" id="{134F9F1F-42D9-6EE6-C04F-8352EB54D9E8}"/>
               </a:ext>
             </a:extLst>
           </p:cNvPr>
@@ -11707,7 +13365,7 @@
           <a:p>
             <a:r>
               <a:rPr kumimoji="1" lang="ja-JP" altLang="en-US"/>
-              <a:t>躓いた点</a:t>
+              <a:t>工夫した点</a:t>
             </a:r>
           </a:p>
         </p:txBody>
@@ -11717,7 +13375,7 @@
           <p:cNvPr id="3" name="コンテンツ プレースホルダー 2">
             <a:extLst>
               <a:ext uri="{FF2B5EF4-FFF2-40B4-BE49-F238E27FC236}">
-                <a16:creationId xmlns:a16="http://schemas.microsoft.com/office/drawing/2014/main" id="{04113086-124E-3957-B5A7-415E0B432356}"/>
+                <a16:creationId xmlns:a16="http://schemas.microsoft.com/office/drawing/2014/main" id="{79CEC04E-C5E3-42F8-4609-33DE1A1572D0}"/>
               </a:ext>
             </a:extLst>
           </p:cNvPr>
@@ -11741,24 +13399,52 @@
           <a:lstStyle/>
           <a:p>
             <a:r>
-              <a:rPr kumimoji="1" lang="ja-JP" altLang="en-US" sz="2400" dirty="0"/>
-              <a:t>認識の共有</a:t>
-            </a:r>
-            <a:endParaRPr kumimoji="1" lang="en-US" altLang="ja-JP" sz="2400" dirty="0"/>
-          </a:p>
-          <a:p>
-            <a:r>
-              <a:rPr lang="ja-JP" altLang="en-US" sz="2400" dirty="0"/>
-              <a:t>情報伝達</a:t>
-            </a:r>
-            <a:endParaRPr lang="en-US" altLang="ja-JP" sz="2400" dirty="0"/>
+              <a:rPr kumimoji="1" lang="ja-JP" altLang="en-US" sz="2400"/>
+              <a:t>アプリケーションのデザイン</a:t>
+            </a:r>
+            <a:endParaRPr kumimoji="1" lang="en-US" altLang="ja-JP" sz="2400"/>
+          </a:p>
+          <a:p>
+            <a:r>
+              <a:rPr lang="ja-JP" altLang="en-US" sz="2400"/>
+              <a:t>ホーム画面でコーディネートを提案する点</a:t>
+            </a:r>
+            <a:endParaRPr lang="en-US" altLang="ja-JP" sz="2400"/>
+          </a:p>
+          <a:p>
+            <a:r>
+              <a:rPr kumimoji="1" lang="ja-JP" altLang="en-US" sz="2400"/>
+              <a:t>天気と最低・最高気温を取得する</a:t>
+            </a:r>
+            <a:endParaRPr kumimoji="1" lang="en-US" altLang="ja-JP" sz="2400"/>
+          </a:p>
+          <a:p>
+            <a:r>
+              <a:rPr lang="ja-JP" altLang="en-US" sz="2400"/>
+              <a:t>リアルタイムソートの実装</a:t>
+            </a:r>
+            <a:endParaRPr lang="en-US" altLang="ja-JP" sz="2400"/>
+          </a:p>
+          <a:p>
+            <a:r>
+              <a:rPr kumimoji="1" lang="ja-JP" altLang="en-US" sz="2400"/>
+              <a:t>画像を登録して表示する機能</a:t>
+            </a:r>
+            <a:endParaRPr kumimoji="1" lang="en-US" altLang="ja-JP" sz="2400"/>
+          </a:p>
+          <a:p>
+            <a:r>
+              <a:rPr lang="ja-JP" altLang="en-US" sz="2400"/>
+              <a:t>コーディネートとアイテムの情報を登録する</a:t>
+            </a:r>
+            <a:endParaRPr kumimoji="1" lang="ja-JP" altLang="en-US" sz="2400"/>
           </a:p>
         </p:txBody>
       </p:sp>
     </p:spTree>
     <p:extLst>
       <p:ext uri="{BB962C8B-B14F-4D97-AF65-F5344CB8AC3E}">
-        <p14:creationId xmlns:p14="http://schemas.microsoft.com/office/powerpoint/2010/main" val="1882848391"/>
+        <p14:creationId xmlns:p14="http://schemas.microsoft.com/office/powerpoint/2010/main" val="1886021278"/>
       </p:ext>
     </p:extLst>
   </p:cSld>
@@ -11767,10 +13453,10 @@
   </p:clrMapOvr>
   <mc:AlternateContent xmlns:mc="http://schemas.openxmlformats.org/markup-compatibility/2006" xmlns:p14="http://schemas.microsoft.com/office/powerpoint/2010/main">
     <mc:Choice Requires="p14">
-      <p:transition spd="slow" p14:dur="2000" advTm="28764"/>
+      <p:transition spd="slow" p14:dur="2000" advTm="63565"/>
     </mc:Choice>
     <mc:Fallback xmlns="">
-      <p:transition spd="slow" advTm="28764"/>
+      <p:transition spd="slow" advTm="63565"/>
     </mc:Fallback>
   </mc:AlternateContent>
 </p:sld>
@@ -11937,7 +13623,7 @@
           <p:cNvPr id="2" name="タイトル 1">
             <a:extLst>
               <a:ext uri="{FF2B5EF4-FFF2-40B4-BE49-F238E27FC236}">
-                <a16:creationId xmlns:a16="http://schemas.microsoft.com/office/drawing/2014/main" id="{B84913CA-78E0-F492-EC1C-47563005D951}"/>
+                <a16:creationId xmlns:a16="http://schemas.microsoft.com/office/drawing/2014/main" id="{5B9BE501-EE51-FB0C-9FE0-C07CFEDBE101}"/>
               </a:ext>
             </a:extLst>
           </p:cNvPr>
@@ -11962,7 +13648,7 @@
           <a:p>
             <a:r>
               <a:rPr kumimoji="1" lang="ja-JP" altLang="en-US"/>
-              <a:t>解決した方法</a:t>
+              <a:t>躓いた点</a:t>
             </a:r>
           </a:p>
         </p:txBody>
@@ -11972,7 +13658,7 @@
           <p:cNvPr id="3" name="コンテンツ プレースホルダー 2">
             <a:extLst>
               <a:ext uri="{FF2B5EF4-FFF2-40B4-BE49-F238E27FC236}">
-                <a16:creationId xmlns:a16="http://schemas.microsoft.com/office/drawing/2014/main" id="{8026771B-1C15-1AB5-8CF7-06C5727E2315}"/>
+                <a16:creationId xmlns:a16="http://schemas.microsoft.com/office/drawing/2014/main" id="{04113086-124E-3957-B5A7-415E0B432356}"/>
               </a:ext>
             </a:extLst>
           </p:cNvPr>
@@ -11996,27 +13682,24 @@
           <a:lstStyle/>
           <a:p>
             <a:r>
-              <a:rPr lang="ja-JP" altLang="en-US" sz="2400"/>
-              <a:t>口頭だけではなく、図示で説明をした</a:t>
-            </a:r>
-            <a:endParaRPr lang="en-US" altLang="ja-JP" sz="2400"/>
-          </a:p>
-          <a:p>
-            <a:r>
-              <a:rPr kumimoji="1" lang="ja-JP" altLang="en-US" sz="2400"/>
-              <a:t>画面共有をしながら都度進捗を報告する</a:t>
-            </a:r>
-            <a:endParaRPr kumimoji="1" lang="en-US" altLang="ja-JP" sz="2400"/>
-          </a:p>
-          <a:p>
-            <a:endParaRPr kumimoji="1" lang="en-US" altLang="ja-JP" sz="2400"/>
+              <a:rPr kumimoji="1" lang="ja-JP" altLang="en-US" sz="2400" dirty="0"/>
+              <a:t>認識の共有</a:t>
+            </a:r>
+            <a:endParaRPr kumimoji="1" lang="en-US" altLang="ja-JP" sz="2400" dirty="0"/>
+          </a:p>
+          <a:p>
+            <a:r>
+              <a:rPr lang="ja-JP" altLang="en-US" sz="2400" dirty="0"/>
+              <a:t>情報伝達</a:t>
+            </a:r>
+            <a:endParaRPr lang="en-US" altLang="ja-JP" sz="2400" dirty="0"/>
           </a:p>
         </p:txBody>
       </p:sp>
     </p:spTree>
     <p:extLst>
       <p:ext uri="{BB962C8B-B14F-4D97-AF65-F5344CB8AC3E}">
-        <p14:creationId xmlns:p14="http://schemas.microsoft.com/office/powerpoint/2010/main" val="1714130825"/>
+        <p14:creationId xmlns:p14="http://schemas.microsoft.com/office/powerpoint/2010/main" val="1882848391"/>
       </p:ext>
     </p:extLst>
   </p:cSld>
@@ -12025,10 +13708,10 @@
   </p:clrMapOvr>
   <mc:AlternateContent xmlns:mc="http://schemas.openxmlformats.org/markup-compatibility/2006" xmlns:p14="http://schemas.microsoft.com/office/powerpoint/2010/main">
     <mc:Choice Requires="p14">
-      <p:transition spd="slow" p14:dur="2000" advTm="4497"/>
+      <p:transition spd="slow" p14:dur="2000" advTm="28764"/>
     </mc:Choice>
     <mc:Fallback xmlns="">
-      <p:transition spd="slow" advTm="4497"/>
+      <p:transition spd="slow" advTm="28764"/>
     </mc:Fallback>
   </mc:AlternateContent>
 </p:sld>

--- a/E4_配布資料/研修結果発表パワーポイント.pptx
+++ b/E4_配布資料/研修結果発表パワーポイント.pptx
@@ -9,8 +9,8 @@
   </p:notesMasterIdLst>
   <p:sldIdLst>
     <p:sldId id="256" r:id="rId2"/>
-    <p:sldId id="278" r:id="rId3"/>
-    <p:sldId id="271" r:id="rId4"/>
+    <p:sldId id="271" r:id="rId3"/>
+    <p:sldId id="278" r:id="rId4"/>
     <p:sldId id="264" r:id="rId5"/>
     <p:sldId id="270" r:id="rId6"/>
     <p:sldId id="257" r:id="rId7"/>
@@ -3996,7 +3996,7 @@
           <a:p>
             <a:fld id="{7F3F8755-8BBF-48EC-870E-3012BA063E46}" type="slidenum">
               <a:rPr kumimoji="1" lang="ja-JP" altLang="en-US" smtClean="0"/>
-              <a:t>3</a:t>
+              <a:t>2</a:t>
             </a:fld>
             <a:endParaRPr kumimoji="1" lang="ja-JP" altLang="en-US"/>
           </a:p>
@@ -8302,20 +8302,23 @@
           <a:lstStyle/>
           <a:p>
             <a:r>
-              <a:rPr lang="ja-JP" altLang="en-US" sz="2400"/>
+              <a:rPr lang="ja-JP" altLang="en-US" sz="4400" dirty="0"/>
               <a:t>口頭だけではなく、図示で説明をした</a:t>
             </a:r>
-            <a:endParaRPr lang="en-US" altLang="ja-JP" sz="2400"/>
-          </a:p>
-          <a:p>
-            <a:r>
-              <a:rPr kumimoji="1" lang="ja-JP" altLang="en-US" sz="2400"/>
+            <a:endParaRPr lang="en-US" altLang="ja-JP" sz="4400" dirty="0"/>
+          </a:p>
+          <a:p>
+            <a:endParaRPr lang="en-US" altLang="ja-JP" sz="4400" dirty="0"/>
+          </a:p>
+          <a:p>
+            <a:r>
+              <a:rPr kumimoji="1" lang="ja-JP" altLang="en-US" sz="4400" dirty="0"/>
               <a:t>画面共有をしながら都度進捗を報告する</a:t>
             </a:r>
-            <a:endParaRPr kumimoji="1" lang="en-US" altLang="ja-JP" sz="2400"/>
-          </a:p>
-          <a:p>
-            <a:endParaRPr kumimoji="1" lang="en-US" altLang="ja-JP" sz="2400"/>
+            <a:endParaRPr kumimoji="1" lang="en-US" altLang="ja-JP" sz="4400" dirty="0"/>
+          </a:p>
+          <a:p>
+            <a:endParaRPr kumimoji="1" lang="en-US" altLang="ja-JP" sz="2400" dirty="0"/>
           </a:p>
         </p:txBody>
       </p:sp>
@@ -8560,26 +8563,32 @@
           <a:lstStyle/>
           <a:p>
             <a:r>
-              <a:rPr kumimoji="1" lang="ja-JP" altLang="en-US" sz="2400"/>
+              <a:rPr kumimoji="1" lang="ja-JP" altLang="en-US" sz="4400" dirty="0"/>
               <a:t>見積もりの甘さ</a:t>
             </a:r>
-            <a:endParaRPr kumimoji="1" lang="en-US" altLang="ja-JP" sz="2400"/>
-          </a:p>
-          <a:p>
-            <a:r>
-              <a:rPr lang="ja-JP" altLang="en-US" sz="2400"/>
+            <a:endParaRPr kumimoji="1" lang="en-US" altLang="ja-JP" sz="4400" dirty="0"/>
+          </a:p>
+          <a:p>
+            <a:endParaRPr kumimoji="1" lang="en-US" altLang="ja-JP" sz="4400" dirty="0"/>
+          </a:p>
+          <a:p>
+            <a:r>
+              <a:rPr lang="ja-JP" altLang="en-US" sz="4400" dirty="0"/>
               <a:t>スケジュール管理</a:t>
             </a:r>
-            <a:endParaRPr lang="en-US" altLang="ja-JP" sz="2400"/>
-          </a:p>
-          <a:p>
-            <a:r>
-              <a:rPr kumimoji="1" lang="ja-JP" altLang="en-US" sz="2400"/>
+            <a:endParaRPr lang="en-US" altLang="ja-JP" sz="4400" dirty="0"/>
+          </a:p>
+          <a:p>
+            <a:endParaRPr lang="en-US" altLang="ja-JP" sz="4400" dirty="0"/>
+          </a:p>
+          <a:p>
+            <a:r>
+              <a:rPr kumimoji="1" lang="ja-JP" altLang="en-US" sz="4400" dirty="0"/>
               <a:t>設計段階で詰め切れていなかった</a:t>
             </a:r>
           </a:p>
           <a:p>
-            <a:endParaRPr kumimoji="1" lang="ja-JP" altLang="en-US" sz="2400"/>
+            <a:endParaRPr kumimoji="1" lang="ja-JP" altLang="en-US" sz="2400" dirty="0"/>
           </a:p>
         </p:txBody>
       </p:sp>
@@ -10376,7 +10385,7 @@
                 <a:latin typeface="HGPｺﾞｼｯｸM" panose="020B0600000000000000" pitchFamily="50" charset="-128"/>
                 <a:ea typeface="HGPｺﾞｼｯｸM" panose="020B0600000000000000" pitchFamily="50" charset="-128"/>
               </a:rPr>
-              <a:t>データベースについて</a:t>
+              <a:t>データベースについて詳しくなることができた。</a:t>
             </a:r>
           </a:p>
         </p:txBody>
@@ -11088,6 +11097,284 @@
       </p:grpSpPr>
       <p:sp>
         <p:nvSpPr>
+          <p:cNvPr id="34" name="Rectangle 33">
+            <a:extLst>
+              <a:ext uri="{FF2B5EF4-FFF2-40B4-BE49-F238E27FC236}">
+                <a16:creationId xmlns:a16="http://schemas.microsoft.com/office/drawing/2014/main" id="{6753252F-4873-4F63-801D-CC719279A7D5}"/>
+              </a:ext>
+              <a:ext uri="{C183D7F6-B498-43B3-948B-1728B52AA6E4}">
+                <adec:decorative xmlns:adec="http://schemas.microsoft.com/office/drawing/2017/decorative" val="1"/>
+              </a:ext>
+            </a:extLst>
+          </p:cNvPr>
+          <p:cNvSpPr>
+            <a:spLocks noGrp="1" noRot="1" noChangeAspect="1" noMove="1" noResize="1" noEditPoints="1" noAdjustHandles="1" noChangeArrowheads="1" noChangeShapeType="1" noTextEdit="1"/>
+          </p:cNvSpPr>
+          <p:nvPr>
+            <p:extLst>
+              <p:ext uri="{386F3935-93C4-4BCD-93E2-E3B085C9AB24}">
+                <p16:designElem xmlns:p16="http://schemas.microsoft.com/office/powerpoint/2015/main" val="1"/>
+              </p:ext>
+            </p:extLst>
+          </p:nvPr>
+        </p:nvSpPr>
+        <p:spPr>
+          <a:xfrm>
+            <a:off x="0" y="0"/>
+            <a:ext cx="12192000" cy="6858000"/>
+          </a:xfrm>
+          <a:prstGeom prst="rect">
+            <a:avLst/>
+          </a:prstGeom>
+          <a:solidFill>
+            <a:srgbClr val="FFFFFF"/>
+          </a:solidFill>
+          <a:ln>
+            <a:noFill/>
+          </a:ln>
+        </p:spPr>
+        <p:style>
+          <a:lnRef idx="2">
+            <a:schemeClr val="accent1">
+              <a:shade val="50000"/>
+            </a:schemeClr>
+          </a:lnRef>
+          <a:fillRef idx="1">
+            <a:schemeClr val="accent1"/>
+          </a:fillRef>
+          <a:effectRef idx="0">
+            <a:schemeClr val="accent1"/>
+          </a:effectRef>
+          <a:fontRef idx="minor">
+            <a:schemeClr val="lt1"/>
+          </a:fontRef>
+        </p:style>
+        <p:txBody>
+          <a:bodyPr rtlCol="0" anchor="ctr"/>
+          <a:lstStyle/>
+          <a:p>
+            <a:pPr algn="ctr"/>
+            <a:endParaRPr lang="en-US"/>
+          </a:p>
+        </p:txBody>
+      </p:sp>
+      <p:sp>
+        <p:nvSpPr>
+          <p:cNvPr id="36" name="Rectangle 35">
+            <a:extLst>
+              <a:ext uri="{FF2B5EF4-FFF2-40B4-BE49-F238E27FC236}">
+                <a16:creationId xmlns:a16="http://schemas.microsoft.com/office/drawing/2014/main" id="{047C8CCB-F95D-4249-92DD-651249D3535A}"/>
+              </a:ext>
+              <a:ext uri="{C183D7F6-B498-43B3-948B-1728B52AA6E4}">
+                <adec:decorative xmlns:adec="http://schemas.microsoft.com/office/drawing/2017/decorative" val="1"/>
+              </a:ext>
+            </a:extLst>
+          </p:cNvPr>
+          <p:cNvSpPr>
+            <a:spLocks noGrp="1" noRot="1" noChangeAspect="1" noMove="1" noResize="1" noEditPoints="1" noAdjustHandles="1" noChangeArrowheads="1" noChangeShapeType="1" noTextEdit="1"/>
+          </p:cNvSpPr>
+          <p:nvPr>
+            <p:extLst>
+              <p:ext uri="{386F3935-93C4-4BCD-93E2-E3B085C9AB24}">
+                <p16:designElem xmlns:p16="http://schemas.microsoft.com/office/powerpoint/2015/main" val="1"/>
+              </p:ext>
+            </p:extLst>
+          </p:nvPr>
+        </p:nvSpPr>
+        <p:spPr>
+          <a:xfrm>
+            <a:off x="0" y="0"/>
+            <a:ext cx="2013557" cy="6858000"/>
+          </a:xfrm>
+          <a:prstGeom prst="rect">
+            <a:avLst/>
+          </a:prstGeom>
+          <a:solidFill>
+            <a:srgbClr val="7F7F7F"/>
+          </a:solidFill>
+          <a:ln>
+            <a:noFill/>
+          </a:ln>
+        </p:spPr>
+        <p:style>
+          <a:lnRef idx="2">
+            <a:schemeClr val="accent1">
+              <a:shade val="50000"/>
+            </a:schemeClr>
+          </a:lnRef>
+          <a:fillRef idx="1">
+            <a:schemeClr val="accent1"/>
+          </a:fillRef>
+          <a:effectRef idx="0">
+            <a:schemeClr val="accent1"/>
+          </a:effectRef>
+          <a:fontRef idx="minor">
+            <a:schemeClr val="lt1"/>
+          </a:fontRef>
+        </p:style>
+        <p:txBody>
+          <a:bodyPr rtlCol="0" anchor="ctr"/>
+          <a:lstStyle/>
+          <a:p>
+            <a:pPr algn="ctr"/>
+            <a:endParaRPr lang="en-US"/>
+          </a:p>
+        </p:txBody>
+      </p:sp>
+      <p:sp>
+        <p:nvSpPr>
+          <p:cNvPr id="2" name="タイトル 1">
+            <a:extLst>
+              <a:ext uri="{FF2B5EF4-FFF2-40B4-BE49-F238E27FC236}">
+                <a16:creationId xmlns:a16="http://schemas.microsoft.com/office/drawing/2014/main" id="{684462AB-E16B-497C-935E-6599B166C27D}"/>
+              </a:ext>
+            </a:extLst>
+          </p:cNvPr>
+          <p:cNvSpPr>
+            <a:spLocks noGrp="1"/>
+          </p:cNvSpPr>
+          <p:nvPr>
+            <p:ph type="title"/>
+          </p:nvPr>
+        </p:nvSpPr>
+        <p:spPr>
+          <a:xfrm>
+            <a:off x="640080" y="2074363"/>
+            <a:ext cx="2752354" cy="2709275"/>
+          </a:xfrm>
+          <a:prstGeom prst="ellipse">
+            <a:avLst/>
+          </a:prstGeom>
+          <a:solidFill>
+            <a:srgbClr val="262626"/>
+          </a:solidFill>
+          <a:ln w="174625" cmpd="thinThick">
+            <a:solidFill>
+              <a:srgbClr val="262626"/>
+            </a:solidFill>
+          </a:ln>
+        </p:spPr>
+        <p:txBody>
+          <a:bodyPr vert="horz" lIns="91440" tIns="45720" rIns="91440" bIns="45720" rtlCol="0" anchor="ctr">
+            <a:normAutofit/>
+          </a:bodyPr>
+          <a:lstStyle/>
+          <a:p>
+            <a:pPr algn="ctr"/>
+            <a:r>
+              <a:rPr kumimoji="1" lang="ja-JP" altLang="en-US" sz="2800" kern="1200" dirty="0">
+                <a:solidFill>
+                  <a:srgbClr val="FFFFFF"/>
+                </a:solidFill>
+                <a:latin typeface="+mj-lt"/>
+                <a:ea typeface="+mj-ea"/>
+                <a:cs typeface="+mj-cs"/>
+              </a:rPr>
+              <a:t>メンバー＆</a:t>
+            </a:r>
+            <a:br>
+              <a:rPr kumimoji="1" lang="en-US" altLang="ja-JP" sz="2800" kern="1200" dirty="0">
+                <a:solidFill>
+                  <a:srgbClr val="FFFFFF"/>
+                </a:solidFill>
+                <a:latin typeface="+mj-lt"/>
+                <a:ea typeface="+mj-ea"/>
+                <a:cs typeface="+mj-cs"/>
+              </a:rPr>
+            </a:br>
+            <a:r>
+              <a:rPr kumimoji="1" lang="ja-JP" altLang="en-US" sz="2800" kern="1200" dirty="0">
+                <a:solidFill>
+                  <a:srgbClr val="FFFFFF"/>
+                </a:solidFill>
+                <a:latin typeface="+mj-lt"/>
+                <a:ea typeface="+mj-ea"/>
+                <a:cs typeface="+mj-cs"/>
+              </a:rPr>
+              <a:t>担当</a:t>
+            </a:r>
+          </a:p>
+        </p:txBody>
+      </p:sp>
+      <p:graphicFrame>
+        <p:nvGraphicFramePr>
+          <p:cNvPr id="5" name="コンテンツ プレースホルダー 2">
+            <a:extLst>
+              <a:ext uri="{FF2B5EF4-FFF2-40B4-BE49-F238E27FC236}">
+                <a16:creationId xmlns:a16="http://schemas.microsoft.com/office/drawing/2014/main" id="{089377D9-88B9-1C36-2326-C5FCBF21FA87}"/>
+              </a:ext>
+            </a:extLst>
+          </p:cNvPr>
+          <p:cNvGraphicFramePr>
+            <a:graphicFrameLocks noGrp="1"/>
+          </p:cNvGraphicFramePr>
+          <p:nvPr>
+            <p:ph idx="1"/>
+            <p:extLst>
+              <p:ext uri="{D42A27DB-BD31-4B8C-83A1-F6EECF244321}">
+                <p14:modId xmlns:p14="http://schemas.microsoft.com/office/powerpoint/2010/main" val="325890099"/>
+              </p:ext>
+            </p:extLst>
+          </p:nvPr>
+        </p:nvGraphicFramePr>
+        <p:xfrm>
+          <a:off x="4581727" y="649480"/>
+          <a:ext cx="6210599" cy="5546047"/>
+        </p:xfrm>
+        <a:graphic>
+          <a:graphicData uri="http://schemas.openxmlformats.org/drawingml/2006/diagram">
+            <dgm:relIds xmlns:dgm="http://schemas.openxmlformats.org/drawingml/2006/diagram" xmlns:r="http://schemas.openxmlformats.org/officeDocument/2006/relationships" r:dm="rId3" r:lo="rId4" r:qs="rId5" r:cs="rId6"/>
+          </a:graphicData>
+        </a:graphic>
+      </p:graphicFrame>
+    </p:spTree>
+    <p:extLst>
+      <p:ext uri="{BB962C8B-B14F-4D97-AF65-F5344CB8AC3E}">
+        <p14:creationId xmlns:p14="http://schemas.microsoft.com/office/powerpoint/2010/main" val="3160930730"/>
+      </p:ext>
+    </p:extLst>
+  </p:cSld>
+  <p:clrMapOvr>
+    <a:masterClrMapping/>
+  </p:clrMapOvr>
+  <mc:AlternateContent xmlns:mc="http://schemas.openxmlformats.org/markup-compatibility/2006" xmlns:p14="http://schemas.microsoft.com/office/powerpoint/2010/main">
+    <mc:Choice Requires="p14">
+      <p:transition spd="slow" p14:dur="2000" advTm="20862"/>
+    </mc:Choice>
+    <mc:Fallback xmlns="">
+      <p:transition spd="slow" advTm="20862"/>
+    </mc:Fallback>
+  </mc:AlternateContent>
+</p:sld>
+</file>
+
+<file path=ppt/slides/slide3.xml><?xml version="1.0" encoding="utf-8"?>
+<p:sld xmlns:a="http://schemas.openxmlformats.org/drawingml/2006/main" xmlns:r="http://schemas.openxmlformats.org/officeDocument/2006/relationships" xmlns:p="http://schemas.openxmlformats.org/presentationml/2006/main">
+  <p:cSld>
+    <p:bg>
+      <p:bgPr>
+        <a:solidFill>
+          <a:schemeClr val="bg1"/>
+        </a:solidFill>
+        <a:effectLst/>
+      </p:bgPr>
+    </p:bg>
+    <p:spTree>
+      <p:nvGrpSpPr>
+        <p:cNvPr id="1" name=""/>
+        <p:cNvGrpSpPr/>
+        <p:nvPr/>
+      </p:nvGrpSpPr>
+      <p:grpSpPr>
+        <a:xfrm>
+          <a:off x="0" y="0"/>
+          <a:ext cx="0" cy="0"/>
+          <a:chOff x="0" y="0"/>
+          <a:chExt cx="0" cy="0"/>
+        </a:xfrm>
+      </p:grpSpPr>
+      <p:sp>
+        <p:nvSpPr>
           <p:cNvPr id="8" name="Rectangle 7">
             <a:extLst>
               <a:ext uri="{FF2B5EF4-FFF2-40B4-BE49-F238E27FC236}">
@@ -11307,284 +11594,6 @@
   <p:clrMapOvr>
     <a:masterClrMapping/>
   </p:clrMapOvr>
-</p:sld>
-</file>
-
-<file path=ppt/slides/slide3.xml><?xml version="1.0" encoding="utf-8"?>
-<p:sld xmlns:a="http://schemas.openxmlformats.org/drawingml/2006/main" xmlns:r="http://schemas.openxmlformats.org/officeDocument/2006/relationships" xmlns:p="http://schemas.openxmlformats.org/presentationml/2006/main">
-  <p:cSld>
-    <p:bg>
-      <p:bgPr>
-        <a:solidFill>
-          <a:schemeClr val="bg1"/>
-        </a:solidFill>
-        <a:effectLst/>
-      </p:bgPr>
-    </p:bg>
-    <p:spTree>
-      <p:nvGrpSpPr>
-        <p:cNvPr id="1" name=""/>
-        <p:cNvGrpSpPr/>
-        <p:nvPr/>
-      </p:nvGrpSpPr>
-      <p:grpSpPr>
-        <a:xfrm>
-          <a:off x="0" y="0"/>
-          <a:ext cx="0" cy="0"/>
-          <a:chOff x="0" y="0"/>
-          <a:chExt cx="0" cy="0"/>
-        </a:xfrm>
-      </p:grpSpPr>
-      <p:sp>
-        <p:nvSpPr>
-          <p:cNvPr id="34" name="Rectangle 33">
-            <a:extLst>
-              <a:ext uri="{FF2B5EF4-FFF2-40B4-BE49-F238E27FC236}">
-                <a16:creationId xmlns:a16="http://schemas.microsoft.com/office/drawing/2014/main" id="{6753252F-4873-4F63-801D-CC719279A7D5}"/>
-              </a:ext>
-              <a:ext uri="{C183D7F6-B498-43B3-948B-1728B52AA6E4}">
-                <adec:decorative xmlns:adec="http://schemas.microsoft.com/office/drawing/2017/decorative" val="1"/>
-              </a:ext>
-            </a:extLst>
-          </p:cNvPr>
-          <p:cNvSpPr>
-            <a:spLocks noGrp="1" noRot="1" noChangeAspect="1" noMove="1" noResize="1" noEditPoints="1" noAdjustHandles="1" noChangeArrowheads="1" noChangeShapeType="1" noTextEdit="1"/>
-          </p:cNvSpPr>
-          <p:nvPr>
-            <p:extLst>
-              <p:ext uri="{386F3935-93C4-4BCD-93E2-E3B085C9AB24}">
-                <p16:designElem xmlns:p16="http://schemas.microsoft.com/office/powerpoint/2015/main" val="1"/>
-              </p:ext>
-            </p:extLst>
-          </p:nvPr>
-        </p:nvSpPr>
-        <p:spPr>
-          <a:xfrm>
-            <a:off x="0" y="0"/>
-            <a:ext cx="12192000" cy="6858000"/>
-          </a:xfrm>
-          <a:prstGeom prst="rect">
-            <a:avLst/>
-          </a:prstGeom>
-          <a:solidFill>
-            <a:srgbClr val="FFFFFF"/>
-          </a:solidFill>
-          <a:ln>
-            <a:noFill/>
-          </a:ln>
-        </p:spPr>
-        <p:style>
-          <a:lnRef idx="2">
-            <a:schemeClr val="accent1">
-              <a:shade val="50000"/>
-            </a:schemeClr>
-          </a:lnRef>
-          <a:fillRef idx="1">
-            <a:schemeClr val="accent1"/>
-          </a:fillRef>
-          <a:effectRef idx="0">
-            <a:schemeClr val="accent1"/>
-          </a:effectRef>
-          <a:fontRef idx="minor">
-            <a:schemeClr val="lt1"/>
-          </a:fontRef>
-        </p:style>
-        <p:txBody>
-          <a:bodyPr rtlCol="0" anchor="ctr"/>
-          <a:lstStyle/>
-          <a:p>
-            <a:pPr algn="ctr"/>
-            <a:endParaRPr lang="en-US"/>
-          </a:p>
-        </p:txBody>
-      </p:sp>
-      <p:sp>
-        <p:nvSpPr>
-          <p:cNvPr id="36" name="Rectangle 35">
-            <a:extLst>
-              <a:ext uri="{FF2B5EF4-FFF2-40B4-BE49-F238E27FC236}">
-                <a16:creationId xmlns:a16="http://schemas.microsoft.com/office/drawing/2014/main" id="{047C8CCB-F95D-4249-92DD-651249D3535A}"/>
-              </a:ext>
-              <a:ext uri="{C183D7F6-B498-43B3-948B-1728B52AA6E4}">
-                <adec:decorative xmlns:adec="http://schemas.microsoft.com/office/drawing/2017/decorative" val="1"/>
-              </a:ext>
-            </a:extLst>
-          </p:cNvPr>
-          <p:cNvSpPr>
-            <a:spLocks noGrp="1" noRot="1" noChangeAspect="1" noMove="1" noResize="1" noEditPoints="1" noAdjustHandles="1" noChangeArrowheads="1" noChangeShapeType="1" noTextEdit="1"/>
-          </p:cNvSpPr>
-          <p:nvPr>
-            <p:extLst>
-              <p:ext uri="{386F3935-93C4-4BCD-93E2-E3B085C9AB24}">
-                <p16:designElem xmlns:p16="http://schemas.microsoft.com/office/powerpoint/2015/main" val="1"/>
-              </p:ext>
-            </p:extLst>
-          </p:nvPr>
-        </p:nvSpPr>
-        <p:spPr>
-          <a:xfrm>
-            <a:off x="0" y="0"/>
-            <a:ext cx="2013557" cy="6858000"/>
-          </a:xfrm>
-          <a:prstGeom prst="rect">
-            <a:avLst/>
-          </a:prstGeom>
-          <a:solidFill>
-            <a:srgbClr val="7F7F7F"/>
-          </a:solidFill>
-          <a:ln>
-            <a:noFill/>
-          </a:ln>
-        </p:spPr>
-        <p:style>
-          <a:lnRef idx="2">
-            <a:schemeClr val="accent1">
-              <a:shade val="50000"/>
-            </a:schemeClr>
-          </a:lnRef>
-          <a:fillRef idx="1">
-            <a:schemeClr val="accent1"/>
-          </a:fillRef>
-          <a:effectRef idx="0">
-            <a:schemeClr val="accent1"/>
-          </a:effectRef>
-          <a:fontRef idx="minor">
-            <a:schemeClr val="lt1"/>
-          </a:fontRef>
-        </p:style>
-        <p:txBody>
-          <a:bodyPr rtlCol="0" anchor="ctr"/>
-          <a:lstStyle/>
-          <a:p>
-            <a:pPr algn="ctr"/>
-            <a:endParaRPr lang="en-US"/>
-          </a:p>
-        </p:txBody>
-      </p:sp>
-      <p:sp>
-        <p:nvSpPr>
-          <p:cNvPr id="2" name="タイトル 1">
-            <a:extLst>
-              <a:ext uri="{FF2B5EF4-FFF2-40B4-BE49-F238E27FC236}">
-                <a16:creationId xmlns:a16="http://schemas.microsoft.com/office/drawing/2014/main" id="{684462AB-E16B-497C-935E-6599B166C27D}"/>
-              </a:ext>
-            </a:extLst>
-          </p:cNvPr>
-          <p:cNvSpPr>
-            <a:spLocks noGrp="1"/>
-          </p:cNvSpPr>
-          <p:nvPr>
-            <p:ph type="title"/>
-          </p:nvPr>
-        </p:nvSpPr>
-        <p:spPr>
-          <a:xfrm>
-            <a:off x="640080" y="2074363"/>
-            <a:ext cx="2752354" cy="2709275"/>
-          </a:xfrm>
-          <a:prstGeom prst="ellipse">
-            <a:avLst/>
-          </a:prstGeom>
-          <a:solidFill>
-            <a:srgbClr val="262626"/>
-          </a:solidFill>
-          <a:ln w="174625" cmpd="thinThick">
-            <a:solidFill>
-              <a:srgbClr val="262626"/>
-            </a:solidFill>
-          </a:ln>
-        </p:spPr>
-        <p:txBody>
-          <a:bodyPr vert="horz" lIns="91440" tIns="45720" rIns="91440" bIns="45720" rtlCol="0" anchor="ctr">
-            <a:normAutofit/>
-          </a:bodyPr>
-          <a:lstStyle/>
-          <a:p>
-            <a:pPr algn="ctr"/>
-            <a:r>
-              <a:rPr kumimoji="1" lang="ja-JP" altLang="en-US" sz="2800" kern="1200" dirty="0">
-                <a:solidFill>
-                  <a:srgbClr val="FFFFFF"/>
-                </a:solidFill>
-                <a:latin typeface="+mj-lt"/>
-                <a:ea typeface="+mj-ea"/>
-                <a:cs typeface="+mj-cs"/>
-              </a:rPr>
-              <a:t>メンバー＆</a:t>
-            </a:r>
-            <a:br>
-              <a:rPr kumimoji="1" lang="en-US" altLang="ja-JP" sz="2800" kern="1200" dirty="0">
-                <a:solidFill>
-                  <a:srgbClr val="FFFFFF"/>
-                </a:solidFill>
-                <a:latin typeface="+mj-lt"/>
-                <a:ea typeface="+mj-ea"/>
-                <a:cs typeface="+mj-cs"/>
-              </a:rPr>
-            </a:br>
-            <a:r>
-              <a:rPr kumimoji="1" lang="ja-JP" altLang="en-US" sz="2800" kern="1200" dirty="0">
-                <a:solidFill>
-                  <a:srgbClr val="FFFFFF"/>
-                </a:solidFill>
-                <a:latin typeface="+mj-lt"/>
-                <a:ea typeface="+mj-ea"/>
-                <a:cs typeface="+mj-cs"/>
-              </a:rPr>
-              <a:t>担当</a:t>
-            </a:r>
-          </a:p>
-        </p:txBody>
-      </p:sp>
-      <p:graphicFrame>
-        <p:nvGraphicFramePr>
-          <p:cNvPr id="5" name="コンテンツ プレースホルダー 2">
-            <a:extLst>
-              <a:ext uri="{FF2B5EF4-FFF2-40B4-BE49-F238E27FC236}">
-                <a16:creationId xmlns:a16="http://schemas.microsoft.com/office/drawing/2014/main" id="{089377D9-88B9-1C36-2326-C5FCBF21FA87}"/>
-              </a:ext>
-            </a:extLst>
-          </p:cNvPr>
-          <p:cNvGraphicFramePr>
-            <a:graphicFrameLocks noGrp="1"/>
-          </p:cNvGraphicFramePr>
-          <p:nvPr>
-            <p:ph idx="1"/>
-            <p:extLst>
-              <p:ext uri="{D42A27DB-BD31-4B8C-83A1-F6EECF244321}">
-                <p14:modId xmlns:p14="http://schemas.microsoft.com/office/powerpoint/2010/main" val="325890099"/>
-              </p:ext>
-            </p:extLst>
-          </p:nvPr>
-        </p:nvGraphicFramePr>
-        <p:xfrm>
-          <a:off x="4581727" y="649480"/>
-          <a:ext cx="6210599" cy="5546047"/>
-        </p:xfrm>
-        <a:graphic>
-          <a:graphicData uri="http://schemas.openxmlformats.org/drawingml/2006/diagram">
-            <dgm:relIds xmlns:dgm="http://schemas.openxmlformats.org/drawingml/2006/diagram" xmlns:r="http://schemas.openxmlformats.org/officeDocument/2006/relationships" r:dm="rId3" r:lo="rId4" r:qs="rId5" r:cs="rId6"/>
-          </a:graphicData>
-        </a:graphic>
-      </p:graphicFrame>
-    </p:spTree>
-    <p:extLst>
-      <p:ext uri="{BB962C8B-B14F-4D97-AF65-F5344CB8AC3E}">
-        <p14:creationId xmlns:p14="http://schemas.microsoft.com/office/powerpoint/2010/main" val="3160930730"/>
-      </p:ext>
-    </p:extLst>
-  </p:cSld>
-  <p:clrMapOvr>
-    <a:masterClrMapping/>
-  </p:clrMapOvr>
-  <mc:AlternateContent xmlns:mc="http://schemas.openxmlformats.org/markup-compatibility/2006" xmlns:p14="http://schemas.microsoft.com/office/powerpoint/2010/main">
-    <mc:Choice Requires="p14">
-      <p:transition spd="slow" p14:dur="2000" advTm="20862"/>
-    </mc:Choice>
-    <mc:Fallback xmlns="">
-      <p:transition spd="slow" advTm="20862"/>
-    </mc:Fallback>
-  </mc:AlternateContent>
 </p:sld>
 </file>
 
@@ -12656,8 +12665,8 @@
         </p:nvSpPr>
         <p:spPr>
           <a:xfrm>
-            <a:off x="838200" y="2057400"/>
-            <a:ext cx="10515600" cy="3871762"/>
+            <a:off x="496957" y="2057400"/>
+            <a:ext cx="10856843" cy="3871762"/>
           </a:xfrm>
         </p:spPr>
         <p:txBody>
@@ -12670,42 +12679,42 @@
               <a:buNone/>
             </a:pPr>
             <a:r>
-              <a:rPr kumimoji="1" lang="ja-JP" altLang="en-US" sz="2400" b="1" dirty="0">
+              <a:rPr kumimoji="1" lang="ja-JP" altLang="en-US" b="1" dirty="0">
                 <a:latin typeface="+mn-ea"/>
               </a:rPr>
               <a:t>その日のコーディネートを季節によってランダムに</a:t>
             </a:r>
             <a:r>
-              <a:rPr lang="ja-JP" altLang="en-US" sz="2400" b="1" dirty="0">
+              <a:rPr lang="ja-JP" altLang="en-US" b="1" dirty="0">
                 <a:latin typeface="+mn-ea"/>
               </a:rPr>
               <a:t>提案</a:t>
             </a:r>
             <a:r>
-              <a:rPr kumimoji="1" lang="ja-JP" altLang="en-US" sz="2400" b="1" dirty="0">
+              <a:rPr kumimoji="1" lang="ja-JP" altLang="en-US" b="1" dirty="0">
                 <a:latin typeface="+mn-ea"/>
               </a:rPr>
               <a:t>する</a:t>
             </a:r>
             <a:r>
-              <a:rPr lang="ja-JP" altLang="en-US" sz="2400" b="1" dirty="0">
+              <a:rPr lang="ja-JP" altLang="en-US" b="1" dirty="0">
                 <a:latin typeface="+mn-ea"/>
               </a:rPr>
               <a:t>アプリ「</a:t>
             </a:r>
             <a:r>
-              <a:rPr lang="en-US" altLang="ja-JP" sz="2400" b="1" dirty="0">
+              <a:rPr lang="en-US" altLang="ja-JP" b="1" dirty="0">
                 <a:latin typeface="Segoe Print" panose="02000600000000000000" pitchFamily="2" charset="0"/>
               </a:rPr>
               <a:t>CCC</a:t>
             </a:r>
             <a:r>
-              <a:rPr lang="ja-JP" altLang="en-US" sz="2400" b="1" dirty="0">
+              <a:rPr lang="ja-JP" altLang="en-US" b="1" dirty="0">
                 <a:latin typeface="+mn-ea"/>
               </a:rPr>
               <a:t>」</a:t>
             </a:r>
-            <a:endParaRPr lang="en-US" altLang="ja-JP" sz="2400" b="1" dirty="0">
+            <a:endParaRPr lang="en-US" altLang="ja-JP" b="1" dirty="0">
               <a:latin typeface="+mn-ea"/>
             </a:endParaRPr>
           </a:p>
@@ -12716,36 +12725,36 @@
           </a:p>
           <a:p>
             <a:r>
-              <a:rPr lang="ja-JP" altLang="en-US" sz="2400" dirty="0"/>
+              <a:rPr lang="ja-JP" altLang="en-US" dirty="0"/>
               <a:t>予め登録したコーディネートをホーム画面に表示する</a:t>
             </a:r>
-            <a:endParaRPr lang="en-US" altLang="ja-JP" sz="2400" dirty="0"/>
-          </a:p>
-          <a:p>
-            <a:r>
-              <a:rPr lang="ja-JP" altLang="en-US" sz="2400" dirty="0"/>
+            <a:endParaRPr lang="en-US" altLang="ja-JP" dirty="0"/>
+          </a:p>
+          <a:p>
+            <a:r>
+              <a:rPr lang="ja-JP" altLang="en-US" dirty="0"/>
               <a:t>コーディネートだけでなく、アイテム単体での登録も可能</a:t>
             </a:r>
-            <a:endParaRPr lang="en-US" altLang="ja-JP" sz="2400" dirty="0"/>
-          </a:p>
-          <a:p>
-            <a:r>
-              <a:rPr kumimoji="1" lang="ja-JP" altLang="en-US" sz="2400" dirty="0"/>
+            <a:endParaRPr lang="en-US" altLang="ja-JP" dirty="0"/>
+          </a:p>
+          <a:p>
+            <a:r>
+              <a:rPr kumimoji="1" lang="ja-JP" altLang="en-US" dirty="0"/>
               <a:t>天気</a:t>
             </a:r>
             <a:r>
-              <a:rPr kumimoji="1" lang="en-US" altLang="ja-JP" sz="2400" dirty="0"/>
+              <a:rPr kumimoji="1" lang="en-US" altLang="ja-JP" dirty="0"/>
               <a:t>/</a:t>
             </a:r>
             <a:r>
-              <a:rPr lang="ja-JP" altLang="en-US" sz="2400" dirty="0"/>
+              <a:rPr lang="ja-JP" altLang="en-US" dirty="0"/>
               <a:t>気温</a:t>
             </a:r>
             <a:r>
-              <a:rPr kumimoji="1" lang="ja-JP" altLang="en-US" sz="2400" dirty="0"/>
+              <a:rPr kumimoji="1" lang="ja-JP" altLang="en-US" dirty="0"/>
               <a:t>を取得して表示</a:t>
             </a:r>
-            <a:endParaRPr kumimoji="1" lang="en-US" altLang="ja-JP" sz="2400" dirty="0"/>
+            <a:endParaRPr kumimoji="1" lang="en-US" altLang="ja-JP" dirty="0"/>
           </a:p>
           <a:p>
             <a:endParaRPr kumimoji="1" lang="en-US" altLang="ja-JP" sz="2400" dirty="0"/>
@@ -13399,45 +13408,45 @@
           <a:lstStyle/>
           <a:p>
             <a:r>
-              <a:rPr kumimoji="1" lang="ja-JP" altLang="en-US" sz="2400"/>
+              <a:rPr kumimoji="1" lang="ja-JP" altLang="en-US" sz="3600" dirty="0"/>
               <a:t>アプリケーションのデザイン</a:t>
             </a:r>
-            <a:endParaRPr kumimoji="1" lang="en-US" altLang="ja-JP" sz="2400"/>
-          </a:p>
-          <a:p>
-            <a:r>
-              <a:rPr lang="ja-JP" altLang="en-US" sz="2400"/>
+            <a:endParaRPr kumimoji="1" lang="en-US" altLang="ja-JP" sz="3600" dirty="0"/>
+          </a:p>
+          <a:p>
+            <a:r>
+              <a:rPr lang="ja-JP" altLang="en-US" sz="3600" dirty="0"/>
               <a:t>ホーム画面でコーディネートを提案する点</a:t>
             </a:r>
-            <a:endParaRPr lang="en-US" altLang="ja-JP" sz="2400"/>
-          </a:p>
-          <a:p>
-            <a:r>
-              <a:rPr kumimoji="1" lang="ja-JP" altLang="en-US" sz="2400"/>
+            <a:endParaRPr lang="en-US" altLang="ja-JP" sz="3600" dirty="0"/>
+          </a:p>
+          <a:p>
+            <a:r>
+              <a:rPr kumimoji="1" lang="ja-JP" altLang="en-US" sz="3600" dirty="0"/>
               <a:t>天気と最低・最高気温を取得する</a:t>
             </a:r>
-            <a:endParaRPr kumimoji="1" lang="en-US" altLang="ja-JP" sz="2400"/>
-          </a:p>
-          <a:p>
-            <a:r>
-              <a:rPr lang="ja-JP" altLang="en-US" sz="2400"/>
+            <a:endParaRPr kumimoji="1" lang="en-US" altLang="ja-JP" sz="3600" dirty="0"/>
+          </a:p>
+          <a:p>
+            <a:r>
+              <a:rPr lang="ja-JP" altLang="en-US" sz="3600" dirty="0"/>
               <a:t>リアルタイムソートの実装</a:t>
             </a:r>
-            <a:endParaRPr lang="en-US" altLang="ja-JP" sz="2400"/>
-          </a:p>
-          <a:p>
-            <a:r>
-              <a:rPr kumimoji="1" lang="ja-JP" altLang="en-US" sz="2400"/>
+            <a:endParaRPr lang="en-US" altLang="ja-JP" sz="3600" dirty="0"/>
+          </a:p>
+          <a:p>
+            <a:r>
+              <a:rPr kumimoji="1" lang="ja-JP" altLang="en-US" sz="3600" dirty="0"/>
               <a:t>画像を登録して表示する機能</a:t>
             </a:r>
-            <a:endParaRPr kumimoji="1" lang="en-US" altLang="ja-JP" sz="2400"/>
-          </a:p>
-          <a:p>
-            <a:r>
-              <a:rPr lang="ja-JP" altLang="en-US" sz="2400"/>
+            <a:endParaRPr kumimoji="1" lang="en-US" altLang="ja-JP" sz="3600" dirty="0"/>
+          </a:p>
+          <a:p>
+            <a:r>
+              <a:rPr lang="ja-JP" altLang="en-US" sz="3600" dirty="0"/>
               <a:t>コーディネートとアイテムの情報を登録する</a:t>
             </a:r>
-            <a:endParaRPr kumimoji="1" lang="ja-JP" altLang="en-US" sz="2400"/>
+            <a:endParaRPr kumimoji="1" lang="ja-JP" altLang="en-US" sz="3600" dirty="0"/>
           </a:p>
         </p:txBody>
       </p:sp>
@@ -13682,17 +13691,20 @@
           <a:lstStyle/>
           <a:p>
             <a:r>
-              <a:rPr kumimoji="1" lang="ja-JP" altLang="en-US" sz="2400" dirty="0"/>
+              <a:rPr kumimoji="1" lang="ja-JP" altLang="en-US" sz="4400" dirty="0"/>
               <a:t>認識の共有</a:t>
             </a:r>
-            <a:endParaRPr kumimoji="1" lang="en-US" altLang="ja-JP" sz="2400" dirty="0"/>
-          </a:p>
-          <a:p>
-            <a:r>
-              <a:rPr lang="ja-JP" altLang="en-US" sz="2400" dirty="0"/>
+            <a:endParaRPr kumimoji="1" lang="en-US" altLang="ja-JP" sz="4400" dirty="0"/>
+          </a:p>
+          <a:p>
+            <a:endParaRPr kumimoji="1" lang="en-US" altLang="ja-JP" sz="4400" dirty="0"/>
+          </a:p>
+          <a:p>
+            <a:r>
+              <a:rPr lang="ja-JP" altLang="en-US" sz="4400" dirty="0"/>
               <a:t>情報伝達</a:t>
             </a:r>
-            <a:endParaRPr lang="en-US" altLang="ja-JP" sz="2400" dirty="0"/>
+            <a:endParaRPr lang="en-US" altLang="ja-JP" sz="4400" dirty="0"/>
           </a:p>
         </p:txBody>
       </p:sp>

--- a/E4_配布資料/研修結果発表パワーポイント.pptx
+++ b/E4_配布資料/研修結果発表パワーポイント.pptx
@@ -10381,12 +10381,57 @@
           <a:lstStyle/>
           <a:p>
             <a:r>
-              <a:rPr kumimoji="1" lang="ja-JP" altLang="en-US" sz="4400" dirty="0">
-                <a:latin typeface="HGPｺﾞｼｯｸM" panose="020B0600000000000000" pitchFamily="50" charset="-128"/>
-                <a:ea typeface="HGPｺﾞｼｯｸM" panose="020B0600000000000000" pitchFamily="50" charset="-128"/>
+              <a:rPr lang="ja-JP" altLang="en-US" sz="4400" b="0" i="0" dirty="0">
+                <a:solidFill>
+                  <a:srgbClr val="1D1C1D"/>
+                </a:solidFill>
+                <a:effectLst/>
+                <a:latin typeface="NotoSansJP"/>
               </a:rPr>
-              <a:t>データベースについて詳しくなることができた。</a:t>
-            </a:r>
+              <a:t>プログラミングの技術</a:t>
+            </a:r>
+            <a:r>
+              <a:rPr lang="ja-JP" altLang="en-US" sz="4400" b="0" i="0">
+                <a:solidFill>
+                  <a:srgbClr val="1D1C1D"/>
+                </a:solidFill>
+                <a:effectLst/>
+                <a:latin typeface="NotoSansJP"/>
+              </a:rPr>
+              <a:t>と知識を向上させることができた。</a:t>
+            </a:r>
+            <a:endParaRPr lang="en-US" altLang="ja-JP" sz="4400" b="0" i="0" dirty="0">
+              <a:solidFill>
+                <a:srgbClr val="1D1C1D"/>
+              </a:solidFill>
+              <a:effectLst/>
+              <a:latin typeface="NotoSansJP"/>
+            </a:endParaRPr>
+          </a:p>
+          <a:p>
+            <a:endParaRPr kumimoji="1" lang="en-US" altLang="ja-JP" sz="4400" dirty="0">
+              <a:solidFill>
+                <a:srgbClr val="1D1C1D"/>
+              </a:solidFill>
+              <a:latin typeface="NotoSansJP"/>
+              <a:ea typeface="HGPｺﾞｼｯｸM" panose="020B0600000000000000" pitchFamily="50" charset="-128"/>
+            </a:endParaRPr>
+          </a:p>
+          <a:p>
+            <a:r>
+              <a:rPr lang="ja-JP" altLang="en-US" sz="4400" b="0" i="0" dirty="0">
+                <a:solidFill>
+                  <a:srgbClr val="1D1C1D"/>
+                </a:solidFill>
+                <a:effectLst/>
+                <a:latin typeface="NotoSansJP"/>
+              </a:rPr>
+              <a:t>仕事に優先順位をつけることができるようになった。</a:t>
+            </a:r>
+            <a:endParaRPr kumimoji="1" lang="ja-JP" altLang="en-US" sz="4400" dirty="0">
+              <a:latin typeface="HGPｺﾞｼｯｸM" panose="020B0600000000000000" pitchFamily="50" charset="-128"/>
+              <a:ea typeface="HGPｺﾞｼｯｸM" panose="020B0600000000000000" pitchFamily="50" charset="-128"/>
+            </a:endParaRPr>
           </a:p>
         </p:txBody>
       </p:sp>

--- a/E4_配布資料/研修結果発表パワーポイント.pptx
+++ b/E4_配布資料/研修結果発表パワーポイント.pptx
@@ -8291,13 +8291,13 @@
         </p:nvSpPr>
         <p:spPr>
           <a:xfrm>
-            <a:off x="838200" y="2057400"/>
-            <a:ext cx="10515600" cy="3871762"/>
+            <a:off x="2826327" y="2287928"/>
+            <a:ext cx="8527473" cy="3221182"/>
           </a:xfrm>
         </p:spPr>
         <p:txBody>
           <a:bodyPr>
-            <a:normAutofit/>
+            <a:normAutofit lnSpcReduction="10000"/>
           </a:bodyPr>
           <a:lstStyle/>
           <a:p>
@@ -8322,6 +8322,42 @@
           </a:p>
         </p:txBody>
       </p:sp>
+      <p:pic>
+        <p:nvPicPr>
+          <p:cNvPr id="5" name="図 4" descr="図形&#10;&#10;低い精度で自動的に生成された説明">
+            <a:extLst>
+              <a:ext uri="{FF2B5EF4-FFF2-40B4-BE49-F238E27FC236}">
+                <a16:creationId xmlns:a16="http://schemas.microsoft.com/office/drawing/2014/main" id="{C3BC16D4-580B-7A79-EDD8-C1612B673539}"/>
+              </a:ext>
+            </a:extLst>
+          </p:cNvPr>
+          <p:cNvPicPr>
+            <a:picLocks noChangeAspect="1"/>
+          </p:cNvPicPr>
+          <p:nvPr/>
+        </p:nvPicPr>
+        <p:blipFill>
+          <a:blip r:embed="rId2">
+            <a:extLst>
+              <a:ext uri="{28A0092B-C50C-407E-A947-70E740481C1C}">
+                <a14:useLocalDpi xmlns:a14="http://schemas.microsoft.com/office/drawing/2010/main" val="0"/>
+              </a:ext>
+            </a:extLst>
+          </a:blip>
+          <a:stretch>
+            <a:fillRect/>
+          </a:stretch>
+        </p:blipFill>
+        <p:spPr>
+          <a:xfrm>
+            <a:off x="0" y="1737360"/>
+            <a:ext cx="3808268" cy="3871762"/>
+          </a:xfrm>
+          <a:prstGeom prst="rect">
+            <a:avLst/>
+          </a:prstGeom>
+        </p:spPr>
+      </p:pic>
     </p:spTree>
     <p:extLst>
       <p:ext uri="{BB962C8B-B14F-4D97-AF65-F5344CB8AC3E}">
@@ -8340,6 +8376,266 @@
       <p:transition spd="slow" advTm="4497"/>
     </mc:Fallback>
   </mc:AlternateContent>
+  <p:timing>
+    <p:tnLst>
+      <p:par>
+        <p:cTn id="1" dur="indefinite" restart="never" nodeType="tmRoot">
+          <p:childTnLst>
+            <p:seq concurrent="1" nextAc="seek">
+              <p:cTn id="2" dur="indefinite" nodeType="mainSeq">
+                <p:childTnLst>
+                  <p:par>
+                    <p:cTn id="3" fill="hold">
+                      <p:stCondLst>
+                        <p:cond delay="indefinite"/>
+                      </p:stCondLst>
+                      <p:childTnLst>
+                        <p:par>
+                          <p:cTn id="4" fill="hold">
+                            <p:stCondLst>
+                              <p:cond delay="0"/>
+                            </p:stCondLst>
+                            <p:childTnLst>
+                              <p:par>
+                                <p:cTn id="5" presetID="42" presetClass="entr" presetSubtype="0" fill="hold" nodeType="clickEffect">
+                                  <p:stCondLst>
+                                    <p:cond delay="0"/>
+                                  </p:stCondLst>
+                                  <p:childTnLst>
+                                    <p:set>
+                                      <p:cBhvr>
+                                        <p:cTn id="6" dur="1" fill="hold">
+                                          <p:stCondLst>
+                                            <p:cond delay="0"/>
+                                          </p:stCondLst>
+                                        </p:cTn>
+                                        <p:tgtEl>
+                                          <p:spTgt spid="3">
+                                            <p:txEl>
+                                              <p:pRg st="0" end="0"/>
+                                            </p:txEl>
+                                          </p:spTgt>
+                                        </p:tgtEl>
+                                        <p:attrNameLst>
+                                          <p:attrName>style.visibility</p:attrName>
+                                        </p:attrNameLst>
+                                      </p:cBhvr>
+                                      <p:to>
+                                        <p:strVal val="visible"/>
+                                      </p:to>
+                                    </p:set>
+                                    <p:animEffect transition="in" filter="fade">
+                                      <p:cBhvr>
+                                        <p:cTn id="7" dur="1000"/>
+                                        <p:tgtEl>
+                                          <p:spTgt spid="3">
+                                            <p:txEl>
+                                              <p:pRg st="0" end="0"/>
+                                            </p:txEl>
+                                          </p:spTgt>
+                                        </p:tgtEl>
+                                      </p:cBhvr>
+                                    </p:animEffect>
+                                    <p:anim calcmode="lin" valueType="num">
+                                      <p:cBhvr>
+                                        <p:cTn id="8" dur="1000" fill="hold"/>
+                                        <p:tgtEl>
+                                          <p:spTgt spid="3">
+                                            <p:txEl>
+                                              <p:pRg st="0" end="0"/>
+                                            </p:txEl>
+                                          </p:spTgt>
+                                        </p:tgtEl>
+                                        <p:attrNameLst>
+                                          <p:attrName>ppt_x</p:attrName>
+                                        </p:attrNameLst>
+                                      </p:cBhvr>
+                                      <p:tavLst>
+                                        <p:tav tm="0">
+                                          <p:val>
+                                            <p:strVal val="#ppt_x"/>
+                                          </p:val>
+                                        </p:tav>
+                                        <p:tav tm="100000">
+                                          <p:val>
+                                            <p:strVal val="#ppt_x"/>
+                                          </p:val>
+                                        </p:tav>
+                                      </p:tavLst>
+                                    </p:anim>
+                                    <p:anim calcmode="lin" valueType="num">
+                                      <p:cBhvr>
+                                        <p:cTn id="9" dur="1000" fill="hold"/>
+                                        <p:tgtEl>
+                                          <p:spTgt spid="3">
+                                            <p:txEl>
+                                              <p:pRg st="0" end="0"/>
+                                            </p:txEl>
+                                          </p:spTgt>
+                                        </p:tgtEl>
+                                        <p:attrNameLst>
+                                          <p:attrName>ppt_y</p:attrName>
+                                        </p:attrNameLst>
+                                      </p:cBhvr>
+                                      <p:tavLst>
+                                        <p:tav tm="0">
+                                          <p:val>
+                                            <p:strVal val="#ppt_y+.1"/>
+                                          </p:val>
+                                        </p:tav>
+                                        <p:tav tm="100000">
+                                          <p:val>
+                                            <p:strVal val="#ppt_y"/>
+                                          </p:val>
+                                        </p:tav>
+                                      </p:tavLst>
+                                    </p:anim>
+                                  </p:childTnLst>
+                                </p:cTn>
+                              </p:par>
+                            </p:childTnLst>
+                          </p:cTn>
+                        </p:par>
+                      </p:childTnLst>
+                    </p:cTn>
+                  </p:par>
+                  <p:par>
+                    <p:cTn id="10" fill="hold">
+                      <p:stCondLst>
+                        <p:cond delay="indefinite"/>
+                      </p:stCondLst>
+                      <p:childTnLst>
+                        <p:par>
+                          <p:cTn id="11" fill="hold">
+                            <p:stCondLst>
+                              <p:cond delay="0"/>
+                            </p:stCondLst>
+                            <p:childTnLst>
+                              <p:par>
+                                <p:cTn id="12" presetID="42" presetClass="entr" presetSubtype="0" fill="hold" nodeType="clickEffect">
+                                  <p:stCondLst>
+                                    <p:cond delay="0"/>
+                                  </p:stCondLst>
+                                  <p:childTnLst>
+                                    <p:set>
+                                      <p:cBhvr>
+                                        <p:cTn id="13" dur="1" fill="hold">
+                                          <p:stCondLst>
+                                            <p:cond delay="0"/>
+                                          </p:stCondLst>
+                                        </p:cTn>
+                                        <p:tgtEl>
+                                          <p:spTgt spid="3">
+                                            <p:txEl>
+                                              <p:pRg st="2" end="2"/>
+                                            </p:txEl>
+                                          </p:spTgt>
+                                        </p:tgtEl>
+                                        <p:attrNameLst>
+                                          <p:attrName>style.visibility</p:attrName>
+                                        </p:attrNameLst>
+                                      </p:cBhvr>
+                                      <p:to>
+                                        <p:strVal val="visible"/>
+                                      </p:to>
+                                    </p:set>
+                                    <p:animEffect transition="in" filter="fade">
+                                      <p:cBhvr>
+                                        <p:cTn id="14" dur="1000"/>
+                                        <p:tgtEl>
+                                          <p:spTgt spid="3">
+                                            <p:txEl>
+                                              <p:pRg st="2" end="2"/>
+                                            </p:txEl>
+                                          </p:spTgt>
+                                        </p:tgtEl>
+                                      </p:cBhvr>
+                                    </p:animEffect>
+                                    <p:anim calcmode="lin" valueType="num">
+                                      <p:cBhvr>
+                                        <p:cTn id="15" dur="1000" fill="hold"/>
+                                        <p:tgtEl>
+                                          <p:spTgt spid="3">
+                                            <p:txEl>
+                                              <p:pRg st="2" end="2"/>
+                                            </p:txEl>
+                                          </p:spTgt>
+                                        </p:tgtEl>
+                                        <p:attrNameLst>
+                                          <p:attrName>ppt_x</p:attrName>
+                                        </p:attrNameLst>
+                                      </p:cBhvr>
+                                      <p:tavLst>
+                                        <p:tav tm="0">
+                                          <p:val>
+                                            <p:strVal val="#ppt_x"/>
+                                          </p:val>
+                                        </p:tav>
+                                        <p:tav tm="100000">
+                                          <p:val>
+                                            <p:strVal val="#ppt_x"/>
+                                          </p:val>
+                                        </p:tav>
+                                      </p:tavLst>
+                                    </p:anim>
+                                    <p:anim calcmode="lin" valueType="num">
+                                      <p:cBhvr>
+                                        <p:cTn id="16" dur="1000" fill="hold"/>
+                                        <p:tgtEl>
+                                          <p:spTgt spid="3">
+                                            <p:txEl>
+                                              <p:pRg st="2" end="2"/>
+                                            </p:txEl>
+                                          </p:spTgt>
+                                        </p:tgtEl>
+                                        <p:attrNameLst>
+                                          <p:attrName>ppt_y</p:attrName>
+                                        </p:attrNameLst>
+                                      </p:cBhvr>
+                                      <p:tavLst>
+                                        <p:tav tm="0">
+                                          <p:val>
+                                            <p:strVal val="#ppt_y+.1"/>
+                                          </p:val>
+                                        </p:tav>
+                                        <p:tav tm="100000">
+                                          <p:val>
+                                            <p:strVal val="#ppt_y"/>
+                                          </p:val>
+                                        </p:tav>
+                                      </p:tavLst>
+                                    </p:anim>
+                                  </p:childTnLst>
+                                </p:cTn>
+                              </p:par>
+                            </p:childTnLst>
+                          </p:cTn>
+                        </p:par>
+                      </p:childTnLst>
+                    </p:cTn>
+                  </p:par>
+                </p:childTnLst>
+              </p:cTn>
+              <p:prevCondLst>
+                <p:cond evt="onPrev" delay="0">
+                  <p:tgtEl>
+                    <p:sldTgt/>
+                  </p:tgtEl>
+                </p:cond>
+              </p:prevCondLst>
+              <p:nextCondLst>
+                <p:cond evt="onNext" delay="0">
+                  <p:tgtEl>
+                    <p:sldTgt/>
+                  </p:tgtEl>
+                </p:cond>
+              </p:nextCondLst>
+            </p:seq>
+          </p:childTnLst>
+        </p:cTn>
+      </p:par>
+    </p:tnLst>
+  </p:timing>
 </p:sld>
 </file>
 
@@ -8610,6 +8906,381 @@
       <p:transition spd="slow" advTm="54504"/>
     </mc:Fallback>
   </mc:AlternateContent>
+  <p:timing>
+    <p:tnLst>
+      <p:par>
+        <p:cTn id="1" dur="indefinite" restart="never" nodeType="tmRoot">
+          <p:childTnLst>
+            <p:seq concurrent="1" nextAc="seek">
+              <p:cTn id="2" dur="indefinite" nodeType="mainSeq">
+                <p:childTnLst>
+                  <p:par>
+                    <p:cTn id="3" fill="hold">
+                      <p:stCondLst>
+                        <p:cond delay="indefinite"/>
+                      </p:stCondLst>
+                      <p:childTnLst>
+                        <p:par>
+                          <p:cTn id="4" fill="hold">
+                            <p:stCondLst>
+                              <p:cond delay="0"/>
+                            </p:stCondLst>
+                            <p:childTnLst>
+                              <p:par>
+                                <p:cTn id="5" presetID="42" presetClass="entr" presetSubtype="0" fill="hold" nodeType="clickEffect">
+                                  <p:stCondLst>
+                                    <p:cond delay="0"/>
+                                  </p:stCondLst>
+                                  <p:childTnLst>
+                                    <p:set>
+                                      <p:cBhvr>
+                                        <p:cTn id="6" dur="1" fill="hold">
+                                          <p:stCondLst>
+                                            <p:cond delay="0"/>
+                                          </p:stCondLst>
+                                        </p:cTn>
+                                        <p:tgtEl>
+                                          <p:spTgt spid="3">
+                                            <p:txEl>
+                                              <p:pRg st="0" end="0"/>
+                                            </p:txEl>
+                                          </p:spTgt>
+                                        </p:tgtEl>
+                                        <p:attrNameLst>
+                                          <p:attrName>style.visibility</p:attrName>
+                                        </p:attrNameLst>
+                                      </p:cBhvr>
+                                      <p:to>
+                                        <p:strVal val="visible"/>
+                                      </p:to>
+                                    </p:set>
+                                    <p:animEffect transition="in" filter="fade">
+                                      <p:cBhvr>
+                                        <p:cTn id="7" dur="1000"/>
+                                        <p:tgtEl>
+                                          <p:spTgt spid="3">
+                                            <p:txEl>
+                                              <p:pRg st="0" end="0"/>
+                                            </p:txEl>
+                                          </p:spTgt>
+                                        </p:tgtEl>
+                                      </p:cBhvr>
+                                    </p:animEffect>
+                                    <p:anim calcmode="lin" valueType="num">
+                                      <p:cBhvr>
+                                        <p:cTn id="8" dur="1000" fill="hold"/>
+                                        <p:tgtEl>
+                                          <p:spTgt spid="3">
+                                            <p:txEl>
+                                              <p:pRg st="0" end="0"/>
+                                            </p:txEl>
+                                          </p:spTgt>
+                                        </p:tgtEl>
+                                        <p:attrNameLst>
+                                          <p:attrName>ppt_x</p:attrName>
+                                        </p:attrNameLst>
+                                      </p:cBhvr>
+                                      <p:tavLst>
+                                        <p:tav tm="0">
+                                          <p:val>
+                                            <p:strVal val="#ppt_x"/>
+                                          </p:val>
+                                        </p:tav>
+                                        <p:tav tm="100000">
+                                          <p:val>
+                                            <p:strVal val="#ppt_x"/>
+                                          </p:val>
+                                        </p:tav>
+                                      </p:tavLst>
+                                    </p:anim>
+                                    <p:anim calcmode="lin" valueType="num">
+                                      <p:cBhvr>
+                                        <p:cTn id="9" dur="1000" fill="hold"/>
+                                        <p:tgtEl>
+                                          <p:spTgt spid="3">
+                                            <p:txEl>
+                                              <p:pRg st="0" end="0"/>
+                                            </p:txEl>
+                                          </p:spTgt>
+                                        </p:tgtEl>
+                                        <p:attrNameLst>
+                                          <p:attrName>ppt_y</p:attrName>
+                                        </p:attrNameLst>
+                                      </p:cBhvr>
+                                      <p:tavLst>
+                                        <p:tav tm="0">
+                                          <p:val>
+                                            <p:strVal val="#ppt_y+.1"/>
+                                          </p:val>
+                                        </p:tav>
+                                        <p:tav tm="100000">
+                                          <p:val>
+                                            <p:strVal val="#ppt_y"/>
+                                          </p:val>
+                                        </p:tav>
+                                      </p:tavLst>
+                                    </p:anim>
+                                  </p:childTnLst>
+                                </p:cTn>
+                              </p:par>
+                            </p:childTnLst>
+                          </p:cTn>
+                        </p:par>
+                      </p:childTnLst>
+                    </p:cTn>
+                  </p:par>
+                  <p:par>
+                    <p:cTn id="10" fill="hold">
+                      <p:stCondLst>
+                        <p:cond delay="indefinite"/>
+                      </p:stCondLst>
+                      <p:childTnLst>
+                        <p:par>
+                          <p:cTn id="11" fill="hold">
+                            <p:stCondLst>
+                              <p:cond delay="0"/>
+                            </p:stCondLst>
+                            <p:childTnLst>
+                              <p:par>
+                                <p:cTn id="12" presetID="42" presetClass="entr" presetSubtype="0" fill="hold" nodeType="clickEffect">
+                                  <p:stCondLst>
+                                    <p:cond delay="0"/>
+                                  </p:stCondLst>
+                                  <p:childTnLst>
+                                    <p:set>
+                                      <p:cBhvr>
+                                        <p:cTn id="13" dur="1" fill="hold">
+                                          <p:stCondLst>
+                                            <p:cond delay="0"/>
+                                          </p:stCondLst>
+                                        </p:cTn>
+                                        <p:tgtEl>
+                                          <p:spTgt spid="3">
+                                            <p:txEl>
+                                              <p:pRg st="2" end="2"/>
+                                            </p:txEl>
+                                          </p:spTgt>
+                                        </p:tgtEl>
+                                        <p:attrNameLst>
+                                          <p:attrName>style.visibility</p:attrName>
+                                        </p:attrNameLst>
+                                      </p:cBhvr>
+                                      <p:to>
+                                        <p:strVal val="visible"/>
+                                      </p:to>
+                                    </p:set>
+                                    <p:animEffect transition="in" filter="fade">
+                                      <p:cBhvr>
+                                        <p:cTn id="14" dur="1000"/>
+                                        <p:tgtEl>
+                                          <p:spTgt spid="3">
+                                            <p:txEl>
+                                              <p:pRg st="2" end="2"/>
+                                            </p:txEl>
+                                          </p:spTgt>
+                                        </p:tgtEl>
+                                      </p:cBhvr>
+                                    </p:animEffect>
+                                    <p:anim calcmode="lin" valueType="num">
+                                      <p:cBhvr>
+                                        <p:cTn id="15" dur="1000" fill="hold"/>
+                                        <p:tgtEl>
+                                          <p:spTgt spid="3">
+                                            <p:txEl>
+                                              <p:pRg st="2" end="2"/>
+                                            </p:txEl>
+                                          </p:spTgt>
+                                        </p:tgtEl>
+                                        <p:attrNameLst>
+                                          <p:attrName>ppt_x</p:attrName>
+                                        </p:attrNameLst>
+                                      </p:cBhvr>
+                                      <p:tavLst>
+                                        <p:tav tm="0">
+                                          <p:val>
+                                            <p:strVal val="#ppt_x"/>
+                                          </p:val>
+                                        </p:tav>
+                                        <p:tav tm="100000">
+                                          <p:val>
+                                            <p:strVal val="#ppt_x"/>
+                                          </p:val>
+                                        </p:tav>
+                                      </p:tavLst>
+                                    </p:anim>
+                                    <p:anim calcmode="lin" valueType="num">
+                                      <p:cBhvr>
+                                        <p:cTn id="16" dur="1000" fill="hold"/>
+                                        <p:tgtEl>
+                                          <p:spTgt spid="3">
+                                            <p:txEl>
+                                              <p:pRg st="2" end="2"/>
+                                            </p:txEl>
+                                          </p:spTgt>
+                                        </p:tgtEl>
+                                        <p:attrNameLst>
+                                          <p:attrName>ppt_y</p:attrName>
+                                        </p:attrNameLst>
+                                      </p:cBhvr>
+                                      <p:tavLst>
+                                        <p:tav tm="0">
+                                          <p:val>
+                                            <p:strVal val="#ppt_y+.1"/>
+                                          </p:val>
+                                        </p:tav>
+                                        <p:tav tm="100000">
+                                          <p:val>
+                                            <p:strVal val="#ppt_y"/>
+                                          </p:val>
+                                        </p:tav>
+                                      </p:tavLst>
+                                    </p:anim>
+                                  </p:childTnLst>
+                                </p:cTn>
+                              </p:par>
+                            </p:childTnLst>
+                          </p:cTn>
+                        </p:par>
+                      </p:childTnLst>
+                    </p:cTn>
+                  </p:par>
+                  <p:par>
+                    <p:cTn id="17" fill="hold">
+                      <p:stCondLst>
+                        <p:cond delay="indefinite"/>
+                      </p:stCondLst>
+                      <p:childTnLst>
+                        <p:par>
+                          <p:cTn id="18" fill="hold">
+                            <p:stCondLst>
+                              <p:cond delay="0"/>
+                            </p:stCondLst>
+                            <p:childTnLst>
+                              <p:par>
+                                <p:cTn id="19" presetID="42" presetClass="entr" presetSubtype="0" fill="hold" nodeType="clickEffect">
+                                  <p:stCondLst>
+                                    <p:cond delay="0"/>
+                                  </p:stCondLst>
+                                  <p:childTnLst>
+                                    <p:set>
+                                      <p:cBhvr>
+                                        <p:cTn id="20" dur="1" fill="hold">
+                                          <p:stCondLst>
+                                            <p:cond delay="0"/>
+                                          </p:stCondLst>
+                                        </p:cTn>
+                                        <p:tgtEl>
+                                          <p:spTgt spid="3">
+                                            <p:txEl>
+                                              <p:pRg st="4" end="4"/>
+                                            </p:txEl>
+                                          </p:spTgt>
+                                        </p:tgtEl>
+                                        <p:attrNameLst>
+                                          <p:attrName>style.visibility</p:attrName>
+                                        </p:attrNameLst>
+                                      </p:cBhvr>
+                                      <p:to>
+                                        <p:strVal val="visible"/>
+                                      </p:to>
+                                    </p:set>
+                                    <p:animEffect transition="in" filter="fade">
+                                      <p:cBhvr>
+                                        <p:cTn id="21" dur="1000"/>
+                                        <p:tgtEl>
+                                          <p:spTgt spid="3">
+                                            <p:txEl>
+                                              <p:pRg st="4" end="4"/>
+                                            </p:txEl>
+                                          </p:spTgt>
+                                        </p:tgtEl>
+                                      </p:cBhvr>
+                                    </p:animEffect>
+                                    <p:anim calcmode="lin" valueType="num">
+                                      <p:cBhvr>
+                                        <p:cTn id="22" dur="1000" fill="hold"/>
+                                        <p:tgtEl>
+                                          <p:spTgt spid="3">
+                                            <p:txEl>
+                                              <p:pRg st="4" end="4"/>
+                                            </p:txEl>
+                                          </p:spTgt>
+                                        </p:tgtEl>
+                                        <p:attrNameLst>
+                                          <p:attrName>ppt_x</p:attrName>
+                                        </p:attrNameLst>
+                                      </p:cBhvr>
+                                      <p:tavLst>
+                                        <p:tav tm="0">
+                                          <p:val>
+                                            <p:strVal val="#ppt_x"/>
+                                          </p:val>
+                                        </p:tav>
+                                        <p:tav tm="100000">
+                                          <p:val>
+                                            <p:strVal val="#ppt_x"/>
+                                          </p:val>
+                                        </p:tav>
+                                      </p:tavLst>
+                                    </p:anim>
+                                    <p:anim calcmode="lin" valueType="num">
+                                      <p:cBhvr>
+                                        <p:cTn id="23" dur="1000" fill="hold"/>
+                                        <p:tgtEl>
+                                          <p:spTgt spid="3">
+                                            <p:txEl>
+                                              <p:pRg st="4" end="4"/>
+                                            </p:txEl>
+                                          </p:spTgt>
+                                        </p:tgtEl>
+                                        <p:attrNameLst>
+                                          <p:attrName>ppt_y</p:attrName>
+                                        </p:attrNameLst>
+                                      </p:cBhvr>
+                                      <p:tavLst>
+                                        <p:tav tm="0">
+                                          <p:val>
+                                            <p:strVal val="#ppt_y+.1"/>
+                                          </p:val>
+                                        </p:tav>
+                                        <p:tav tm="100000">
+                                          <p:val>
+                                            <p:strVal val="#ppt_y"/>
+                                          </p:val>
+                                        </p:tav>
+                                      </p:tavLst>
+                                    </p:anim>
+                                  </p:childTnLst>
+                                </p:cTn>
+                              </p:par>
+                            </p:childTnLst>
+                          </p:cTn>
+                        </p:par>
+                      </p:childTnLst>
+                    </p:cTn>
+                  </p:par>
+                </p:childTnLst>
+              </p:cTn>
+              <p:prevCondLst>
+                <p:cond evt="onPrev" delay="0">
+                  <p:tgtEl>
+                    <p:sldTgt/>
+                  </p:tgtEl>
+                </p:cond>
+              </p:prevCondLst>
+              <p:nextCondLst>
+                <p:cond evt="onNext" delay="0">
+                  <p:tgtEl>
+                    <p:sldTgt/>
+                  </p:tgtEl>
+                </p:cond>
+              </p:nextCondLst>
+            </p:seq>
+          </p:childTnLst>
+        </p:cTn>
+      </p:par>
+    </p:tnLst>
+  </p:timing>
 </p:sld>
 </file>
 
@@ -8998,6 +9669,78 @@
           </a:fontRef>
         </p:style>
       </p:cxnSp>
+      <p:pic>
+        <p:nvPicPr>
+          <p:cNvPr id="4" name="図 3" descr="図形&#10;&#10;低い精度で自動的に生成された説明">
+            <a:extLst>
+              <a:ext uri="{FF2B5EF4-FFF2-40B4-BE49-F238E27FC236}">
+                <a16:creationId xmlns:a16="http://schemas.microsoft.com/office/drawing/2014/main" id="{123F2F86-74F8-69D1-9179-E2E981FFAD38}"/>
+              </a:ext>
+            </a:extLst>
+          </p:cNvPr>
+          <p:cNvPicPr>
+            <a:picLocks noChangeAspect="1"/>
+          </p:cNvPicPr>
+          <p:nvPr/>
+        </p:nvPicPr>
+        <p:blipFill>
+          <a:blip r:embed="rId2">
+            <a:extLst>
+              <a:ext uri="{28A0092B-C50C-407E-A947-70E740481C1C}">
+                <a14:useLocalDpi xmlns:a14="http://schemas.microsoft.com/office/drawing/2010/main" val="0"/>
+              </a:ext>
+            </a:extLst>
+          </a:blip>
+          <a:stretch>
+            <a:fillRect/>
+          </a:stretch>
+        </p:blipFill>
+        <p:spPr>
+          <a:xfrm>
+            <a:off x="10058400" y="2184387"/>
+            <a:ext cx="2264899" cy="1963377"/>
+          </a:xfrm>
+          <a:prstGeom prst="rect">
+            <a:avLst/>
+          </a:prstGeom>
+        </p:spPr>
+      </p:pic>
+      <p:pic>
+        <p:nvPicPr>
+          <p:cNvPr id="10" name="図 9" descr="図形&#10;&#10;低い精度で自動的に生成された説明">
+            <a:extLst>
+              <a:ext uri="{FF2B5EF4-FFF2-40B4-BE49-F238E27FC236}">
+                <a16:creationId xmlns:a16="http://schemas.microsoft.com/office/drawing/2014/main" id="{A82991FD-C895-5B98-B027-557B91C6CD8A}"/>
+              </a:ext>
+            </a:extLst>
+          </p:cNvPr>
+          <p:cNvPicPr>
+            <a:picLocks noChangeAspect="1"/>
+          </p:cNvPicPr>
+          <p:nvPr/>
+        </p:nvPicPr>
+        <p:blipFill>
+          <a:blip r:embed="rId2">
+            <a:extLst>
+              <a:ext uri="{28A0092B-C50C-407E-A947-70E740481C1C}">
+                <a14:useLocalDpi xmlns:a14="http://schemas.microsoft.com/office/drawing/2010/main" val="0"/>
+              </a:ext>
+            </a:extLst>
+          </a:blip>
+          <a:stretch>
+            <a:fillRect/>
+          </a:stretch>
+        </p:blipFill>
+        <p:spPr>
+          <a:xfrm flipH="1">
+            <a:off x="-131299" y="2184386"/>
+            <a:ext cx="2264899" cy="1963377"/>
+          </a:xfrm>
+          <a:prstGeom prst="rect">
+            <a:avLst/>
+          </a:prstGeom>
+        </p:spPr>
+      </p:pic>
     </p:spTree>
     <p:extLst>
       <p:ext uri="{BB962C8B-B14F-4D97-AF65-F5344CB8AC3E}">
@@ -9296,6 +10039,18 @@
   <p:clrMapOvr>
     <a:masterClrMapping/>
   </p:clrMapOvr>
+  <mc:AlternateContent xmlns:mc="http://schemas.openxmlformats.org/markup-compatibility/2006">
+    <mc:Choice xmlns:p14="http://schemas.microsoft.com/office/powerpoint/2010/main" Requires="p14">
+      <p:transition spd="slow" p14:dur="1200">
+        <p14:prism/>
+      </p:transition>
+    </mc:Choice>
+    <mc:Fallback>
+      <p:transition spd="slow">
+        <p:fade/>
+      </p:transition>
+    </mc:Fallback>
+  </mc:AlternateContent>
 </p:sld>
 </file>
 
@@ -9580,6 +10335,18 @@
   <p:clrMapOvr>
     <a:masterClrMapping/>
   </p:clrMapOvr>
+  <mc:AlternateContent xmlns:mc="http://schemas.openxmlformats.org/markup-compatibility/2006">
+    <mc:Choice xmlns:p14="http://schemas.microsoft.com/office/powerpoint/2010/main" Requires="p14">
+      <p:transition spd="slow" p14:dur="1200">
+        <p14:prism/>
+      </p:transition>
+    </mc:Choice>
+    <mc:Fallback>
+      <p:transition spd="slow">
+        <p:fade/>
+      </p:transition>
+    </mc:Fallback>
+  </mc:AlternateContent>
 </p:sld>
 </file>
 
@@ -9864,6 +10631,18 @@
   <p:clrMapOvr>
     <a:masterClrMapping/>
   </p:clrMapOvr>
+  <mc:AlternateContent xmlns:mc="http://schemas.openxmlformats.org/markup-compatibility/2006">
+    <mc:Choice xmlns:p14="http://schemas.microsoft.com/office/powerpoint/2010/main" Requires="p14">
+      <p:transition spd="slow" p14:dur="1200">
+        <p14:prism/>
+      </p:transition>
+    </mc:Choice>
+    <mc:Fallback>
+      <p:transition spd="slow">
+        <p:fade/>
+      </p:transition>
+    </mc:Fallback>
+  </mc:AlternateContent>
 </p:sld>
 </file>
 
@@ -10158,6 +10937,18 @@
   <p:clrMapOvr>
     <a:masterClrMapping/>
   </p:clrMapOvr>
+  <mc:AlternateContent xmlns:mc="http://schemas.openxmlformats.org/markup-compatibility/2006">
+    <mc:Choice xmlns:p14="http://schemas.microsoft.com/office/powerpoint/2010/main" Requires="p14">
+      <p:transition spd="slow" p14:dur="1200">
+        <p14:prism/>
+      </p:transition>
+    </mc:Choice>
+    <mc:Fallback>
+      <p:transition spd="slow">
+        <p:fade/>
+      </p:transition>
+    </mc:Fallback>
+  </mc:AlternateContent>
 </p:sld>
 </file>
 
@@ -10386,26 +11177,18 @@
                   <a:srgbClr val="1D1C1D"/>
                 </a:solidFill>
                 <a:effectLst/>
-                <a:latin typeface="NotoSansJP"/>
+                <a:latin typeface="HGPｺﾞｼｯｸM" panose="020B0600000000000000" pitchFamily="50" charset="-128"/>
+                <a:ea typeface="HGPｺﾞｼｯｸM" panose="020B0600000000000000" pitchFamily="50" charset="-128"/>
               </a:rPr>
-              <a:t>プログラミングの技術</a:t>
-            </a:r>
-            <a:r>
-              <a:rPr lang="ja-JP" altLang="en-US" sz="4400" b="0" i="0">
-                <a:solidFill>
-                  <a:srgbClr val="1D1C1D"/>
-                </a:solidFill>
-                <a:effectLst/>
-                <a:latin typeface="NotoSansJP"/>
-              </a:rPr>
-              <a:t>と知識を向上させることができた。</a:t>
+              <a:t>プログラミングの技術と知識を向上させることができた。</a:t>
             </a:r>
             <a:endParaRPr lang="en-US" altLang="ja-JP" sz="4400" b="0" i="0" dirty="0">
               <a:solidFill>
                 <a:srgbClr val="1D1C1D"/>
               </a:solidFill>
               <a:effectLst/>
-              <a:latin typeface="NotoSansJP"/>
+              <a:latin typeface="HGPｺﾞｼｯｸM" panose="020B0600000000000000" pitchFamily="50" charset="-128"/>
+              <a:ea typeface="HGPｺﾞｼｯｸM" panose="020B0600000000000000" pitchFamily="50" charset="-128"/>
             </a:endParaRPr>
           </a:p>
           <a:p>
@@ -10413,7 +11196,7 @@
               <a:solidFill>
                 <a:srgbClr val="1D1C1D"/>
               </a:solidFill>
-              <a:latin typeface="NotoSansJP"/>
+              <a:latin typeface="HGPｺﾞｼｯｸM" panose="020B0600000000000000" pitchFamily="50" charset="-128"/>
               <a:ea typeface="HGPｺﾞｼｯｸM" panose="020B0600000000000000" pitchFamily="50" charset="-128"/>
             </a:endParaRPr>
           </a:p>
@@ -10424,7 +11207,8 @@
                   <a:srgbClr val="1D1C1D"/>
                 </a:solidFill>
                 <a:effectLst/>
-                <a:latin typeface="NotoSansJP"/>
+                <a:latin typeface="HGPｺﾞｼｯｸM" panose="020B0600000000000000" pitchFamily="50" charset="-128"/>
+                <a:ea typeface="HGPｺﾞｼｯｸM" panose="020B0600000000000000" pitchFamily="50" charset="-128"/>
               </a:rPr>
               <a:t>仕事に優先順位をつけることができるようになった。</a:t>
             </a:r>
@@ -10445,6 +11229,18 @@
   <p:clrMapOvr>
     <a:masterClrMapping/>
   </p:clrMapOvr>
+  <mc:AlternateContent xmlns:mc="http://schemas.openxmlformats.org/markup-compatibility/2006">
+    <mc:Choice xmlns:p14="http://schemas.microsoft.com/office/powerpoint/2010/main" Requires="p14">
+      <p:transition spd="slow" p14:dur="1200">
+        <p14:prism/>
+      </p:transition>
+    </mc:Choice>
+    <mc:Fallback>
+      <p:transition spd="slow">
+        <p:fade/>
+      </p:transition>
+    </mc:Fallback>
+  </mc:AlternateContent>
 </p:sld>
 </file>
 
@@ -10706,6 +11502,18 @@
   <p:clrMapOvr>
     <a:masterClrMapping/>
   </p:clrMapOvr>
+  <mc:AlternateContent xmlns:mc="http://schemas.openxmlformats.org/markup-compatibility/2006">
+    <mc:Choice xmlns:p14="http://schemas.microsoft.com/office/powerpoint/2010/main" Requires="p14">
+      <p:transition spd="slow" p14:dur="1200">
+        <p14:prism/>
+      </p:transition>
+    </mc:Choice>
+    <mc:Fallback>
+      <p:transition spd="slow">
+        <p:fade/>
+      </p:transition>
+    </mc:Fallback>
+  </mc:AlternateContent>
 </p:sld>
 </file>
 
@@ -11104,12 +11912,16 @@
   <p:clrMapOvr>
     <a:masterClrMapping/>
   </p:clrMapOvr>
-  <mc:AlternateContent xmlns:mc="http://schemas.openxmlformats.org/markup-compatibility/2006" xmlns:p14="http://schemas.microsoft.com/office/powerpoint/2010/main">
-    <mc:Choice Requires="p14">
-      <p:transition spd="slow" p14:dur="2000" advTm="5235"/>
+  <mc:AlternateContent xmlns:mc="http://schemas.openxmlformats.org/markup-compatibility/2006">
+    <mc:Choice xmlns:p14="http://schemas.microsoft.com/office/powerpoint/2010/main" Requires="p14">
+      <p:transition spd="slow" p14:dur="1250" advTm="5235">
+        <p14:flip dir="r"/>
+      </p:transition>
     </mc:Choice>
-    <mc:Fallback xmlns="">
-      <p:transition spd="slow" advTm="5235"/>
+    <mc:Fallback>
+      <p:transition spd="slow" advTm="5235">
+        <p:fade/>
+      </p:transition>
     </mc:Fallback>
   </mc:AlternateContent>
 </p:sld>
@@ -11639,6 +12451,269 @@
   <p:clrMapOvr>
     <a:masterClrMapping/>
   </p:clrMapOvr>
+  <p:transition spd="slow">
+    <p:push dir="u"/>
+  </p:transition>
+  <p:timing>
+    <p:tnLst>
+      <p:par>
+        <p:cTn id="1" dur="indefinite" restart="never" nodeType="tmRoot">
+          <p:childTnLst>
+            <p:seq concurrent="1" nextAc="seek">
+              <p:cTn id="2" dur="indefinite" nodeType="mainSeq">
+                <p:childTnLst>
+                  <p:par>
+                    <p:cTn id="3" fill="hold">
+                      <p:stCondLst>
+                        <p:cond delay="indefinite"/>
+                      </p:stCondLst>
+                      <p:childTnLst>
+                        <p:par>
+                          <p:cTn id="4" fill="hold">
+                            <p:stCondLst>
+                              <p:cond delay="0"/>
+                            </p:stCondLst>
+                            <p:childTnLst>
+                              <p:par>
+                                <p:cTn id="5" presetID="42" presetClass="entr" presetSubtype="0" fill="hold" nodeType="clickEffect">
+                                  <p:stCondLst>
+                                    <p:cond delay="0"/>
+                                  </p:stCondLst>
+                                  <p:childTnLst>
+                                    <p:set>
+                                      <p:cBhvr>
+                                        <p:cTn id="6" dur="1" fill="hold">
+                                          <p:stCondLst>
+                                            <p:cond delay="0"/>
+                                          </p:stCondLst>
+                                        </p:cTn>
+                                        <p:tgtEl>
+                                          <p:spTgt spid="3">
+                                            <p:txEl>
+                                              <p:pRg st="0" end="0"/>
+                                            </p:txEl>
+                                          </p:spTgt>
+                                        </p:tgtEl>
+                                        <p:attrNameLst>
+                                          <p:attrName>style.visibility</p:attrName>
+                                        </p:attrNameLst>
+                                      </p:cBhvr>
+                                      <p:to>
+                                        <p:strVal val="visible"/>
+                                      </p:to>
+                                    </p:set>
+                                    <p:animEffect transition="in" filter="fade">
+                                      <p:cBhvr>
+                                        <p:cTn id="7" dur="1000"/>
+                                        <p:tgtEl>
+                                          <p:spTgt spid="3">
+                                            <p:txEl>
+                                              <p:pRg st="0" end="0"/>
+                                            </p:txEl>
+                                          </p:spTgt>
+                                        </p:tgtEl>
+                                      </p:cBhvr>
+                                    </p:animEffect>
+                                    <p:anim calcmode="lin" valueType="num">
+                                      <p:cBhvr>
+                                        <p:cTn id="8" dur="1000" fill="hold"/>
+                                        <p:tgtEl>
+                                          <p:spTgt spid="3">
+                                            <p:txEl>
+                                              <p:pRg st="0" end="0"/>
+                                            </p:txEl>
+                                          </p:spTgt>
+                                        </p:tgtEl>
+                                        <p:attrNameLst>
+                                          <p:attrName>ppt_x</p:attrName>
+                                        </p:attrNameLst>
+                                      </p:cBhvr>
+                                      <p:tavLst>
+                                        <p:tav tm="0">
+                                          <p:val>
+                                            <p:strVal val="#ppt_x"/>
+                                          </p:val>
+                                        </p:tav>
+                                        <p:tav tm="100000">
+                                          <p:val>
+                                            <p:strVal val="#ppt_x"/>
+                                          </p:val>
+                                        </p:tav>
+                                      </p:tavLst>
+                                    </p:anim>
+                                    <p:anim calcmode="lin" valueType="num">
+                                      <p:cBhvr>
+                                        <p:cTn id="9" dur="1000" fill="hold"/>
+                                        <p:tgtEl>
+                                          <p:spTgt spid="3">
+                                            <p:txEl>
+                                              <p:pRg st="0" end="0"/>
+                                            </p:txEl>
+                                          </p:spTgt>
+                                        </p:tgtEl>
+                                        <p:attrNameLst>
+                                          <p:attrName>ppt_y</p:attrName>
+                                        </p:attrNameLst>
+                                      </p:cBhvr>
+                                      <p:tavLst>
+                                        <p:tav tm="0">
+                                          <p:val>
+                                            <p:strVal val="#ppt_y+.1"/>
+                                          </p:val>
+                                        </p:tav>
+                                        <p:tav tm="100000">
+                                          <p:val>
+                                            <p:strVal val="#ppt_y"/>
+                                          </p:val>
+                                        </p:tav>
+                                      </p:tavLst>
+                                    </p:anim>
+                                  </p:childTnLst>
+                                </p:cTn>
+                              </p:par>
+                            </p:childTnLst>
+                          </p:cTn>
+                        </p:par>
+                      </p:childTnLst>
+                    </p:cTn>
+                  </p:par>
+                  <p:par>
+                    <p:cTn id="10" fill="hold">
+                      <p:stCondLst>
+                        <p:cond delay="indefinite"/>
+                      </p:stCondLst>
+                      <p:childTnLst>
+                        <p:par>
+                          <p:cTn id="11" fill="hold">
+                            <p:stCondLst>
+                              <p:cond delay="0"/>
+                            </p:stCondLst>
+                            <p:childTnLst>
+                              <p:par>
+                                <p:cTn id="12" presetID="42" presetClass="entr" presetSubtype="0" fill="hold" nodeType="clickEffect">
+                                  <p:stCondLst>
+                                    <p:cond delay="0"/>
+                                  </p:stCondLst>
+                                  <p:childTnLst>
+                                    <p:set>
+                                      <p:cBhvr>
+                                        <p:cTn id="13" dur="1" fill="hold">
+                                          <p:stCondLst>
+                                            <p:cond delay="0"/>
+                                          </p:stCondLst>
+                                        </p:cTn>
+                                        <p:tgtEl>
+                                          <p:spTgt spid="3">
+                                            <p:txEl>
+                                              <p:pRg st="2" end="2"/>
+                                            </p:txEl>
+                                          </p:spTgt>
+                                        </p:tgtEl>
+                                        <p:attrNameLst>
+                                          <p:attrName>style.visibility</p:attrName>
+                                        </p:attrNameLst>
+                                      </p:cBhvr>
+                                      <p:to>
+                                        <p:strVal val="visible"/>
+                                      </p:to>
+                                    </p:set>
+                                    <p:animEffect transition="in" filter="fade">
+                                      <p:cBhvr>
+                                        <p:cTn id="14" dur="1000"/>
+                                        <p:tgtEl>
+                                          <p:spTgt spid="3">
+                                            <p:txEl>
+                                              <p:pRg st="2" end="2"/>
+                                            </p:txEl>
+                                          </p:spTgt>
+                                        </p:tgtEl>
+                                      </p:cBhvr>
+                                    </p:animEffect>
+                                    <p:anim calcmode="lin" valueType="num">
+                                      <p:cBhvr>
+                                        <p:cTn id="15" dur="1000" fill="hold"/>
+                                        <p:tgtEl>
+                                          <p:spTgt spid="3">
+                                            <p:txEl>
+                                              <p:pRg st="2" end="2"/>
+                                            </p:txEl>
+                                          </p:spTgt>
+                                        </p:tgtEl>
+                                        <p:attrNameLst>
+                                          <p:attrName>ppt_x</p:attrName>
+                                        </p:attrNameLst>
+                                      </p:cBhvr>
+                                      <p:tavLst>
+                                        <p:tav tm="0">
+                                          <p:val>
+                                            <p:strVal val="#ppt_x"/>
+                                          </p:val>
+                                        </p:tav>
+                                        <p:tav tm="100000">
+                                          <p:val>
+                                            <p:strVal val="#ppt_x"/>
+                                          </p:val>
+                                        </p:tav>
+                                      </p:tavLst>
+                                    </p:anim>
+                                    <p:anim calcmode="lin" valueType="num">
+                                      <p:cBhvr>
+                                        <p:cTn id="16" dur="1000" fill="hold"/>
+                                        <p:tgtEl>
+                                          <p:spTgt spid="3">
+                                            <p:txEl>
+                                              <p:pRg st="2" end="2"/>
+                                            </p:txEl>
+                                          </p:spTgt>
+                                        </p:tgtEl>
+                                        <p:attrNameLst>
+                                          <p:attrName>ppt_y</p:attrName>
+                                        </p:attrNameLst>
+                                      </p:cBhvr>
+                                      <p:tavLst>
+                                        <p:tav tm="0">
+                                          <p:val>
+                                            <p:strVal val="#ppt_y+.1"/>
+                                          </p:val>
+                                        </p:tav>
+                                        <p:tav tm="100000">
+                                          <p:val>
+                                            <p:strVal val="#ppt_y"/>
+                                          </p:val>
+                                        </p:tav>
+                                      </p:tavLst>
+                                    </p:anim>
+                                  </p:childTnLst>
+                                </p:cTn>
+                              </p:par>
+                            </p:childTnLst>
+                          </p:cTn>
+                        </p:par>
+                      </p:childTnLst>
+                    </p:cTn>
+                  </p:par>
+                </p:childTnLst>
+              </p:cTn>
+              <p:prevCondLst>
+                <p:cond evt="onPrev" delay="0">
+                  <p:tgtEl>
+                    <p:sldTgt/>
+                  </p:tgtEl>
+                </p:cond>
+              </p:prevCondLst>
+              <p:nextCondLst>
+                <p:cond evt="onNext" delay="0">
+                  <p:tgtEl>
+                    <p:sldTgt/>
+                  </p:tgtEl>
+                </p:cond>
+              </p:nextCondLst>
+            </p:seq>
+          </p:childTnLst>
+        </p:cTn>
+      </p:par>
+    </p:tnLst>
+  </p:timing>
 </p:sld>
 </file>
 
@@ -11858,13 +12933,13 @@
         </p:nvSpPr>
         <p:spPr>
           <a:xfrm>
-            <a:off x="838200" y="2057400"/>
-            <a:ext cx="10515600" cy="3871762"/>
+            <a:off x="1364566" y="2057400"/>
+            <a:ext cx="9989233" cy="3871762"/>
           </a:xfrm>
         </p:spPr>
         <p:txBody>
           <a:bodyPr>
-            <a:normAutofit lnSpcReduction="10000"/>
+            <a:normAutofit fontScale="92500"/>
           </a:bodyPr>
           <a:lstStyle/>
           <a:p>
@@ -11942,7 +13017,7 @@
                 <a:latin typeface="+mn-ea"/>
                 <a:cs typeface="Mangal" panose="02040503050203030202" pitchFamily="18" charset="0"/>
               </a:rPr>
-              <a:t>→</a:t>
+              <a:t>　　　→</a:t>
             </a:r>
             <a:r>
               <a:rPr lang="ja-JP" altLang="en-US" sz="3600" b="1" kern="50" dirty="0">
@@ -11957,6 +13032,42 @@
           </a:p>
         </p:txBody>
       </p:sp>
+      <p:pic>
+        <p:nvPicPr>
+          <p:cNvPr id="5" name="図 4" descr="黒いバックグラウンドの前に立っている&#10;&#10;低い精度で自動的に生成された説明">
+            <a:extLst>
+              <a:ext uri="{FF2B5EF4-FFF2-40B4-BE49-F238E27FC236}">
+                <a16:creationId xmlns:a16="http://schemas.microsoft.com/office/drawing/2014/main" id="{38DF588A-DFE0-C7F8-C3C0-9F34434EF683}"/>
+              </a:ext>
+            </a:extLst>
+          </p:cNvPr>
+          <p:cNvPicPr>
+            <a:picLocks noChangeAspect="1"/>
+          </p:cNvPicPr>
+          <p:nvPr/>
+        </p:nvPicPr>
+        <p:blipFill>
+          <a:blip r:embed="rId3">
+            <a:extLst>
+              <a:ext uri="{28A0092B-C50C-407E-A947-70E740481C1C}">
+                <a14:useLocalDpi xmlns:a14="http://schemas.microsoft.com/office/drawing/2010/main" val="0"/>
+              </a:ext>
+            </a:extLst>
+          </a:blip>
+          <a:stretch>
+            <a:fillRect/>
+          </a:stretch>
+        </p:blipFill>
+        <p:spPr>
+          <a:xfrm>
+            <a:off x="1749436" y="4586067"/>
+            <a:ext cx="979698" cy="1980028"/>
+          </a:xfrm>
+          <a:prstGeom prst="rect">
+            <a:avLst/>
+          </a:prstGeom>
+        </p:spPr>
+      </p:pic>
     </p:spTree>
     <p:extLst>
       <p:ext uri="{BB962C8B-B14F-4D97-AF65-F5344CB8AC3E}">
@@ -11975,6 +13086,459 @@
       <p:transition spd="slow" advTm="37880"/>
     </mc:Fallback>
   </mc:AlternateContent>
+  <p:timing>
+    <p:tnLst>
+      <p:par>
+        <p:cTn id="1" dur="indefinite" restart="never" nodeType="tmRoot">
+          <p:childTnLst>
+            <p:seq concurrent="1" nextAc="seek">
+              <p:cTn id="2" dur="indefinite" nodeType="mainSeq">
+                <p:childTnLst>
+                  <p:par>
+                    <p:cTn id="3" fill="hold">
+                      <p:stCondLst>
+                        <p:cond delay="indefinite"/>
+                      </p:stCondLst>
+                      <p:childTnLst>
+                        <p:par>
+                          <p:cTn id="4" fill="hold">
+                            <p:stCondLst>
+                              <p:cond delay="0"/>
+                            </p:stCondLst>
+                            <p:childTnLst>
+                              <p:par>
+                                <p:cTn id="5" presetID="42" presetClass="entr" presetSubtype="0" fill="hold" nodeType="clickEffect">
+                                  <p:stCondLst>
+                                    <p:cond delay="0"/>
+                                  </p:stCondLst>
+                                  <p:childTnLst>
+                                    <p:set>
+                                      <p:cBhvr>
+                                        <p:cTn id="6" dur="1" fill="hold">
+                                          <p:stCondLst>
+                                            <p:cond delay="0"/>
+                                          </p:stCondLst>
+                                        </p:cTn>
+                                        <p:tgtEl>
+                                          <p:spTgt spid="3">
+                                            <p:txEl>
+                                              <p:pRg st="0" end="0"/>
+                                            </p:txEl>
+                                          </p:spTgt>
+                                        </p:tgtEl>
+                                        <p:attrNameLst>
+                                          <p:attrName>style.visibility</p:attrName>
+                                        </p:attrNameLst>
+                                      </p:cBhvr>
+                                      <p:to>
+                                        <p:strVal val="visible"/>
+                                      </p:to>
+                                    </p:set>
+                                    <p:animEffect transition="in" filter="fade">
+                                      <p:cBhvr>
+                                        <p:cTn id="7" dur="1000"/>
+                                        <p:tgtEl>
+                                          <p:spTgt spid="3">
+                                            <p:txEl>
+                                              <p:pRg st="0" end="0"/>
+                                            </p:txEl>
+                                          </p:spTgt>
+                                        </p:tgtEl>
+                                      </p:cBhvr>
+                                    </p:animEffect>
+                                    <p:anim calcmode="lin" valueType="num">
+                                      <p:cBhvr>
+                                        <p:cTn id="8" dur="1000" fill="hold"/>
+                                        <p:tgtEl>
+                                          <p:spTgt spid="3">
+                                            <p:txEl>
+                                              <p:pRg st="0" end="0"/>
+                                            </p:txEl>
+                                          </p:spTgt>
+                                        </p:tgtEl>
+                                        <p:attrNameLst>
+                                          <p:attrName>ppt_x</p:attrName>
+                                        </p:attrNameLst>
+                                      </p:cBhvr>
+                                      <p:tavLst>
+                                        <p:tav tm="0">
+                                          <p:val>
+                                            <p:strVal val="#ppt_x"/>
+                                          </p:val>
+                                        </p:tav>
+                                        <p:tav tm="100000">
+                                          <p:val>
+                                            <p:strVal val="#ppt_x"/>
+                                          </p:val>
+                                        </p:tav>
+                                      </p:tavLst>
+                                    </p:anim>
+                                    <p:anim calcmode="lin" valueType="num">
+                                      <p:cBhvr>
+                                        <p:cTn id="9" dur="1000" fill="hold"/>
+                                        <p:tgtEl>
+                                          <p:spTgt spid="3">
+                                            <p:txEl>
+                                              <p:pRg st="0" end="0"/>
+                                            </p:txEl>
+                                          </p:spTgt>
+                                        </p:tgtEl>
+                                        <p:attrNameLst>
+                                          <p:attrName>ppt_y</p:attrName>
+                                        </p:attrNameLst>
+                                      </p:cBhvr>
+                                      <p:tavLst>
+                                        <p:tav tm="0">
+                                          <p:val>
+                                            <p:strVal val="#ppt_y+.1"/>
+                                          </p:val>
+                                        </p:tav>
+                                        <p:tav tm="100000">
+                                          <p:val>
+                                            <p:strVal val="#ppt_y"/>
+                                          </p:val>
+                                        </p:tav>
+                                      </p:tavLst>
+                                    </p:anim>
+                                  </p:childTnLst>
+                                </p:cTn>
+                              </p:par>
+                              <p:par>
+                                <p:cTn id="10" presetID="42" presetClass="entr" presetSubtype="0" fill="hold" nodeType="withEffect">
+                                  <p:stCondLst>
+                                    <p:cond delay="0"/>
+                                  </p:stCondLst>
+                                  <p:childTnLst>
+                                    <p:set>
+                                      <p:cBhvr>
+                                        <p:cTn id="11" dur="1" fill="hold">
+                                          <p:stCondLst>
+                                            <p:cond delay="0"/>
+                                          </p:stCondLst>
+                                        </p:cTn>
+                                        <p:tgtEl>
+                                          <p:spTgt spid="3">
+                                            <p:txEl>
+                                              <p:pRg st="1" end="1"/>
+                                            </p:txEl>
+                                          </p:spTgt>
+                                        </p:tgtEl>
+                                        <p:attrNameLst>
+                                          <p:attrName>style.visibility</p:attrName>
+                                        </p:attrNameLst>
+                                      </p:cBhvr>
+                                      <p:to>
+                                        <p:strVal val="visible"/>
+                                      </p:to>
+                                    </p:set>
+                                    <p:animEffect transition="in" filter="fade">
+                                      <p:cBhvr>
+                                        <p:cTn id="12" dur="1000"/>
+                                        <p:tgtEl>
+                                          <p:spTgt spid="3">
+                                            <p:txEl>
+                                              <p:pRg st="1" end="1"/>
+                                            </p:txEl>
+                                          </p:spTgt>
+                                        </p:tgtEl>
+                                      </p:cBhvr>
+                                    </p:animEffect>
+                                    <p:anim calcmode="lin" valueType="num">
+                                      <p:cBhvr>
+                                        <p:cTn id="13" dur="1000" fill="hold"/>
+                                        <p:tgtEl>
+                                          <p:spTgt spid="3">
+                                            <p:txEl>
+                                              <p:pRg st="1" end="1"/>
+                                            </p:txEl>
+                                          </p:spTgt>
+                                        </p:tgtEl>
+                                        <p:attrNameLst>
+                                          <p:attrName>ppt_x</p:attrName>
+                                        </p:attrNameLst>
+                                      </p:cBhvr>
+                                      <p:tavLst>
+                                        <p:tav tm="0">
+                                          <p:val>
+                                            <p:strVal val="#ppt_x"/>
+                                          </p:val>
+                                        </p:tav>
+                                        <p:tav tm="100000">
+                                          <p:val>
+                                            <p:strVal val="#ppt_x"/>
+                                          </p:val>
+                                        </p:tav>
+                                      </p:tavLst>
+                                    </p:anim>
+                                    <p:anim calcmode="lin" valueType="num">
+                                      <p:cBhvr>
+                                        <p:cTn id="14" dur="1000" fill="hold"/>
+                                        <p:tgtEl>
+                                          <p:spTgt spid="3">
+                                            <p:txEl>
+                                              <p:pRg st="1" end="1"/>
+                                            </p:txEl>
+                                          </p:spTgt>
+                                        </p:tgtEl>
+                                        <p:attrNameLst>
+                                          <p:attrName>ppt_y</p:attrName>
+                                        </p:attrNameLst>
+                                      </p:cBhvr>
+                                      <p:tavLst>
+                                        <p:tav tm="0">
+                                          <p:val>
+                                            <p:strVal val="#ppt_y+.1"/>
+                                          </p:val>
+                                        </p:tav>
+                                        <p:tav tm="100000">
+                                          <p:val>
+                                            <p:strVal val="#ppt_y"/>
+                                          </p:val>
+                                        </p:tav>
+                                      </p:tavLst>
+                                    </p:anim>
+                                  </p:childTnLst>
+                                </p:cTn>
+                              </p:par>
+                              <p:par>
+                                <p:cTn id="15" presetID="42" presetClass="entr" presetSubtype="0" fill="hold" nodeType="withEffect">
+                                  <p:stCondLst>
+                                    <p:cond delay="0"/>
+                                  </p:stCondLst>
+                                  <p:childTnLst>
+                                    <p:set>
+                                      <p:cBhvr>
+                                        <p:cTn id="16" dur="1" fill="hold">
+                                          <p:stCondLst>
+                                            <p:cond delay="0"/>
+                                          </p:stCondLst>
+                                        </p:cTn>
+                                        <p:tgtEl>
+                                          <p:spTgt spid="3">
+                                            <p:txEl>
+                                              <p:pRg st="2" end="2"/>
+                                            </p:txEl>
+                                          </p:spTgt>
+                                        </p:tgtEl>
+                                        <p:attrNameLst>
+                                          <p:attrName>style.visibility</p:attrName>
+                                        </p:attrNameLst>
+                                      </p:cBhvr>
+                                      <p:to>
+                                        <p:strVal val="visible"/>
+                                      </p:to>
+                                    </p:set>
+                                    <p:animEffect transition="in" filter="fade">
+                                      <p:cBhvr>
+                                        <p:cTn id="17" dur="1000"/>
+                                        <p:tgtEl>
+                                          <p:spTgt spid="3">
+                                            <p:txEl>
+                                              <p:pRg st="2" end="2"/>
+                                            </p:txEl>
+                                          </p:spTgt>
+                                        </p:tgtEl>
+                                      </p:cBhvr>
+                                    </p:animEffect>
+                                    <p:anim calcmode="lin" valueType="num">
+                                      <p:cBhvr>
+                                        <p:cTn id="18" dur="1000" fill="hold"/>
+                                        <p:tgtEl>
+                                          <p:spTgt spid="3">
+                                            <p:txEl>
+                                              <p:pRg st="2" end="2"/>
+                                            </p:txEl>
+                                          </p:spTgt>
+                                        </p:tgtEl>
+                                        <p:attrNameLst>
+                                          <p:attrName>ppt_x</p:attrName>
+                                        </p:attrNameLst>
+                                      </p:cBhvr>
+                                      <p:tavLst>
+                                        <p:tav tm="0">
+                                          <p:val>
+                                            <p:strVal val="#ppt_x"/>
+                                          </p:val>
+                                        </p:tav>
+                                        <p:tav tm="100000">
+                                          <p:val>
+                                            <p:strVal val="#ppt_x"/>
+                                          </p:val>
+                                        </p:tav>
+                                      </p:tavLst>
+                                    </p:anim>
+                                    <p:anim calcmode="lin" valueType="num">
+                                      <p:cBhvr>
+                                        <p:cTn id="19" dur="1000" fill="hold"/>
+                                        <p:tgtEl>
+                                          <p:spTgt spid="3">
+                                            <p:txEl>
+                                              <p:pRg st="2" end="2"/>
+                                            </p:txEl>
+                                          </p:spTgt>
+                                        </p:tgtEl>
+                                        <p:attrNameLst>
+                                          <p:attrName>ppt_y</p:attrName>
+                                        </p:attrNameLst>
+                                      </p:cBhvr>
+                                      <p:tavLst>
+                                        <p:tav tm="0">
+                                          <p:val>
+                                            <p:strVal val="#ppt_y+.1"/>
+                                          </p:val>
+                                        </p:tav>
+                                        <p:tav tm="100000">
+                                          <p:val>
+                                            <p:strVal val="#ppt_y"/>
+                                          </p:val>
+                                        </p:tav>
+                                      </p:tavLst>
+                                    </p:anim>
+                                  </p:childTnLst>
+                                </p:cTn>
+                              </p:par>
+                            </p:childTnLst>
+                          </p:cTn>
+                        </p:par>
+                      </p:childTnLst>
+                    </p:cTn>
+                  </p:par>
+                  <p:par>
+                    <p:cTn id="20" fill="hold">
+                      <p:stCondLst>
+                        <p:cond delay="indefinite"/>
+                      </p:stCondLst>
+                      <p:childTnLst>
+                        <p:par>
+                          <p:cTn id="21" fill="hold">
+                            <p:stCondLst>
+                              <p:cond delay="0"/>
+                            </p:stCondLst>
+                            <p:childTnLst>
+                              <p:par>
+                                <p:cTn id="22" presetID="10" presetClass="entr" presetSubtype="0" fill="hold" nodeType="clickEffect">
+                                  <p:stCondLst>
+                                    <p:cond delay="0"/>
+                                  </p:stCondLst>
+                                  <p:childTnLst>
+                                    <p:set>
+                                      <p:cBhvr>
+                                        <p:cTn id="23" dur="1" fill="hold">
+                                          <p:stCondLst>
+                                            <p:cond delay="0"/>
+                                          </p:stCondLst>
+                                        </p:cTn>
+                                        <p:tgtEl>
+                                          <p:spTgt spid="5"/>
+                                        </p:tgtEl>
+                                        <p:attrNameLst>
+                                          <p:attrName>style.visibility</p:attrName>
+                                        </p:attrNameLst>
+                                      </p:cBhvr>
+                                      <p:to>
+                                        <p:strVal val="visible"/>
+                                      </p:to>
+                                    </p:set>
+                                    <p:animEffect transition="in" filter="fade">
+                                      <p:cBhvr>
+                                        <p:cTn id="24" dur="500"/>
+                                        <p:tgtEl>
+                                          <p:spTgt spid="5"/>
+                                        </p:tgtEl>
+                                      </p:cBhvr>
+                                    </p:animEffect>
+                                  </p:childTnLst>
+                                </p:cTn>
+                              </p:par>
+                            </p:childTnLst>
+                          </p:cTn>
+                        </p:par>
+                      </p:childTnLst>
+                    </p:cTn>
+                  </p:par>
+                  <p:par>
+                    <p:cTn id="25" fill="hold">
+                      <p:stCondLst>
+                        <p:cond delay="indefinite"/>
+                      </p:stCondLst>
+                      <p:childTnLst>
+                        <p:par>
+                          <p:cTn id="26" fill="hold">
+                            <p:stCondLst>
+                              <p:cond delay="0"/>
+                            </p:stCondLst>
+                            <p:childTnLst>
+                              <p:par>
+                                <p:cTn id="27" presetID="10" presetClass="entr" presetSubtype="0" fill="hold" nodeType="clickEffect">
+                                  <p:stCondLst>
+                                    <p:cond delay="0"/>
+                                  </p:stCondLst>
+                                  <p:childTnLst>
+                                    <p:set>
+                                      <p:cBhvr>
+                                        <p:cTn id="28" dur="1" fill="hold">
+                                          <p:stCondLst>
+                                            <p:cond delay="0"/>
+                                          </p:stCondLst>
+                                        </p:cTn>
+                                        <p:tgtEl>
+                                          <p:spTgt spid="3">
+                                            <p:txEl>
+                                              <p:pRg st="4" end="4"/>
+                                            </p:txEl>
+                                          </p:spTgt>
+                                        </p:tgtEl>
+                                        <p:attrNameLst>
+                                          <p:attrName>style.visibility</p:attrName>
+                                        </p:attrNameLst>
+                                      </p:cBhvr>
+                                      <p:to>
+                                        <p:strVal val="visible"/>
+                                      </p:to>
+                                    </p:set>
+                                    <p:animEffect transition="in" filter="fade">
+                                      <p:cBhvr>
+                                        <p:cTn id="29" dur="500"/>
+                                        <p:tgtEl>
+                                          <p:spTgt spid="3">
+                                            <p:txEl>
+                                              <p:pRg st="4" end="4"/>
+                                            </p:txEl>
+                                          </p:spTgt>
+                                        </p:tgtEl>
+                                      </p:cBhvr>
+                                    </p:animEffect>
+                                  </p:childTnLst>
+                                </p:cTn>
+                              </p:par>
+                            </p:childTnLst>
+                          </p:cTn>
+                        </p:par>
+                      </p:childTnLst>
+                    </p:cTn>
+                  </p:par>
+                </p:childTnLst>
+              </p:cTn>
+              <p:prevCondLst>
+                <p:cond evt="onPrev" delay="0">
+                  <p:tgtEl>
+                    <p:sldTgt/>
+                  </p:tgtEl>
+                </p:cond>
+              </p:prevCondLst>
+              <p:nextCondLst>
+                <p:cond evt="onNext" delay="0">
+                  <p:tgtEl>
+                    <p:sldTgt/>
+                  </p:tgtEl>
+                </p:cond>
+              </p:nextCondLst>
+            </p:seq>
+          </p:childTnLst>
+        </p:cTn>
+      </p:par>
+    </p:tnLst>
+  </p:timing>
 </p:sld>
 </file>
 
@@ -12498,6 +14062,138 @@
       <p:transition spd="slow" advTm="8882"/>
     </mc:Fallback>
   </mc:AlternateContent>
+  <p:timing>
+    <p:tnLst>
+      <p:par>
+        <p:cTn id="1" dur="indefinite" restart="never" nodeType="tmRoot">
+          <p:childTnLst>
+            <p:seq concurrent="1" nextAc="seek">
+              <p:cTn id="2" dur="indefinite" nodeType="mainSeq">
+                <p:childTnLst>
+                  <p:par>
+                    <p:cTn id="3" fill="hold">
+                      <p:stCondLst>
+                        <p:cond delay="indefinite"/>
+                      </p:stCondLst>
+                      <p:childTnLst>
+                        <p:par>
+                          <p:cTn id="4" fill="hold">
+                            <p:stCondLst>
+                              <p:cond delay="0"/>
+                            </p:stCondLst>
+                            <p:childTnLst>
+                              <p:par>
+                                <p:cTn id="5" presetID="45" presetClass="entr" presetSubtype="0" fill="hold" grpId="0" nodeType="clickEffect">
+                                  <p:stCondLst>
+                                    <p:cond delay="0"/>
+                                  </p:stCondLst>
+                                  <p:childTnLst>
+                                    <p:set>
+                                      <p:cBhvr>
+                                        <p:cTn id="6" dur="1" fill="hold">
+                                          <p:stCondLst>
+                                            <p:cond delay="0"/>
+                                          </p:stCondLst>
+                                        </p:cTn>
+                                        <p:tgtEl>
+                                          <p:spTgt spid="2"/>
+                                        </p:tgtEl>
+                                        <p:attrNameLst>
+                                          <p:attrName>style.visibility</p:attrName>
+                                        </p:attrNameLst>
+                                      </p:cBhvr>
+                                      <p:to>
+                                        <p:strVal val="visible"/>
+                                      </p:to>
+                                    </p:set>
+                                    <p:animEffect transition="in" filter="fade">
+                                      <p:cBhvr>
+                                        <p:cTn id="7" dur="2000"/>
+                                        <p:tgtEl>
+                                          <p:spTgt spid="2"/>
+                                        </p:tgtEl>
+                                      </p:cBhvr>
+                                    </p:animEffect>
+                                    <p:anim calcmode="lin" valueType="num">
+                                      <p:cBhvr>
+                                        <p:cTn id="8" dur="2000" fill="hold"/>
+                                        <p:tgtEl>
+                                          <p:spTgt spid="2"/>
+                                        </p:tgtEl>
+                                        <p:attrNameLst>
+                                          <p:attrName>ppt_w</p:attrName>
+                                        </p:attrNameLst>
+                                      </p:cBhvr>
+                                      <p:tavLst>
+                                        <p:tav tm="0" fmla="#ppt_w*sin(2.5*pi*$)">
+                                          <p:val>
+                                            <p:fltVal val="0"/>
+                                          </p:val>
+                                        </p:tav>
+                                        <p:tav tm="100000">
+                                          <p:val>
+                                            <p:fltVal val="1"/>
+                                          </p:val>
+                                        </p:tav>
+                                      </p:tavLst>
+                                    </p:anim>
+                                    <p:anim calcmode="lin" valueType="num">
+                                      <p:cBhvr>
+                                        <p:cTn id="9" dur="2000" fill="hold"/>
+                                        <p:tgtEl>
+                                          <p:spTgt spid="2"/>
+                                        </p:tgtEl>
+                                        <p:attrNameLst>
+                                          <p:attrName>ppt_h</p:attrName>
+                                        </p:attrNameLst>
+                                      </p:cBhvr>
+                                      <p:tavLst>
+                                        <p:tav tm="0">
+                                          <p:val>
+                                            <p:strVal val="#ppt_h"/>
+                                          </p:val>
+                                        </p:tav>
+                                        <p:tav tm="100000">
+                                          <p:val>
+                                            <p:strVal val="#ppt_h"/>
+                                          </p:val>
+                                        </p:tav>
+                                      </p:tavLst>
+                                    </p:anim>
+                                  </p:childTnLst>
+                                </p:cTn>
+                              </p:par>
+                            </p:childTnLst>
+                          </p:cTn>
+                        </p:par>
+                      </p:childTnLst>
+                    </p:cTn>
+                  </p:par>
+                </p:childTnLst>
+              </p:cTn>
+              <p:prevCondLst>
+                <p:cond evt="onPrev" delay="0">
+                  <p:tgtEl>
+                    <p:sldTgt/>
+                  </p:tgtEl>
+                </p:cond>
+              </p:prevCondLst>
+              <p:nextCondLst>
+                <p:cond evt="onNext" delay="0">
+                  <p:tgtEl>
+                    <p:sldTgt/>
+                  </p:tgtEl>
+                </p:cond>
+              </p:nextCondLst>
+            </p:seq>
+          </p:childTnLst>
+        </p:cTn>
+      </p:par>
+    </p:tnLst>
+    <p:bldLst>
+      <p:bldP spid="2" grpId="0"/>
+    </p:bldLst>
+  </p:timing>
 </p:sld>
 </file>
 
@@ -12816,12 +14512,16 @@
   <p:clrMapOvr>
     <a:masterClrMapping/>
   </p:clrMapOvr>
-  <mc:AlternateContent xmlns:mc="http://schemas.openxmlformats.org/markup-compatibility/2006" xmlns:p14="http://schemas.microsoft.com/office/powerpoint/2010/main">
-    <mc:Choice Requires="p14">
-      <p:transition spd="slow" p14:dur="2000" advTm="27985"/>
+  <mc:AlternateContent xmlns:mc="http://schemas.openxmlformats.org/markup-compatibility/2006">
+    <mc:Choice xmlns:p14="http://schemas.microsoft.com/office/powerpoint/2010/main" Requires="p14">
+      <p:transition spd="slow" p14:dur="1600" advTm="27985">
+        <p14:prism isInverted="1"/>
+      </p:transition>
     </mc:Choice>
-    <mc:Fallback xmlns="">
-      <p:transition spd="slow" advTm="27985"/>
+    <mc:Fallback>
+      <p:transition spd="slow" advTm="27985">
+        <p:fade/>
+      </p:transition>
     </mc:Fallback>
   </mc:AlternateContent>
 </p:sld>
@@ -13513,6 +15213,726 @@
       <p:transition spd="slow" advTm="63565"/>
     </mc:Fallback>
   </mc:AlternateContent>
+  <p:timing>
+    <p:tnLst>
+      <p:par>
+        <p:cTn id="1" dur="indefinite" restart="never" nodeType="tmRoot">
+          <p:childTnLst>
+            <p:seq concurrent="1" nextAc="seek">
+              <p:cTn id="2" dur="indefinite" nodeType="mainSeq">
+                <p:childTnLst>
+                  <p:par>
+                    <p:cTn id="3" fill="hold">
+                      <p:stCondLst>
+                        <p:cond delay="indefinite"/>
+                      </p:stCondLst>
+                      <p:childTnLst>
+                        <p:par>
+                          <p:cTn id="4" fill="hold">
+                            <p:stCondLst>
+                              <p:cond delay="0"/>
+                            </p:stCondLst>
+                            <p:childTnLst>
+                              <p:par>
+                                <p:cTn id="5" presetID="42" presetClass="entr" presetSubtype="0" fill="hold" nodeType="clickEffect">
+                                  <p:stCondLst>
+                                    <p:cond delay="0"/>
+                                  </p:stCondLst>
+                                  <p:childTnLst>
+                                    <p:set>
+                                      <p:cBhvr>
+                                        <p:cTn id="6" dur="1" fill="hold">
+                                          <p:stCondLst>
+                                            <p:cond delay="0"/>
+                                          </p:stCondLst>
+                                        </p:cTn>
+                                        <p:tgtEl>
+                                          <p:spTgt spid="3">
+                                            <p:txEl>
+                                              <p:pRg st="0" end="0"/>
+                                            </p:txEl>
+                                          </p:spTgt>
+                                        </p:tgtEl>
+                                        <p:attrNameLst>
+                                          <p:attrName>style.visibility</p:attrName>
+                                        </p:attrNameLst>
+                                      </p:cBhvr>
+                                      <p:to>
+                                        <p:strVal val="visible"/>
+                                      </p:to>
+                                    </p:set>
+                                    <p:animEffect transition="in" filter="fade">
+                                      <p:cBhvr>
+                                        <p:cTn id="7" dur="1000"/>
+                                        <p:tgtEl>
+                                          <p:spTgt spid="3">
+                                            <p:txEl>
+                                              <p:pRg st="0" end="0"/>
+                                            </p:txEl>
+                                          </p:spTgt>
+                                        </p:tgtEl>
+                                      </p:cBhvr>
+                                    </p:animEffect>
+                                    <p:anim calcmode="lin" valueType="num">
+                                      <p:cBhvr>
+                                        <p:cTn id="8" dur="1000" fill="hold"/>
+                                        <p:tgtEl>
+                                          <p:spTgt spid="3">
+                                            <p:txEl>
+                                              <p:pRg st="0" end="0"/>
+                                            </p:txEl>
+                                          </p:spTgt>
+                                        </p:tgtEl>
+                                        <p:attrNameLst>
+                                          <p:attrName>ppt_x</p:attrName>
+                                        </p:attrNameLst>
+                                      </p:cBhvr>
+                                      <p:tavLst>
+                                        <p:tav tm="0">
+                                          <p:val>
+                                            <p:strVal val="#ppt_x"/>
+                                          </p:val>
+                                        </p:tav>
+                                        <p:tav tm="100000">
+                                          <p:val>
+                                            <p:strVal val="#ppt_x"/>
+                                          </p:val>
+                                        </p:tav>
+                                      </p:tavLst>
+                                    </p:anim>
+                                    <p:anim calcmode="lin" valueType="num">
+                                      <p:cBhvr>
+                                        <p:cTn id="9" dur="1000" fill="hold"/>
+                                        <p:tgtEl>
+                                          <p:spTgt spid="3">
+                                            <p:txEl>
+                                              <p:pRg st="0" end="0"/>
+                                            </p:txEl>
+                                          </p:spTgt>
+                                        </p:tgtEl>
+                                        <p:attrNameLst>
+                                          <p:attrName>ppt_y</p:attrName>
+                                        </p:attrNameLst>
+                                      </p:cBhvr>
+                                      <p:tavLst>
+                                        <p:tav tm="0">
+                                          <p:val>
+                                            <p:strVal val="#ppt_y+.1"/>
+                                          </p:val>
+                                        </p:tav>
+                                        <p:tav tm="100000">
+                                          <p:val>
+                                            <p:strVal val="#ppt_y"/>
+                                          </p:val>
+                                        </p:tav>
+                                      </p:tavLst>
+                                    </p:anim>
+                                  </p:childTnLst>
+                                </p:cTn>
+                              </p:par>
+                            </p:childTnLst>
+                          </p:cTn>
+                        </p:par>
+                      </p:childTnLst>
+                    </p:cTn>
+                  </p:par>
+                  <p:par>
+                    <p:cTn id="10" fill="hold">
+                      <p:stCondLst>
+                        <p:cond delay="indefinite"/>
+                      </p:stCondLst>
+                      <p:childTnLst>
+                        <p:par>
+                          <p:cTn id="11" fill="hold">
+                            <p:stCondLst>
+                              <p:cond delay="0"/>
+                            </p:stCondLst>
+                            <p:childTnLst>
+                              <p:par>
+                                <p:cTn id="12" presetID="42" presetClass="entr" presetSubtype="0" fill="hold" nodeType="clickEffect">
+                                  <p:stCondLst>
+                                    <p:cond delay="0"/>
+                                  </p:stCondLst>
+                                  <p:childTnLst>
+                                    <p:set>
+                                      <p:cBhvr>
+                                        <p:cTn id="13" dur="1" fill="hold">
+                                          <p:stCondLst>
+                                            <p:cond delay="0"/>
+                                          </p:stCondLst>
+                                        </p:cTn>
+                                        <p:tgtEl>
+                                          <p:spTgt spid="3">
+                                            <p:txEl>
+                                              <p:pRg st="1" end="1"/>
+                                            </p:txEl>
+                                          </p:spTgt>
+                                        </p:tgtEl>
+                                        <p:attrNameLst>
+                                          <p:attrName>style.visibility</p:attrName>
+                                        </p:attrNameLst>
+                                      </p:cBhvr>
+                                      <p:to>
+                                        <p:strVal val="visible"/>
+                                      </p:to>
+                                    </p:set>
+                                    <p:animEffect transition="in" filter="fade">
+                                      <p:cBhvr>
+                                        <p:cTn id="14" dur="1000"/>
+                                        <p:tgtEl>
+                                          <p:spTgt spid="3">
+                                            <p:txEl>
+                                              <p:pRg st="1" end="1"/>
+                                            </p:txEl>
+                                          </p:spTgt>
+                                        </p:tgtEl>
+                                      </p:cBhvr>
+                                    </p:animEffect>
+                                    <p:anim calcmode="lin" valueType="num">
+                                      <p:cBhvr>
+                                        <p:cTn id="15" dur="1000" fill="hold"/>
+                                        <p:tgtEl>
+                                          <p:spTgt spid="3">
+                                            <p:txEl>
+                                              <p:pRg st="1" end="1"/>
+                                            </p:txEl>
+                                          </p:spTgt>
+                                        </p:tgtEl>
+                                        <p:attrNameLst>
+                                          <p:attrName>ppt_x</p:attrName>
+                                        </p:attrNameLst>
+                                      </p:cBhvr>
+                                      <p:tavLst>
+                                        <p:tav tm="0">
+                                          <p:val>
+                                            <p:strVal val="#ppt_x"/>
+                                          </p:val>
+                                        </p:tav>
+                                        <p:tav tm="100000">
+                                          <p:val>
+                                            <p:strVal val="#ppt_x"/>
+                                          </p:val>
+                                        </p:tav>
+                                      </p:tavLst>
+                                    </p:anim>
+                                    <p:anim calcmode="lin" valueType="num">
+                                      <p:cBhvr>
+                                        <p:cTn id="16" dur="1000" fill="hold"/>
+                                        <p:tgtEl>
+                                          <p:spTgt spid="3">
+                                            <p:txEl>
+                                              <p:pRg st="1" end="1"/>
+                                            </p:txEl>
+                                          </p:spTgt>
+                                        </p:tgtEl>
+                                        <p:attrNameLst>
+                                          <p:attrName>ppt_y</p:attrName>
+                                        </p:attrNameLst>
+                                      </p:cBhvr>
+                                      <p:tavLst>
+                                        <p:tav tm="0">
+                                          <p:val>
+                                            <p:strVal val="#ppt_y+.1"/>
+                                          </p:val>
+                                        </p:tav>
+                                        <p:tav tm="100000">
+                                          <p:val>
+                                            <p:strVal val="#ppt_y"/>
+                                          </p:val>
+                                        </p:tav>
+                                      </p:tavLst>
+                                    </p:anim>
+                                  </p:childTnLst>
+                                </p:cTn>
+                              </p:par>
+                            </p:childTnLst>
+                          </p:cTn>
+                        </p:par>
+                      </p:childTnLst>
+                    </p:cTn>
+                  </p:par>
+                  <p:par>
+                    <p:cTn id="17" fill="hold">
+                      <p:stCondLst>
+                        <p:cond delay="indefinite"/>
+                      </p:stCondLst>
+                      <p:childTnLst>
+                        <p:par>
+                          <p:cTn id="18" fill="hold">
+                            <p:stCondLst>
+                              <p:cond delay="0"/>
+                            </p:stCondLst>
+                            <p:childTnLst>
+                              <p:par>
+                                <p:cTn id="19" presetID="42" presetClass="entr" presetSubtype="0" fill="hold" nodeType="clickEffect">
+                                  <p:stCondLst>
+                                    <p:cond delay="0"/>
+                                  </p:stCondLst>
+                                  <p:childTnLst>
+                                    <p:set>
+                                      <p:cBhvr>
+                                        <p:cTn id="20" dur="1" fill="hold">
+                                          <p:stCondLst>
+                                            <p:cond delay="0"/>
+                                          </p:stCondLst>
+                                        </p:cTn>
+                                        <p:tgtEl>
+                                          <p:spTgt spid="3">
+                                            <p:txEl>
+                                              <p:pRg st="2" end="2"/>
+                                            </p:txEl>
+                                          </p:spTgt>
+                                        </p:tgtEl>
+                                        <p:attrNameLst>
+                                          <p:attrName>style.visibility</p:attrName>
+                                        </p:attrNameLst>
+                                      </p:cBhvr>
+                                      <p:to>
+                                        <p:strVal val="visible"/>
+                                      </p:to>
+                                    </p:set>
+                                    <p:animEffect transition="in" filter="fade">
+                                      <p:cBhvr>
+                                        <p:cTn id="21" dur="1000"/>
+                                        <p:tgtEl>
+                                          <p:spTgt spid="3">
+                                            <p:txEl>
+                                              <p:pRg st="2" end="2"/>
+                                            </p:txEl>
+                                          </p:spTgt>
+                                        </p:tgtEl>
+                                      </p:cBhvr>
+                                    </p:animEffect>
+                                    <p:anim calcmode="lin" valueType="num">
+                                      <p:cBhvr>
+                                        <p:cTn id="22" dur="1000" fill="hold"/>
+                                        <p:tgtEl>
+                                          <p:spTgt spid="3">
+                                            <p:txEl>
+                                              <p:pRg st="2" end="2"/>
+                                            </p:txEl>
+                                          </p:spTgt>
+                                        </p:tgtEl>
+                                        <p:attrNameLst>
+                                          <p:attrName>ppt_x</p:attrName>
+                                        </p:attrNameLst>
+                                      </p:cBhvr>
+                                      <p:tavLst>
+                                        <p:tav tm="0">
+                                          <p:val>
+                                            <p:strVal val="#ppt_x"/>
+                                          </p:val>
+                                        </p:tav>
+                                        <p:tav tm="100000">
+                                          <p:val>
+                                            <p:strVal val="#ppt_x"/>
+                                          </p:val>
+                                        </p:tav>
+                                      </p:tavLst>
+                                    </p:anim>
+                                    <p:anim calcmode="lin" valueType="num">
+                                      <p:cBhvr>
+                                        <p:cTn id="23" dur="1000" fill="hold"/>
+                                        <p:tgtEl>
+                                          <p:spTgt spid="3">
+                                            <p:txEl>
+                                              <p:pRg st="2" end="2"/>
+                                            </p:txEl>
+                                          </p:spTgt>
+                                        </p:tgtEl>
+                                        <p:attrNameLst>
+                                          <p:attrName>ppt_y</p:attrName>
+                                        </p:attrNameLst>
+                                      </p:cBhvr>
+                                      <p:tavLst>
+                                        <p:tav tm="0">
+                                          <p:val>
+                                            <p:strVal val="#ppt_y+.1"/>
+                                          </p:val>
+                                        </p:tav>
+                                        <p:tav tm="100000">
+                                          <p:val>
+                                            <p:strVal val="#ppt_y"/>
+                                          </p:val>
+                                        </p:tav>
+                                      </p:tavLst>
+                                    </p:anim>
+                                  </p:childTnLst>
+                                </p:cTn>
+                              </p:par>
+                            </p:childTnLst>
+                          </p:cTn>
+                        </p:par>
+                      </p:childTnLst>
+                    </p:cTn>
+                  </p:par>
+                  <p:par>
+                    <p:cTn id="24" fill="hold">
+                      <p:stCondLst>
+                        <p:cond delay="indefinite"/>
+                      </p:stCondLst>
+                      <p:childTnLst>
+                        <p:par>
+                          <p:cTn id="25" fill="hold">
+                            <p:stCondLst>
+                              <p:cond delay="0"/>
+                            </p:stCondLst>
+                            <p:childTnLst>
+                              <p:par>
+                                <p:cTn id="26" presetID="42" presetClass="entr" presetSubtype="0" fill="hold" nodeType="clickEffect">
+                                  <p:stCondLst>
+                                    <p:cond delay="0"/>
+                                  </p:stCondLst>
+                                  <p:childTnLst>
+                                    <p:set>
+                                      <p:cBhvr>
+                                        <p:cTn id="27" dur="1" fill="hold">
+                                          <p:stCondLst>
+                                            <p:cond delay="0"/>
+                                          </p:stCondLst>
+                                        </p:cTn>
+                                        <p:tgtEl>
+                                          <p:spTgt spid="3">
+                                            <p:txEl>
+                                              <p:pRg st="3" end="3"/>
+                                            </p:txEl>
+                                          </p:spTgt>
+                                        </p:tgtEl>
+                                        <p:attrNameLst>
+                                          <p:attrName>style.visibility</p:attrName>
+                                        </p:attrNameLst>
+                                      </p:cBhvr>
+                                      <p:to>
+                                        <p:strVal val="visible"/>
+                                      </p:to>
+                                    </p:set>
+                                    <p:animEffect transition="in" filter="fade">
+                                      <p:cBhvr>
+                                        <p:cTn id="28" dur="1000"/>
+                                        <p:tgtEl>
+                                          <p:spTgt spid="3">
+                                            <p:txEl>
+                                              <p:pRg st="3" end="3"/>
+                                            </p:txEl>
+                                          </p:spTgt>
+                                        </p:tgtEl>
+                                      </p:cBhvr>
+                                    </p:animEffect>
+                                    <p:anim calcmode="lin" valueType="num">
+                                      <p:cBhvr>
+                                        <p:cTn id="29" dur="1000" fill="hold"/>
+                                        <p:tgtEl>
+                                          <p:spTgt spid="3">
+                                            <p:txEl>
+                                              <p:pRg st="3" end="3"/>
+                                            </p:txEl>
+                                          </p:spTgt>
+                                        </p:tgtEl>
+                                        <p:attrNameLst>
+                                          <p:attrName>ppt_x</p:attrName>
+                                        </p:attrNameLst>
+                                      </p:cBhvr>
+                                      <p:tavLst>
+                                        <p:tav tm="0">
+                                          <p:val>
+                                            <p:strVal val="#ppt_x"/>
+                                          </p:val>
+                                        </p:tav>
+                                        <p:tav tm="100000">
+                                          <p:val>
+                                            <p:strVal val="#ppt_x"/>
+                                          </p:val>
+                                        </p:tav>
+                                      </p:tavLst>
+                                    </p:anim>
+                                    <p:anim calcmode="lin" valueType="num">
+                                      <p:cBhvr>
+                                        <p:cTn id="30" dur="1000" fill="hold"/>
+                                        <p:tgtEl>
+                                          <p:spTgt spid="3">
+                                            <p:txEl>
+                                              <p:pRg st="3" end="3"/>
+                                            </p:txEl>
+                                          </p:spTgt>
+                                        </p:tgtEl>
+                                        <p:attrNameLst>
+                                          <p:attrName>ppt_y</p:attrName>
+                                        </p:attrNameLst>
+                                      </p:cBhvr>
+                                      <p:tavLst>
+                                        <p:tav tm="0">
+                                          <p:val>
+                                            <p:strVal val="#ppt_y+.1"/>
+                                          </p:val>
+                                        </p:tav>
+                                        <p:tav tm="100000">
+                                          <p:val>
+                                            <p:strVal val="#ppt_y"/>
+                                          </p:val>
+                                        </p:tav>
+                                      </p:tavLst>
+                                    </p:anim>
+                                  </p:childTnLst>
+                                </p:cTn>
+                              </p:par>
+                            </p:childTnLst>
+                          </p:cTn>
+                        </p:par>
+                      </p:childTnLst>
+                    </p:cTn>
+                  </p:par>
+                  <p:par>
+                    <p:cTn id="31" fill="hold">
+                      <p:stCondLst>
+                        <p:cond delay="indefinite"/>
+                      </p:stCondLst>
+                      <p:childTnLst>
+                        <p:par>
+                          <p:cTn id="32" fill="hold">
+                            <p:stCondLst>
+                              <p:cond delay="0"/>
+                            </p:stCondLst>
+                            <p:childTnLst>
+                              <p:par>
+                                <p:cTn id="33" presetID="42" presetClass="entr" presetSubtype="0" fill="hold" nodeType="clickEffect">
+                                  <p:stCondLst>
+                                    <p:cond delay="0"/>
+                                  </p:stCondLst>
+                                  <p:childTnLst>
+                                    <p:set>
+                                      <p:cBhvr>
+                                        <p:cTn id="34" dur="1" fill="hold">
+                                          <p:stCondLst>
+                                            <p:cond delay="0"/>
+                                          </p:stCondLst>
+                                        </p:cTn>
+                                        <p:tgtEl>
+                                          <p:spTgt spid="3">
+                                            <p:txEl>
+                                              <p:pRg st="4" end="4"/>
+                                            </p:txEl>
+                                          </p:spTgt>
+                                        </p:tgtEl>
+                                        <p:attrNameLst>
+                                          <p:attrName>style.visibility</p:attrName>
+                                        </p:attrNameLst>
+                                      </p:cBhvr>
+                                      <p:to>
+                                        <p:strVal val="visible"/>
+                                      </p:to>
+                                    </p:set>
+                                    <p:animEffect transition="in" filter="fade">
+                                      <p:cBhvr>
+                                        <p:cTn id="35" dur="1000"/>
+                                        <p:tgtEl>
+                                          <p:spTgt spid="3">
+                                            <p:txEl>
+                                              <p:pRg st="4" end="4"/>
+                                            </p:txEl>
+                                          </p:spTgt>
+                                        </p:tgtEl>
+                                      </p:cBhvr>
+                                    </p:animEffect>
+                                    <p:anim calcmode="lin" valueType="num">
+                                      <p:cBhvr>
+                                        <p:cTn id="36" dur="1000" fill="hold"/>
+                                        <p:tgtEl>
+                                          <p:spTgt spid="3">
+                                            <p:txEl>
+                                              <p:pRg st="4" end="4"/>
+                                            </p:txEl>
+                                          </p:spTgt>
+                                        </p:tgtEl>
+                                        <p:attrNameLst>
+                                          <p:attrName>ppt_x</p:attrName>
+                                        </p:attrNameLst>
+                                      </p:cBhvr>
+                                      <p:tavLst>
+                                        <p:tav tm="0">
+                                          <p:val>
+                                            <p:strVal val="#ppt_x"/>
+                                          </p:val>
+                                        </p:tav>
+                                        <p:tav tm="100000">
+                                          <p:val>
+                                            <p:strVal val="#ppt_x"/>
+                                          </p:val>
+                                        </p:tav>
+                                      </p:tavLst>
+                                    </p:anim>
+                                    <p:anim calcmode="lin" valueType="num">
+                                      <p:cBhvr>
+                                        <p:cTn id="37" dur="1000" fill="hold"/>
+                                        <p:tgtEl>
+                                          <p:spTgt spid="3">
+                                            <p:txEl>
+                                              <p:pRg st="4" end="4"/>
+                                            </p:txEl>
+                                          </p:spTgt>
+                                        </p:tgtEl>
+                                        <p:attrNameLst>
+                                          <p:attrName>ppt_y</p:attrName>
+                                        </p:attrNameLst>
+                                      </p:cBhvr>
+                                      <p:tavLst>
+                                        <p:tav tm="0">
+                                          <p:val>
+                                            <p:strVal val="#ppt_y+.1"/>
+                                          </p:val>
+                                        </p:tav>
+                                        <p:tav tm="100000">
+                                          <p:val>
+                                            <p:strVal val="#ppt_y"/>
+                                          </p:val>
+                                        </p:tav>
+                                      </p:tavLst>
+                                    </p:anim>
+                                  </p:childTnLst>
+                                </p:cTn>
+                              </p:par>
+                            </p:childTnLst>
+                          </p:cTn>
+                        </p:par>
+                      </p:childTnLst>
+                    </p:cTn>
+                  </p:par>
+                  <p:par>
+                    <p:cTn id="38" fill="hold">
+                      <p:stCondLst>
+                        <p:cond delay="indefinite"/>
+                      </p:stCondLst>
+                      <p:childTnLst>
+                        <p:par>
+                          <p:cTn id="39" fill="hold">
+                            <p:stCondLst>
+                              <p:cond delay="0"/>
+                            </p:stCondLst>
+                            <p:childTnLst>
+                              <p:par>
+                                <p:cTn id="40" presetID="42" presetClass="entr" presetSubtype="0" fill="hold" nodeType="clickEffect">
+                                  <p:stCondLst>
+                                    <p:cond delay="0"/>
+                                  </p:stCondLst>
+                                  <p:childTnLst>
+                                    <p:set>
+                                      <p:cBhvr>
+                                        <p:cTn id="41" dur="1" fill="hold">
+                                          <p:stCondLst>
+                                            <p:cond delay="0"/>
+                                          </p:stCondLst>
+                                        </p:cTn>
+                                        <p:tgtEl>
+                                          <p:spTgt spid="3">
+                                            <p:txEl>
+                                              <p:pRg st="5" end="5"/>
+                                            </p:txEl>
+                                          </p:spTgt>
+                                        </p:tgtEl>
+                                        <p:attrNameLst>
+                                          <p:attrName>style.visibility</p:attrName>
+                                        </p:attrNameLst>
+                                      </p:cBhvr>
+                                      <p:to>
+                                        <p:strVal val="visible"/>
+                                      </p:to>
+                                    </p:set>
+                                    <p:animEffect transition="in" filter="fade">
+                                      <p:cBhvr>
+                                        <p:cTn id="42" dur="1000"/>
+                                        <p:tgtEl>
+                                          <p:spTgt spid="3">
+                                            <p:txEl>
+                                              <p:pRg st="5" end="5"/>
+                                            </p:txEl>
+                                          </p:spTgt>
+                                        </p:tgtEl>
+                                      </p:cBhvr>
+                                    </p:animEffect>
+                                    <p:anim calcmode="lin" valueType="num">
+                                      <p:cBhvr>
+                                        <p:cTn id="43" dur="1000" fill="hold"/>
+                                        <p:tgtEl>
+                                          <p:spTgt spid="3">
+                                            <p:txEl>
+                                              <p:pRg st="5" end="5"/>
+                                            </p:txEl>
+                                          </p:spTgt>
+                                        </p:tgtEl>
+                                        <p:attrNameLst>
+                                          <p:attrName>ppt_x</p:attrName>
+                                        </p:attrNameLst>
+                                      </p:cBhvr>
+                                      <p:tavLst>
+                                        <p:tav tm="0">
+                                          <p:val>
+                                            <p:strVal val="#ppt_x"/>
+                                          </p:val>
+                                        </p:tav>
+                                        <p:tav tm="100000">
+                                          <p:val>
+                                            <p:strVal val="#ppt_x"/>
+                                          </p:val>
+                                        </p:tav>
+                                      </p:tavLst>
+                                    </p:anim>
+                                    <p:anim calcmode="lin" valueType="num">
+                                      <p:cBhvr>
+                                        <p:cTn id="44" dur="1000" fill="hold"/>
+                                        <p:tgtEl>
+                                          <p:spTgt spid="3">
+                                            <p:txEl>
+                                              <p:pRg st="5" end="5"/>
+                                            </p:txEl>
+                                          </p:spTgt>
+                                        </p:tgtEl>
+                                        <p:attrNameLst>
+                                          <p:attrName>ppt_y</p:attrName>
+                                        </p:attrNameLst>
+                                      </p:cBhvr>
+                                      <p:tavLst>
+                                        <p:tav tm="0">
+                                          <p:val>
+                                            <p:strVal val="#ppt_y+.1"/>
+                                          </p:val>
+                                        </p:tav>
+                                        <p:tav tm="100000">
+                                          <p:val>
+                                            <p:strVal val="#ppt_y"/>
+                                          </p:val>
+                                        </p:tav>
+                                      </p:tavLst>
+                                    </p:anim>
+                                  </p:childTnLst>
+                                </p:cTn>
+                              </p:par>
+                            </p:childTnLst>
+                          </p:cTn>
+                        </p:par>
+                      </p:childTnLst>
+                    </p:cTn>
+                  </p:par>
+                </p:childTnLst>
+              </p:cTn>
+              <p:prevCondLst>
+                <p:cond evt="onPrev" delay="0">
+                  <p:tgtEl>
+                    <p:sldTgt/>
+                  </p:tgtEl>
+                </p:cond>
+              </p:prevCondLst>
+              <p:nextCondLst>
+                <p:cond evt="onNext" delay="0">
+                  <p:tgtEl>
+                    <p:sldTgt/>
+                  </p:tgtEl>
+                </p:cond>
+              </p:nextCondLst>
+            </p:seq>
+          </p:childTnLst>
+        </p:cTn>
+      </p:par>
+    </p:tnLst>
+  </p:timing>
 </p:sld>
 </file>
 
@@ -13690,7 +16110,7 @@
         </p:nvSpPr>
         <p:spPr>
           <a:xfrm>
-            <a:off x="838200" y="631825"/>
+            <a:off x="836676" y="562374"/>
             <a:ext cx="10515600" cy="1325563"/>
           </a:xfrm>
         </p:spPr>
@@ -13701,7 +16121,7 @@
           <a:lstStyle/>
           <a:p>
             <a:r>
-              <a:rPr kumimoji="1" lang="ja-JP" altLang="en-US"/>
+              <a:rPr kumimoji="1" lang="ja-JP" altLang="en-US" dirty="0"/>
               <a:t>躓いた点</a:t>
             </a:r>
           </a:p>
@@ -13725,8 +16145,8 @@
         </p:nvSpPr>
         <p:spPr>
           <a:xfrm>
-            <a:off x="838200" y="2057400"/>
-            <a:ext cx="10515600" cy="3871762"/>
+            <a:off x="3671801" y="2252288"/>
+            <a:ext cx="5784273" cy="3871762"/>
           </a:xfrm>
         </p:spPr>
         <p:txBody>
@@ -13753,6 +16173,42 @@
           </a:p>
         </p:txBody>
       </p:sp>
+      <p:pic>
+        <p:nvPicPr>
+          <p:cNvPr id="5" name="図 4" descr="図形&#10;&#10;低い精度で自動的に生成された説明">
+            <a:extLst>
+              <a:ext uri="{FF2B5EF4-FFF2-40B4-BE49-F238E27FC236}">
+                <a16:creationId xmlns:a16="http://schemas.microsoft.com/office/drawing/2014/main" id="{F0CCBA88-865C-88AA-0AB4-D0E85244FB32}"/>
+              </a:ext>
+            </a:extLst>
+          </p:cNvPr>
+          <p:cNvPicPr>
+            <a:picLocks noChangeAspect="1"/>
+          </p:cNvPicPr>
+          <p:nvPr/>
+        </p:nvPicPr>
+        <p:blipFill>
+          <a:blip r:embed="rId2">
+            <a:extLst>
+              <a:ext uri="{28A0092B-C50C-407E-A947-70E740481C1C}">
+                <a14:useLocalDpi xmlns:a14="http://schemas.microsoft.com/office/drawing/2010/main" val="0"/>
+              </a:ext>
+            </a:extLst>
+          </a:blip>
+          <a:stretch>
+            <a:fillRect/>
+          </a:stretch>
+        </p:blipFill>
+        <p:spPr>
+          <a:xfrm>
+            <a:off x="-207818" y="1932248"/>
+            <a:ext cx="4106488" cy="3871762"/>
+          </a:xfrm>
+          <a:prstGeom prst="rect">
+            <a:avLst/>
+          </a:prstGeom>
+        </p:spPr>
+      </p:pic>
     </p:spTree>
     <p:extLst>
       <p:ext uri="{BB962C8B-B14F-4D97-AF65-F5344CB8AC3E}">
@@ -13771,6 +16227,266 @@
       <p:transition spd="slow" advTm="28764"/>
     </mc:Fallback>
   </mc:AlternateContent>
+  <p:timing>
+    <p:tnLst>
+      <p:par>
+        <p:cTn id="1" dur="indefinite" restart="never" nodeType="tmRoot">
+          <p:childTnLst>
+            <p:seq concurrent="1" nextAc="seek">
+              <p:cTn id="2" dur="indefinite" nodeType="mainSeq">
+                <p:childTnLst>
+                  <p:par>
+                    <p:cTn id="3" fill="hold">
+                      <p:stCondLst>
+                        <p:cond delay="indefinite"/>
+                      </p:stCondLst>
+                      <p:childTnLst>
+                        <p:par>
+                          <p:cTn id="4" fill="hold">
+                            <p:stCondLst>
+                              <p:cond delay="0"/>
+                            </p:stCondLst>
+                            <p:childTnLst>
+                              <p:par>
+                                <p:cTn id="5" presetID="42" presetClass="entr" presetSubtype="0" fill="hold" nodeType="clickEffect">
+                                  <p:stCondLst>
+                                    <p:cond delay="0"/>
+                                  </p:stCondLst>
+                                  <p:childTnLst>
+                                    <p:set>
+                                      <p:cBhvr>
+                                        <p:cTn id="6" dur="1" fill="hold">
+                                          <p:stCondLst>
+                                            <p:cond delay="0"/>
+                                          </p:stCondLst>
+                                        </p:cTn>
+                                        <p:tgtEl>
+                                          <p:spTgt spid="3">
+                                            <p:txEl>
+                                              <p:pRg st="0" end="0"/>
+                                            </p:txEl>
+                                          </p:spTgt>
+                                        </p:tgtEl>
+                                        <p:attrNameLst>
+                                          <p:attrName>style.visibility</p:attrName>
+                                        </p:attrNameLst>
+                                      </p:cBhvr>
+                                      <p:to>
+                                        <p:strVal val="visible"/>
+                                      </p:to>
+                                    </p:set>
+                                    <p:animEffect transition="in" filter="fade">
+                                      <p:cBhvr>
+                                        <p:cTn id="7" dur="1000"/>
+                                        <p:tgtEl>
+                                          <p:spTgt spid="3">
+                                            <p:txEl>
+                                              <p:pRg st="0" end="0"/>
+                                            </p:txEl>
+                                          </p:spTgt>
+                                        </p:tgtEl>
+                                      </p:cBhvr>
+                                    </p:animEffect>
+                                    <p:anim calcmode="lin" valueType="num">
+                                      <p:cBhvr>
+                                        <p:cTn id="8" dur="1000" fill="hold"/>
+                                        <p:tgtEl>
+                                          <p:spTgt spid="3">
+                                            <p:txEl>
+                                              <p:pRg st="0" end="0"/>
+                                            </p:txEl>
+                                          </p:spTgt>
+                                        </p:tgtEl>
+                                        <p:attrNameLst>
+                                          <p:attrName>ppt_x</p:attrName>
+                                        </p:attrNameLst>
+                                      </p:cBhvr>
+                                      <p:tavLst>
+                                        <p:tav tm="0">
+                                          <p:val>
+                                            <p:strVal val="#ppt_x"/>
+                                          </p:val>
+                                        </p:tav>
+                                        <p:tav tm="100000">
+                                          <p:val>
+                                            <p:strVal val="#ppt_x"/>
+                                          </p:val>
+                                        </p:tav>
+                                      </p:tavLst>
+                                    </p:anim>
+                                    <p:anim calcmode="lin" valueType="num">
+                                      <p:cBhvr>
+                                        <p:cTn id="9" dur="1000" fill="hold"/>
+                                        <p:tgtEl>
+                                          <p:spTgt spid="3">
+                                            <p:txEl>
+                                              <p:pRg st="0" end="0"/>
+                                            </p:txEl>
+                                          </p:spTgt>
+                                        </p:tgtEl>
+                                        <p:attrNameLst>
+                                          <p:attrName>ppt_y</p:attrName>
+                                        </p:attrNameLst>
+                                      </p:cBhvr>
+                                      <p:tavLst>
+                                        <p:tav tm="0">
+                                          <p:val>
+                                            <p:strVal val="#ppt_y+.1"/>
+                                          </p:val>
+                                        </p:tav>
+                                        <p:tav tm="100000">
+                                          <p:val>
+                                            <p:strVal val="#ppt_y"/>
+                                          </p:val>
+                                        </p:tav>
+                                      </p:tavLst>
+                                    </p:anim>
+                                  </p:childTnLst>
+                                </p:cTn>
+                              </p:par>
+                            </p:childTnLst>
+                          </p:cTn>
+                        </p:par>
+                      </p:childTnLst>
+                    </p:cTn>
+                  </p:par>
+                  <p:par>
+                    <p:cTn id="10" fill="hold">
+                      <p:stCondLst>
+                        <p:cond delay="indefinite"/>
+                      </p:stCondLst>
+                      <p:childTnLst>
+                        <p:par>
+                          <p:cTn id="11" fill="hold">
+                            <p:stCondLst>
+                              <p:cond delay="0"/>
+                            </p:stCondLst>
+                            <p:childTnLst>
+                              <p:par>
+                                <p:cTn id="12" presetID="42" presetClass="entr" presetSubtype="0" fill="hold" nodeType="clickEffect">
+                                  <p:stCondLst>
+                                    <p:cond delay="0"/>
+                                  </p:stCondLst>
+                                  <p:childTnLst>
+                                    <p:set>
+                                      <p:cBhvr>
+                                        <p:cTn id="13" dur="1" fill="hold">
+                                          <p:stCondLst>
+                                            <p:cond delay="0"/>
+                                          </p:stCondLst>
+                                        </p:cTn>
+                                        <p:tgtEl>
+                                          <p:spTgt spid="3">
+                                            <p:txEl>
+                                              <p:pRg st="2" end="2"/>
+                                            </p:txEl>
+                                          </p:spTgt>
+                                        </p:tgtEl>
+                                        <p:attrNameLst>
+                                          <p:attrName>style.visibility</p:attrName>
+                                        </p:attrNameLst>
+                                      </p:cBhvr>
+                                      <p:to>
+                                        <p:strVal val="visible"/>
+                                      </p:to>
+                                    </p:set>
+                                    <p:animEffect transition="in" filter="fade">
+                                      <p:cBhvr>
+                                        <p:cTn id="14" dur="1000"/>
+                                        <p:tgtEl>
+                                          <p:spTgt spid="3">
+                                            <p:txEl>
+                                              <p:pRg st="2" end="2"/>
+                                            </p:txEl>
+                                          </p:spTgt>
+                                        </p:tgtEl>
+                                      </p:cBhvr>
+                                    </p:animEffect>
+                                    <p:anim calcmode="lin" valueType="num">
+                                      <p:cBhvr>
+                                        <p:cTn id="15" dur="1000" fill="hold"/>
+                                        <p:tgtEl>
+                                          <p:spTgt spid="3">
+                                            <p:txEl>
+                                              <p:pRg st="2" end="2"/>
+                                            </p:txEl>
+                                          </p:spTgt>
+                                        </p:tgtEl>
+                                        <p:attrNameLst>
+                                          <p:attrName>ppt_x</p:attrName>
+                                        </p:attrNameLst>
+                                      </p:cBhvr>
+                                      <p:tavLst>
+                                        <p:tav tm="0">
+                                          <p:val>
+                                            <p:strVal val="#ppt_x"/>
+                                          </p:val>
+                                        </p:tav>
+                                        <p:tav tm="100000">
+                                          <p:val>
+                                            <p:strVal val="#ppt_x"/>
+                                          </p:val>
+                                        </p:tav>
+                                      </p:tavLst>
+                                    </p:anim>
+                                    <p:anim calcmode="lin" valueType="num">
+                                      <p:cBhvr>
+                                        <p:cTn id="16" dur="1000" fill="hold"/>
+                                        <p:tgtEl>
+                                          <p:spTgt spid="3">
+                                            <p:txEl>
+                                              <p:pRg st="2" end="2"/>
+                                            </p:txEl>
+                                          </p:spTgt>
+                                        </p:tgtEl>
+                                        <p:attrNameLst>
+                                          <p:attrName>ppt_y</p:attrName>
+                                        </p:attrNameLst>
+                                      </p:cBhvr>
+                                      <p:tavLst>
+                                        <p:tav tm="0">
+                                          <p:val>
+                                            <p:strVal val="#ppt_y+.1"/>
+                                          </p:val>
+                                        </p:tav>
+                                        <p:tav tm="100000">
+                                          <p:val>
+                                            <p:strVal val="#ppt_y"/>
+                                          </p:val>
+                                        </p:tav>
+                                      </p:tavLst>
+                                    </p:anim>
+                                  </p:childTnLst>
+                                </p:cTn>
+                              </p:par>
+                            </p:childTnLst>
+                          </p:cTn>
+                        </p:par>
+                      </p:childTnLst>
+                    </p:cTn>
+                  </p:par>
+                </p:childTnLst>
+              </p:cTn>
+              <p:prevCondLst>
+                <p:cond evt="onPrev" delay="0">
+                  <p:tgtEl>
+                    <p:sldTgt/>
+                  </p:tgtEl>
+                </p:cond>
+              </p:prevCondLst>
+              <p:nextCondLst>
+                <p:cond evt="onNext" delay="0">
+                  <p:tgtEl>
+                    <p:sldTgt/>
+                  </p:tgtEl>
+                </p:cond>
+              </p:nextCondLst>
+            </p:seq>
+          </p:childTnLst>
+        </p:cTn>
+      </p:par>
+    </p:tnLst>
+  </p:timing>
 </p:sld>
 </file>
 
